--- a/commit/课程报告.pptx
+++ b/commit/课程报告.pptx
@@ -121,6 +121,22 @@
       </a:defRPr>
     </a:lvl9pPr>
   </p:defaultTextStyle>
+  <p:extLst>
+    <p:ext uri="{EFAFB233-063F-42B5-8137-9DF3F51BA10A}">
+      <p15:sldGuideLst xmlns:p15="http://schemas.microsoft.com/office/powerpoint/2012/main">
+        <p15:guide id="1" orient="horz" pos="2160" userDrawn="1">
+          <p15:clr>
+            <a:srgbClr val="A4A3A4"/>
+          </p15:clr>
+        </p15:guide>
+        <p15:guide id="2" pos="3840" userDrawn="1">
+          <p15:clr>
+            <a:srgbClr val="A4A3A4"/>
+          </p15:clr>
+        </p15:guide>
+      </p15:sldGuideLst>
+    </p:ext>
+  </p:extLst>
 </p:presentation>
 </file>
 
@@ -3458,692 +3474,3562 @@
       </p:sp>
       <p:graphicFrame>
         <p:nvGraphicFramePr>
-          <p:cNvPr id="4" name="内容占位符 3"/>
+          <p:cNvPr id="6" name="表格 5"/>
           <p:cNvGraphicFramePr/>
           <p:nvPr>
-            <p:ph idx="1"/>
+            <p:custDataLst>
+              <p:tags r:id="rId1"/>
+            </p:custDataLst>
           </p:nvPr>
         </p:nvGraphicFramePr>
         <p:xfrm>
-          <a:off x="838200" y="1825625"/>
-          <a:ext cx="10515600" cy="4191000"/>
+          <a:off x="1217295" y="1691005"/>
+          <a:ext cx="8959850" cy="4840605"/>
         </p:xfrm>
         <a:graphic>
           <a:graphicData uri="http://schemas.openxmlformats.org/drawingml/2006/table">
             <a:tbl>
-              <a:tblPr firstRow="1" bandRow="1">
-                <a:tableStyleId>{5C22544A-7EE6-4342-B048-85BDC9FD1C3A}</a:tableStyleId>
-              </a:tblPr>
+              <a:tblPr/>
               <a:tblGrid>
-                <a:gridCol w="2628900"/>
-                <a:gridCol w="2628900"/>
-                <a:gridCol w="2628900"/>
-                <a:gridCol w="2628900"/>
+                <a:gridCol w="1791970"/>
+                <a:gridCol w="1791970"/>
+                <a:gridCol w="1791970"/>
+                <a:gridCol w="1791970"/>
+                <a:gridCol w="1791970"/>
               </a:tblGrid>
-              <a:tr h="381000">
+              <a:tr h="440055">
                 <a:tc>
                   <a:txBody>
                     <a:bodyPr/>
                     <a:p>
-                      <a:pPr>
-                        <a:buNone/>
+                      <a:pPr marL="68580" indent="0" algn="ctr">
+                        <a:spcBef>
+                          <a:spcPct val="0"/>
+                        </a:spcBef>
+                        <a:spcAft>
+                          <a:spcPct val="0"/>
+                        </a:spcAft>
                       </a:pPr>
-                      <a:endParaRPr lang="zh-CN" altLang="en-US"/>
+                      <a:endParaRPr sz="1200">
+                        <a:solidFill>
+                          <a:srgbClr val="000000"/>
+                        </a:solidFill>
+                        <a:latin typeface="宋体" panose="02010600030101010101" pitchFamily="2" charset="-122"/>
+                        <a:ea typeface="宋体" panose="02010600030101010101" pitchFamily="2" charset="-122"/>
+                      </a:endParaRPr>
                     </a:p>
                   </a:txBody>
-                  <a:tcPr/>
+                  <a:tcPr marL="68580" marR="68580" marT="0" marB="0" anchor="ctr" anchorCtr="0">
+                    <a:lnL w="6350" cap="flat" cmpd="sng">
+                      <a:solidFill>
+                        <a:srgbClr val="000008"/>
+                      </a:solidFill>
+                      <a:prstDash val="solid"/>
+                      <a:headEnd type="none" w="med" len="med"/>
+                      <a:tailEnd type="none" w="med" len="med"/>
+                    </a:lnL>
+                    <a:lnR w="6350" cap="flat" cmpd="sng">
+                      <a:solidFill>
+                        <a:srgbClr val="000008"/>
+                      </a:solidFill>
+                      <a:prstDash val="solid"/>
+                      <a:headEnd type="none" w="med" len="med"/>
+                      <a:tailEnd type="none" w="med" len="med"/>
+                    </a:lnR>
+                    <a:lnT w="6350" cap="flat" cmpd="sng">
+                      <a:solidFill>
+                        <a:srgbClr val="000008"/>
+                      </a:solidFill>
+                      <a:prstDash val="solid"/>
+                      <a:headEnd type="none" w="med" len="med"/>
+                      <a:tailEnd type="none" w="med" len="med"/>
+                    </a:lnT>
+                    <a:lnB w="6350" cap="flat" cmpd="sng">
+                      <a:solidFill>
+                        <a:srgbClr val="000008"/>
+                      </a:solidFill>
+                      <a:prstDash val="solid"/>
+                      <a:headEnd type="none" w="med" len="med"/>
+                      <a:tailEnd type="none" w="med" len="med"/>
+                    </a:lnB>
+                    <a:noFill/>
+                  </a:tcPr>
                 </a:tc>
                 <a:tc>
                   <a:txBody>
                     <a:bodyPr/>
                     <a:p>
-                      <a:pPr>
-                        <a:buNone/>
+                      <a:pPr marL="68580" indent="0" algn="ctr">
+                        <a:spcBef>
+                          <a:spcPct val="0"/>
+                        </a:spcBef>
+                        <a:spcAft>
+                          <a:spcPct val="0"/>
+                        </a:spcAft>
                       </a:pPr>
-                      <a:endParaRPr lang="zh-CN" altLang="en-US"/>
+                      <a:r>
+                        <a:rPr lang="en-US" altLang="zh-CN" sz="1200">
+                          <a:solidFill>
+                            <a:srgbClr val="000000"/>
+                          </a:solidFill>
+                          <a:latin typeface="宋体" panose="02010600030101010101" pitchFamily="2" charset="-122"/>
+                          <a:ea typeface="宋体" panose="02010600030101010101" pitchFamily="2" charset="-122"/>
+                        </a:rPr>
+                        <a:t> </a:t>
+                      </a:r>
+                      <a:endParaRPr lang="en-US" altLang="zh-CN" sz="1200">
+                        <a:solidFill>
+                          <a:srgbClr val="000000"/>
+                        </a:solidFill>
+                        <a:latin typeface="宋体" panose="02010600030101010101" pitchFamily="2" charset="-122"/>
+                        <a:ea typeface="宋体" panose="02010600030101010101" pitchFamily="2" charset="-122"/>
+                      </a:endParaRPr>
                     </a:p>
                   </a:txBody>
-                  <a:tcPr/>
+                  <a:tcPr marL="68580" marR="68580" marT="0" marB="0" anchor="ctr" anchorCtr="0">
+                    <a:lnL w="6350" cap="flat" cmpd="sng">
+                      <a:solidFill>
+                        <a:srgbClr val="000008"/>
+                      </a:solidFill>
+                      <a:prstDash val="solid"/>
+                      <a:headEnd type="none" w="med" len="med"/>
+                      <a:tailEnd type="none" w="med" len="med"/>
+                    </a:lnL>
+                    <a:lnR w="6350" cap="flat" cmpd="sng">
+                      <a:solidFill>
+                        <a:srgbClr val="000008"/>
+                      </a:solidFill>
+                      <a:prstDash val="solid"/>
+                      <a:headEnd type="none" w="med" len="med"/>
+                      <a:tailEnd type="none" w="med" len="med"/>
+                    </a:lnR>
+                    <a:lnT w="6350" cap="flat" cmpd="sng">
+                      <a:solidFill>
+                        <a:srgbClr val="000008"/>
+                      </a:solidFill>
+                      <a:prstDash val="solid"/>
+                      <a:headEnd type="none" w="med" len="med"/>
+                      <a:tailEnd type="none" w="med" len="med"/>
+                    </a:lnT>
+                    <a:lnB w="6350" cap="flat" cmpd="sng">
+                      <a:solidFill>
+                        <a:srgbClr val="000008"/>
+                      </a:solidFill>
+                      <a:prstDash val="solid"/>
+                      <a:headEnd type="none" w="med" len="med"/>
+                      <a:tailEnd type="none" w="med" len="med"/>
+                    </a:lnB>
+                    <a:noFill/>
+                  </a:tcPr>
                 </a:tc>
                 <a:tc>
                   <a:txBody>
                     <a:bodyPr/>
                     <a:p>
-                      <a:pPr>
-                        <a:buNone/>
+                      <a:pPr marL="68580" indent="0" algn="ctr">
+                        <a:spcBef>
+                          <a:spcPct val="0"/>
+                        </a:spcBef>
+                        <a:spcAft>
+                          <a:spcPct val="0"/>
+                        </a:spcAft>
                       </a:pPr>
                       <a:r>
-                        <a:rPr lang="zh-CN" altLang="en-US"/>
+                        <a:rPr lang="zh-CN" sz="1200">
+                          <a:solidFill>
+                            <a:srgbClr val="000000"/>
+                          </a:solidFill>
+                          <a:latin typeface="宋体" panose="02010600030101010101" pitchFamily="2" charset="-122"/>
+                          <a:ea typeface="宋体" panose="02010600030101010101" pitchFamily="2" charset="-122"/>
+                        </a:rPr>
                         <a:t>准确率</a:t>
                       </a:r>
-                      <a:endParaRPr lang="zh-CN" altLang="en-US"/>
+                      <a:endParaRPr lang="zh-CN" sz="1200">
+                        <a:solidFill>
+                          <a:srgbClr val="000000"/>
+                        </a:solidFill>
+                        <a:latin typeface="宋体" panose="02010600030101010101" pitchFamily="2" charset="-122"/>
+                        <a:ea typeface="宋体" panose="02010600030101010101" pitchFamily="2" charset="-122"/>
+                      </a:endParaRPr>
                     </a:p>
                   </a:txBody>
-                  <a:tcPr/>
+                  <a:tcPr marL="68580" marR="68580" marT="0" marB="0" anchor="ctr" anchorCtr="0">
+                    <a:lnL w="6350" cap="flat" cmpd="sng">
+                      <a:solidFill>
+                        <a:srgbClr val="000008"/>
+                      </a:solidFill>
+                      <a:prstDash val="solid"/>
+                      <a:headEnd type="none" w="med" len="med"/>
+                      <a:tailEnd type="none" w="med" len="med"/>
+                    </a:lnL>
+                    <a:lnR w="6350" cap="flat" cmpd="sng">
+                      <a:solidFill>
+                        <a:srgbClr val="000008"/>
+                      </a:solidFill>
+                      <a:prstDash val="solid"/>
+                      <a:headEnd type="none" w="med" len="med"/>
+                      <a:tailEnd type="none" w="med" len="med"/>
+                    </a:lnR>
+                    <a:lnT w="6350" cap="flat" cmpd="sng">
+                      <a:solidFill>
+                        <a:srgbClr val="000008"/>
+                      </a:solidFill>
+                      <a:prstDash val="solid"/>
+                      <a:headEnd type="none" w="med" len="med"/>
+                      <a:tailEnd type="none" w="med" len="med"/>
+                    </a:lnT>
+                    <a:lnB w="6350" cap="flat" cmpd="sng">
+                      <a:solidFill>
+                        <a:srgbClr val="000008"/>
+                      </a:solidFill>
+                      <a:prstDash val="solid"/>
+                      <a:headEnd type="none" w="med" len="med"/>
+                      <a:tailEnd type="none" w="med" len="med"/>
+                    </a:lnB>
+                    <a:noFill/>
+                  </a:tcPr>
                 </a:tc>
                 <a:tc>
                   <a:txBody>
                     <a:bodyPr/>
                     <a:p>
-                      <a:pPr>
-                        <a:buNone/>
+                      <a:pPr marL="68580" indent="0" algn="ctr">
+                        <a:spcBef>
+                          <a:spcPct val="0"/>
+                        </a:spcBef>
+                        <a:spcAft>
+                          <a:spcPct val="0"/>
+                        </a:spcAft>
                       </a:pPr>
                       <a:r>
-                        <a:rPr lang="zh-CN" altLang="en-US"/>
-                        <a:t>F1分数</a:t>
+                        <a:rPr lang="zh-CN" sz="1200">
+                          <a:solidFill>
+                            <a:srgbClr val="000000"/>
+                          </a:solidFill>
+                          <a:latin typeface="宋体" panose="02010600030101010101" pitchFamily="2" charset="-122"/>
+                          <a:ea typeface="宋体" panose="02010600030101010101" pitchFamily="2" charset="-122"/>
+                        </a:rPr>
+                        <a:t>召回率</a:t>
                       </a:r>
-                      <a:endParaRPr lang="zh-CN" altLang="en-US"/>
+                      <a:endParaRPr lang="zh-CN" sz="1200">
+                        <a:solidFill>
+                          <a:srgbClr val="000000"/>
+                        </a:solidFill>
+                        <a:latin typeface="宋体" panose="02010600030101010101" pitchFamily="2" charset="-122"/>
+                        <a:ea typeface="宋体" panose="02010600030101010101" pitchFamily="2" charset="-122"/>
+                      </a:endParaRPr>
                     </a:p>
                   </a:txBody>
-                  <a:tcPr/>
-                </a:tc>
-              </a:tr>
-              <a:tr h="381000">
-                <a:tc>
-                  <a:txBody>
-                    <a:bodyPr/>
-                    <a:p>
-                      <a:pPr>
-                        <a:buNone/>
-                      </a:pPr>
-                      <a:r>
-                        <a:rPr lang="zh-CN" altLang="en-US"/>
-                        <a:t>线性模型</a:t>
-                      </a:r>
-                      <a:endParaRPr lang="zh-CN" altLang="en-US"/>
-                    </a:p>
-                  </a:txBody>
-                  <a:tcPr/>
+                  <a:tcPr marL="68580" marR="68580" marT="0" marB="0" anchor="ctr" anchorCtr="0">
+                    <a:lnL w="6350" cap="flat" cmpd="sng">
+                      <a:solidFill>
+                        <a:srgbClr val="000008"/>
+                      </a:solidFill>
+                      <a:prstDash val="solid"/>
+                      <a:headEnd type="none" w="med" len="med"/>
+                      <a:tailEnd type="none" w="med" len="med"/>
+                    </a:lnL>
+                    <a:lnR w="6350" cap="flat" cmpd="sng">
+                      <a:solidFill>
+                        <a:srgbClr val="000008"/>
+                      </a:solidFill>
+                      <a:prstDash val="solid"/>
+                      <a:headEnd type="none" w="med" len="med"/>
+                      <a:tailEnd type="none" w="med" len="med"/>
+                    </a:lnR>
+                    <a:lnT w="6350" cap="flat" cmpd="sng">
+                      <a:solidFill>
+                        <a:srgbClr val="000008"/>
+                      </a:solidFill>
+                      <a:prstDash val="solid"/>
+                      <a:headEnd type="none" w="med" len="med"/>
+                      <a:tailEnd type="none" w="med" len="med"/>
+                    </a:lnT>
+                    <a:lnB w="6350" cap="flat" cmpd="sng">
+                      <a:solidFill>
+                        <a:srgbClr val="000008"/>
+                      </a:solidFill>
+                      <a:prstDash val="solid"/>
+                      <a:headEnd type="none" w="med" len="med"/>
+                      <a:tailEnd type="none" w="med" len="med"/>
+                    </a:lnB>
+                    <a:noFill/>
+                  </a:tcPr>
                 </a:tc>
                 <a:tc>
                   <a:txBody>
                     <a:bodyPr/>
                     <a:p>
-                      <a:pPr>
-                        <a:buNone/>
+                      <a:pPr marL="0" indent="0" algn="ctr">
+                        <a:spcBef>
+                          <a:spcPct val="0"/>
+                        </a:spcBef>
+                        <a:spcAft>
+                          <a:spcPct val="0"/>
+                        </a:spcAft>
                       </a:pPr>
                       <a:r>
-                        <a:rPr lang="zh-CN" altLang="en-US"/>
-                        <a:t>逻辑回归</a:t>
+                        <a:rPr lang="en-US" altLang="zh-CN" sz="1200">
+                          <a:solidFill>
+                            <a:srgbClr val="000000"/>
+                          </a:solidFill>
+                          <a:latin typeface="宋体" panose="02010600030101010101" pitchFamily="2" charset="-122"/>
+                          <a:ea typeface="宋体" panose="02010600030101010101" pitchFamily="2" charset="-122"/>
+                        </a:rPr>
+                        <a:t>AUC</a:t>
                       </a:r>
-                      <a:endParaRPr lang="zh-CN" altLang="en-US"/>
+                      <a:endParaRPr lang="en-US" altLang="zh-CN" sz="1200">
+                        <a:solidFill>
+                          <a:srgbClr val="000000"/>
+                        </a:solidFill>
+                        <a:latin typeface="宋体" panose="02010600030101010101" pitchFamily="2" charset="-122"/>
+                        <a:ea typeface="宋体" panose="02010600030101010101" pitchFamily="2" charset="-122"/>
+                      </a:endParaRPr>
                     </a:p>
                   </a:txBody>
-                  <a:tcPr/>
+                  <a:tcPr marL="68580" marR="68580" marT="0" marB="0" anchor="ctr" anchorCtr="0">
+                    <a:lnL w="6350" cap="flat" cmpd="sng">
+                      <a:solidFill>
+                        <a:srgbClr val="000008"/>
+                      </a:solidFill>
+                      <a:prstDash val="solid"/>
+                      <a:headEnd type="none" w="med" len="med"/>
+                      <a:tailEnd type="none" w="med" len="med"/>
+                    </a:lnL>
+                    <a:lnR w="6350" cap="flat" cmpd="sng">
+                      <a:solidFill>
+                        <a:srgbClr val="000008"/>
+                      </a:solidFill>
+                      <a:prstDash val="solid"/>
+                      <a:headEnd type="none" w="med" len="med"/>
+                      <a:tailEnd type="none" w="med" len="med"/>
+                    </a:lnR>
+                    <a:lnT w="6350" cap="flat" cmpd="sng">
+                      <a:solidFill>
+                        <a:srgbClr val="000008"/>
+                      </a:solidFill>
+                      <a:prstDash val="solid"/>
+                      <a:headEnd type="none" w="med" len="med"/>
+                      <a:tailEnd type="none" w="med" len="med"/>
+                    </a:lnT>
+                    <a:lnB w="6350" cap="flat" cmpd="sng">
+                      <a:solidFill>
+                        <a:srgbClr val="000008"/>
+                      </a:solidFill>
+                      <a:prstDash val="solid"/>
+                      <a:headEnd type="none" w="med" len="med"/>
+                      <a:tailEnd type="none" w="med" len="med"/>
+                    </a:lnB>
+                    <a:noFill/>
+                  </a:tcPr>
+                </a:tc>
+              </a:tr>
+              <a:tr h="440055">
+                <a:tc>
+                  <a:txBody>
+                    <a:bodyPr/>
+                    <a:p>
+                      <a:pPr marL="68580" indent="0" algn="ctr">
+                        <a:spcBef>
+                          <a:spcPct val="0"/>
+                        </a:spcBef>
+                        <a:spcAft>
+                          <a:spcPct val="0"/>
+                        </a:spcAft>
+                      </a:pPr>
+                      <a:r>
+                        <a:rPr lang="zh-CN" sz="1200">
+                          <a:solidFill>
+                            <a:srgbClr val="000000"/>
+                          </a:solidFill>
+                          <a:latin typeface="宋体" panose="02010600030101010101" pitchFamily="2" charset="-122"/>
+                          <a:ea typeface="宋体" panose="02010600030101010101" pitchFamily="2" charset="-122"/>
+                        </a:rPr>
+                        <a:t>线性模型</a:t>
+                      </a:r>
+                      <a:endParaRPr lang="zh-CN" sz="1200">
+                        <a:solidFill>
+                          <a:srgbClr val="000000"/>
+                        </a:solidFill>
+                        <a:latin typeface="宋体" panose="02010600030101010101" pitchFamily="2" charset="-122"/>
+                        <a:ea typeface="宋体" panose="02010600030101010101" pitchFamily="2" charset="-122"/>
+                      </a:endParaRPr>
+                    </a:p>
+                  </a:txBody>
+                  <a:tcPr marL="68580" marR="68580" marT="0" marB="0" anchor="ctr" anchorCtr="0">
+                    <a:lnL w="6350" cap="flat" cmpd="sng">
+                      <a:solidFill>
+                        <a:srgbClr val="000008"/>
+                      </a:solidFill>
+                      <a:prstDash val="solid"/>
+                      <a:headEnd type="none" w="med" len="med"/>
+                      <a:tailEnd type="none" w="med" len="med"/>
+                    </a:lnL>
+                    <a:lnR w="6350" cap="flat" cmpd="sng">
+                      <a:solidFill>
+                        <a:srgbClr val="000008"/>
+                      </a:solidFill>
+                      <a:prstDash val="solid"/>
+                      <a:headEnd type="none" w="med" len="med"/>
+                      <a:tailEnd type="none" w="med" len="med"/>
+                    </a:lnR>
+                    <a:lnT w="6350" cap="flat" cmpd="sng">
+                      <a:solidFill>
+                        <a:srgbClr val="000008"/>
+                      </a:solidFill>
+                      <a:prstDash val="solid"/>
+                      <a:headEnd type="none" w="med" len="med"/>
+                      <a:tailEnd type="none" w="med" len="med"/>
+                    </a:lnT>
+                    <a:lnB w="6350" cap="flat" cmpd="sng">
+                      <a:solidFill>
+                        <a:srgbClr val="000008"/>
+                      </a:solidFill>
+                      <a:prstDash val="solid"/>
+                      <a:headEnd type="none" w="med" len="med"/>
+                      <a:tailEnd type="none" w="med" len="med"/>
+                    </a:lnB>
+                    <a:noFill/>
+                  </a:tcPr>
                 </a:tc>
                 <a:tc>
                   <a:txBody>
                     <a:bodyPr/>
                     <a:p>
-                      <a:pPr>
-                        <a:buNone/>
+                      <a:pPr marL="68580" indent="0" algn="ctr">
+                        <a:spcBef>
+                          <a:spcPct val="0"/>
+                        </a:spcBef>
+                        <a:spcAft>
+                          <a:spcPct val="0"/>
+                        </a:spcAft>
                       </a:pPr>
                       <a:r>
-                        <a:rPr lang="zh-CN" altLang="en-US"/>
-                        <a:t>0.7987</a:t>
+                        <a:rPr lang="zh-CN" sz="1200">
+                          <a:solidFill>
+                            <a:srgbClr val="000000"/>
+                          </a:solidFill>
+                          <a:latin typeface="宋体" panose="02010600030101010101" pitchFamily="2" charset="-122"/>
+                          <a:ea typeface="宋体" panose="02010600030101010101" pitchFamily="2" charset="-122"/>
+                        </a:rPr>
+                        <a:t>逻辑回归</a:t>
                       </a:r>
-                      <a:endParaRPr lang="zh-CN" altLang="en-US"/>
+                      <a:endParaRPr lang="zh-CN" sz="1200">
+                        <a:solidFill>
+                          <a:srgbClr val="000000"/>
+                        </a:solidFill>
+                        <a:latin typeface="宋体" panose="02010600030101010101" pitchFamily="2" charset="-122"/>
+                        <a:ea typeface="宋体" panose="02010600030101010101" pitchFamily="2" charset="-122"/>
+                      </a:endParaRPr>
                     </a:p>
                   </a:txBody>
-                  <a:tcPr/>
+                  <a:tcPr marL="68580" marR="68580" marT="0" marB="0" anchor="ctr" anchorCtr="0">
+                    <a:lnL w="6350" cap="flat" cmpd="sng">
+                      <a:solidFill>
+                        <a:srgbClr val="000008"/>
+                      </a:solidFill>
+                      <a:prstDash val="solid"/>
+                      <a:headEnd type="none" w="med" len="med"/>
+                      <a:tailEnd type="none" w="med" len="med"/>
+                    </a:lnL>
+                    <a:lnR w="6350" cap="flat" cmpd="sng">
+                      <a:solidFill>
+                        <a:srgbClr val="000008"/>
+                      </a:solidFill>
+                      <a:prstDash val="solid"/>
+                      <a:headEnd type="none" w="med" len="med"/>
+                      <a:tailEnd type="none" w="med" len="med"/>
+                    </a:lnR>
+                    <a:lnT w="6350" cap="flat" cmpd="sng">
+                      <a:solidFill>
+                        <a:srgbClr val="000008"/>
+                      </a:solidFill>
+                      <a:prstDash val="solid"/>
+                      <a:headEnd type="none" w="med" len="med"/>
+                      <a:tailEnd type="none" w="med" len="med"/>
+                    </a:lnT>
+                    <a:lnB w="6350" cap="flat" cmpd="sng">
+                      <a:solidFill>
+                        <a:srgbClr val="000008"/>
+                      </a:solidFill>
+                      <a:prstDash val="solid"/>
+                      <a:headEnd type="none" w="med" len="med"/>
+                      <a:tailEnd type="none" w="med" len="med"/>
+                    </a:lnB>
+                    <a:noFill/>
+                  </a:tcPr>
                 </a:tc>
                 <a:tc>
                   <a:txBody>
                     <a:bodyPr/>
                     <a:p>
-                      <a:pPr>
-                        <a:buNone/>
+                      <a:pPr marL="68580" indent="0" algn="ctr">
+                        <a:spcBef>
+                          <a:spcPct val="0"/>
+                        </a:spcBef>
+                        <a:spcAft>
+                          <a:spcPct val="0"/>
+                        </a:spcAft>
                       </a:pPr>
                       <a:r>
-                        <a:rPr lang="zh-CN" altLang="en-US"/>
-                        <a:t>0.7926</a:t>
+                        <a:rPr lang="en-US" altLang="zh-CN" sz="1200">
+                          <a:solidFill>
+                            <a:srgbClr val="000000"/>
+                          </a:solidFill>
+                          <a:latin typeface="宋体" panose="02010600030101010101" pitchFamily="2" charset="-122"/>
+                          <a:ea typeface="宋体" panose="02010600030101010101" pitchFamily="2" charset="-122"/>
+                        </a:rPr>
+                        <a:t>0.7987</a:t>
                       </a:r>
-                      <a:endParaRPr lang="zh-CN" altLang="en-US"/>
+                      <a:endParaRPr lang="en-US" altLang="zh-CN" sz="1200">
+                        <a:solidFill>
+                          <a:srgbClr val="000000"/>
+                        </a:solidFill>
+                        <a:latin typeface="宋体" panose="02010600030101010101" pitchFamily="2" charset="-122"/>
+                        <a:ea typeface="宋体" panose="02010600030101010101" pitchFamily="2" charset="-122"/>
+                      </a:endParaRPr>
                     </a:p>
                   </a:txBody>
-                  <a:tcPr/>
-                </a:tc>
-              </a:tr>
-              <a:tr h="381000">
-                <a:tc>
-                  <a:txBody>
-                    <a:bodyPr/>
-                    <a:p>
-                      <a:pPr>
-                        <a:buNone/>
-                      </a:pPr>
-                      <a:r>
-                        <a:rPr lang="zh-CN" altLang="en-US"/>
-                        <a:t>决策树模型</a:t>
-                      </a:r>
-                      <a:endParaRPr lang="zh-CN" altLang="en-US"/>
-                    </a:p>
-                  </a:txBody>
-                  <a:tcPr/>
+                  <a:tcPr marL="68580" marR="68580" marT="0" marB="0" anchor="ctr" anchorCtr="0">
+                    <a:lnL w="6350" cap="flat" cmpd="sng">
+                      <a:solidFill>
+                        <a:srgbClr val="000008"/>
+                      </a:solidFill>
+                      <a:prstDash val="solid"/>
+                      <a:headEnd type="none" w="med" len="med"/>
+                      <a:tailEnd type="none" w="med" len="med"/>
+                    </a:lnL>
+                    <a:lnR w="6350" cap="flat" cmpd="sng">
+                      <a:solidFill>
+                        <a:srgbClr val="000008"/>
+                      </a:solidFill>
+                      <a:prstDash val="solid"/>
+                      <a:headEnd type="none" w="med" len="med"/>
+                      <a:tailEnd type="none" w="med" len="med"/>
+                    </a:lnR>
+                    <a:lnT w="6350" cap="flat" cmpd="sng">
+                      <a:solidFill>
+                        <a:srgbClr val="000008"/>
+                      </a:solidFill>
+                      <a:prstDash val="solid"/>
+                      <a:headEnd type="none" w="med" len="med"/>
+                      <a:tailEnd type="none" w="med" len="med"/>
+                    </a:lnT>
+                    <a:lnB w="6350" cap="flat" cmpd="sng">
+                      <a:solidFill>
+                        <a:srgbClr val="000008"/>
+                      </a:solidFill>
+                      <a:prstDash val="solid"/>
+                      <a:headEnd type="none" w="med" len="med"/>
+                      <a:tailEnd type="none" w="med" len="med"/>
+                    </a:lnB>
+                    <a:noFill/>
+                  </a:tcPr>
                 </a:tc>
                 <a:tc>
                   <a:txBody>
                     <a:bodyPr/>
                     <a:p>
-                      <a:pPr>
-                        <a:buNone/>
+                      <a:pPr marL="68580" indent="0" algn="ctr">
+                        <a:spcBef>
+                          <a:spcPct val="0"/>
+                        </a:spcBef>
+                        <a:spcAft>
+                          <a:spcPct val="0"/>
+                        </a:spcAft>
                       </a:pPr>
                       <a:r>
-                        <a:rPr lang="zh-CN" altLang="en-US"/>
-                        <a:t>CART</a:t>
+                        <a:rPr lang="en-US" altLang="zh-CN" sz="1200">
+                          <a:solidFill>
+                            <a:srgbClr val="000000"/>
+                          </a:solidFill>
+                          <a:latin typeface="宋体" panose="02010600030101010101" pitchFamily="2" charset="-122"/>
+                          <a:ea typeface="宋体" panose="02010600030101010101" pitchFamily="2" charset="-122"/>
+                        </a:rPr>
+                        <a:t>0.7640</a:t>
                       </a:r>
-                      <a:endParaRPr lang="zh-CN" altLang="en-US"/>
+                      <a:endParaRPr lang="en-US" altLang="zh-CN" sz="1200">
+                        <a:solidFill>
+                          <a:srgbClr val="000000"/>
+                        </a:solidFill>
+                        <a:latin typeface="宋体" panose="02010600030101010101" pitchFamily="2" charset="-122"/>
+                        <a:ea typeface="宋体" panose="02010600030101010101" pitchFamily="2" charset="-122"/>
+                      </a:endParaRPr>
                     </a:p>
                   </a:txBody>
-                  <a:tcPr/>
+                  <a:tcPr marL="68580" marR="68580" marT="0" marB="0" anchor="ctr" anchorCtr="0">
+                    <a:lnL w="6350" cap="flat" cmpd="sng">
+                      <a:solidFill>
+                        <a:srgbClr val="000008"/>
+                      </a:solidFill>
+                      <a:prstDash val="solid"/>
+                      <a:headEnd type="none" w="med" len="med"/>
+                      <a:tailEnd type="none" w="med" len="med"/>
+                    </a:lnL>
+                    <a:lnR w="6350" cap="flat" cmpd="sng">
+                      <a:solidFill>
+                        <a:srgbClr val="000008"/>
+                      </a:solidFill>
+                      <a:prstDash val="solid"/>
+                      <a:headEnd type="none" w="med" len="med"/>
+                      <a:tailEnd type="none" w="med" len="med"/>
+                    </a:lnR>
+                    <a:lnT w="6350" cap="flat" cmpd="sng">
+                      <a:solidFill>
+                        <a:srgbClr val="000008"/>
+                      </a:solidFill>
+                      <a:prstDash val="solid"/>
+                      <a:headEnd type="none" w="med" len="med"/>
+                      <a:tailEnd type="none" w="med" len="med"/>
+                    </a:lnT>
+                    <a:lnB w="6350" cap="flat" cmpd="sng">
+                      <a:solidFill>
+                        <a:srgbClr val="000008"/>
+                      </a:solidFill>
+                      <a:prstDash val="solid"/>
+                      <a:headEnd type="none" w="med" len="med"/>
+                      <a:tailEnd type="none" w="med" len="med"/>
+                    </a:lnB>
+                    <a:noFill/>
+                  </a:tcPr>
                 </a:tc>
                 <a:tc>
                   <a:txBody>
                     <a:bodyPr/>
                     <a:p>
-                      <a:pPr>
-                        <a:buNone/>
+                      <a:pPr marL="0" indent="0" algn="ctr">
+                        <a:spcBef>
+                          <a:spcPct val="0"/>
+                        </a:spcBef>
+                        <a:spcAft>
+                          <a:spcPct val="0"/>
+                        </a:spcAft>
                       </a:pPr>
                       <a:r>
-                        <a:rPr lang="zh-CN" altLang="en-US"/>
-                        <a:t>0.9290</a:t>
+                        <a:rPr lang="en-US" altLang="zh-CN" sz="1200">
+                          <a:solidFill>
+                            <a:srgbClr val="000000"/>
+                          </a:solidFill>
+                          <a:latin typeface="宋体" panose="02010600030101010101" pitchFamily="2" charset="-122"/>
+                          <a:ea typeface="宋体" panose="02010600030101010101" pitchFamily="2" charset="-122"/>
+                        </a:rPr>
+                        <a:t>0.8345</a:t>
                       </a:r>
-                      <a:endParaRPr lang="zh-CN" altLang="en-US"/>
+                      <a:endParaRPr lang="en-US" altLang="zh-CN" sz="1200">
+                        <a:solidFill>
+                          <a:srgbClr val="000000"/>
+                        </a:solidFill>
+                        <a:latin typeface="宋体" panose="02010600030101010101" pitchFamily="2" charset="-122"/>
+                        <a:ea typeface="宋体" panose="02010600030101010101" pitchFamily="2" charset="-122"/>
+                      </a:endParaRPr>
                     </a:p>
                   </a:txBody>
-                  <a:tcPr/>
+                  <a:tcPr marL="68580" marR="68580" marT="0" marB="0" anchor="ctr" anchorCtr="0">
+                    <a:lnL w="6350" cap="flat" cmpd="sng">
+                      <a:solidFill>
+                        <a:srgbClr val="000008"/>
+                      </a:solidFill>
+                      <a:prstDash val="solid"/>
+                      <a:headEnd type="none" w="med" len="med"/>
+                      <a:tailEnd type="none" w="med" len="med"/>
+                    </a:lnL>
+                    <a:lnR w="6350" cap="flat" cmpd="sng">
+                      <a:solidFill>
+                        <a:srgbClr val="000008"/>
+                      </a:solidFill>
+                      <a:prstDash val="solid"/>
+                      <a:headEnd type="none" w="med" len="med"/>
+                      <a:tailEnd type="none" w="med" len="med"/>
+                    </a:lnR>
+                    <a:lnT w="6350" cap="flat" cmpd="sng">
+                      <a:solidFill>
+                        <a:srgbClr val="000008"/>
+                      </a:solidFill>
+                      <a:prstDash val="solid"/>
+                      <a:headEnd type="none" w="med" len="med"/>
+                      <a:tailEnd type="none" w="med" len="med"/>
+                    </a:lnT>
+                    <a:lnB w="6350" cap="flat" cmpd="sng">
+                      <a:solidFill>
+                        <a:srgbClr val="000008"/>
+                      </a:solidFill>
+                      <a:prstDash val="solid"/>
+                      <a:headEnd type="none" w="med" len="med"/>
+                      <a:tailEnd type="none" w="med" len="med"/>
+                    </a:lnB>
+                    <a:noFill/>
+                  </a:tcPr>
+                </a:tc>
+              </a:tr>
+              <a:tr h="440055">
+                <a:tc>
+                  <a:txBody>
+                    <a:bodyPr/>
+                    <a:p>
+                      <a:pPr marL="68580" indent="0" algn="ctr">
+                        <a:spcBef>
+                          <a:spcPct val="0"/>
+                        </a:spcBef>
+                        <a:spcAft>
+                          <a:spcPct val="0"/>
+                        </a:spcAft>
+                      </a:pPr>
+                      <a:r>
+                        <a:rPr lang="zh-CN" sz="1200">
+                          <a:solidFill>
+                            <a:srgbClr val="000000"/>
+                          </a:solidFill>
+                          <a:latin typeface="宋体" panose="02010600030101010101" pitchFamily="2" charset="-122"/>
+                          <a:ea typeface="宋体" panose="02010600030101010101" pitchFamily="2" charset="-122"/>
+                        </a:rPr>
+                        <a:t>决策树模型</a:t>
+                      </a:r>
+                      <a:endParaRPr lang="zh-CN" sz="1200">
+                        <a:solidFill>
+                          <a:srgbClr val="000000"/>
+                        </a:solidFill>
+                        <a:latin typeface="宋体" panose="02010600030101010101" pitchFamily="2" charset="-122"/>
+                        <a:ea typeface="宋体" panose="02010600030101010101" pitchFamily="2" charset="-122"/>
+                      </a:endParaRPr>
+                    </a:p>
+                  </a:txBody>
+                  <a:tcPr marL="68580" marR="68580" marT="0" marB="0" anchor="ctr" anchorCtr="0">
+                    <a:lnL w="6350" cap="flat" cmpd="sng">
+                      <a:solidFill>
+                        <a:srgbClr val="000008"/>
+                      </a:solidFill>
+                      <a:prstDash val="solid"/>
+                      <a:headEnd type="none" w="med" len="med"/>
+                      <a:tailEnd type="none" w="med" len="med"/>
+                    </a:lnL>
+                    <a:lnR w="6350" cap="flat" cmpd="sng">
+                      <a:solidFill>
+                        <a:srgbClr val="000008"/>
+                      </a:solidFill>
+                      <a:prstDash val="solid"/>
+                      <a:headEnd type="none" w="med" len="med"/>
+                      <a:tailEnd type="none" w="med" len="med"/>
+                    </a:lnR>
+                    <a:lnT w="6350" cap="flat" cmpd="sng">
+                      <a:solidFill>
+                        <a:srgbClr val="000008"/>
+                      </a:solidFill>
+                      <a:prstDash val="solid"/>
+                      <a:headEnd type="none" w="med" len="med"/>
+                      <a:tailEnd type="none" w="med" len="med"/>
+                    </a:lnT>
+                    <a:lnB w="6350" cap="flat" cmpd="sng">
+                      <a:solidFill>
+                        <a:srgbClr val="000008"/>
+                      </a:solidFill>
+                      <a:prstDash val="solid"/>
+                      <a:headEnd type="none" w="med" len="med"/>
+                      <a:tailEnd type="none" w="med" len="med"/>
+                    </a:lnB>
+                    <a:noFill/>
+                  </a:tcPr>
                 </a:tc>
                 <a:tc>
                   <a:txBody>
                     <a:bodyPr/>
                     <a:p>
-                      <a:pPr>
-                        <a:buNone/>
+                      <a:pPr marL="68580" indent="0" algn="ctr">
+                        <a:spcBef>
+                          <a:spcPct val="0"/>
+                        </a:spcBef>
+                        <a:spcAft>
+                          <a:spcPct val="0"/>
+                        </a:spcAft>
                       </a:pPr>
                       <a:r>
-                        <a:rPr lang="zh-CN" altLang="en-US"/>
-                        <a:t>0.9278</a:t>
+                        <a:rPr lang="en-US" altLang="zh-CN" sz="1200">
+                          <a:solidFill>
+                            <a:srgbClr val="000000"/>
+                          </a:solidFill>
+                          <a:latin typeface="宋体" panose="02010600030101010101" pitchFamily="2" charset="-122"/>
+                          <a:ea typeface="宋体" panose="02010600030101010101" pitchFamily="2" charset="-122"/>
+                        </a:rPr>
+                        <a:t>CART</a:t>
                       </a:r>
-                      <a:endParaRPr lang="zh-CN" altLang="en-US"/>
+                      <a:endParaRPr lang="en-US" altLang="zh-CN" sz="1200">
+                        <a:solidFill>
+                          <a:srgbClr val="000000"/>
+                        </a:solidFill>
+                        <a:latin typeface="宋体" panose="02010600030101010101" pitchFamily="2" charset="-122"/>
+                        <a:ea typeface="宋体" panose="02010600030101010101" pitchFamily="2" charset="-122"/>
+                      </a:endParaRPr>
                     </a:p>
                   </a:txBody>
-                  <a:tcPr/>
-                </a:tc>
-              </a:tr>
-              <a:tr h="381000">
-                <a:tc rowSpan="3">
-                  <a:txBody>
-                    <a:bodyPr/>
-                    <a:p>
-                      <a:pPr>
-                        <a:buNone/>
-                      </a:pPr>
-                      <a:r>
-                        <a:rPr lang="zh-CN" altLang="en-US"/>
-                        <a:t>贝叶斯模型</a:t>
-                      </a:r>
-                      <a:endParaRPr lang="zh-CN" altLang="en-US"/>
-                    </a:p>
-                  </a:txBody>
-                  <a:tcPr/>
+                  <a:tcPr marL="68580" marR="68580" marT="0" marB="0" anchor="ctr" anchorCtr="0">
+                    <a:lnL w="6350" cap="flat" cmpd="sng">
+                      <a:solidFill>
+                        <a:srgbClr val="000008"/>
+                      </a:solidFill>
+                      <a:prstDash val="solid"/>
+                      <a:headEnd type="none" w="med" len="med"/>
+                      <a:tailEnd type="none" w="med" len="med"/>
+                    </a:lnL>
+                    <a:lnR w="6350" cap="flat" cmpd="sng">
+                      <a:solidFill>
+                        <a:srgbClr val="000008"/>
+                      </a:solidFill>
+                      <a:prstDash val="solid"/>
+                      <a:headEnd type="none" w="med" len="med"/>
+                      <a:tailEnd type="none" w="med" len="med"/>
+                    </a:lnR>
+                    <a:lnT w="6350" cap="flat" cmpd="sng">
+                      <a:solidFill>
+                        <a:srgbClr val="000008"/>
+                      </a:solidFill>
+                      <a:prstDash val="solid"/>
+                      <a:headEnd type="none" w="med" len="med"/>
+                      <a:tailEnd type="none" w="med" len="med"/>
+                    </a:lnT>
+                    <a:lnB w="6350" cap="flat" cmpd="sng">
+                      <a:solidFill>
+                        <a:srgbClr val="000008"/>
+                      </a:solidFill>
+                      <a:prstDash val="solid"/>
+                      <a:headEnd type="none" w="med" len="med"/>
+                      <a:tailEnd type="none" w="med" len="med"/>
+                    </a:lnB>
+                    <a:noFill/>
+                  </a:tcPr>
                 </a:tc>
                 <a:tc>
                   <a:txBody>
                     <a:bodyPr/>
                     <a:p>
-                      <a:pPr>
-                        <a:buNone/>
+                      <a:pPr marL="68580" indent="0" algn="ctr">
+                        <a:spcBef>
+                          <a:spcPct val="0"/>
+                        </a:spcBef>
+                        <a:spcAft>
+                          <a:spcPct val="0"/>
+                        </a:spcAft>
                       </a:pPr>
                       <a:r>
-                        <a:rPr lang="zh-CN" altLang="en-US"/>
-                        <a:t>高斯贝叶斯</a:t>
+                        <a:rPr lang="en-US" altLang="zh-CN" sz="1200">
+                          <a:solidFill>
+                            <a:srgbClr val="000000"/>
+                          </a:solidFill>
+                          <a:latin typeface="宋体" panose="02010600030101010101" pitchFamily="2" charset="-122"/>
+                          <a:ea typeface="宋体" panose="02010600030101010101" pitchFamily="2" charset="-122"/>
+                        </a:rPr>
+                        <a:t>0.7173</a:t>
                       </a:r>
-                      <a:endParaRPr lang="zh-CN" altLang="en-US"/>
+                      <a:endParaRPr lang="en-US" altLang="zh-CN" sz="1200">
+                        <a:solidFill>
+                          <a:srgbClr val="000000"/>
+                        </a:solidFill>
+                        <a:latin typeface="宋体" panose="02010600030101010101" pitchFamily="2" charset="-122"/>
+                        <a:ea typeface="宋体" panose="02010600030101010101" pitchFamily="2" charset="-122"/>
+                      </a:endParaRPr>
                     </a:p>
                   </a:txBody>
-                  <a:tcPr/>
+                  <a:tcPr marL="68580" marR="68580" marT="0" marB="0" anchor="ctr" anchorCtr="0">
+                    <a:lnL w="6350" cap="flat" cmpd="sng">
+                      <a:solidFill>
+                        <a:srgbClr val="000008"/>
+                      </a:solidFill>
+                      <a:prstDash val="solid"/>
+                      <a:headEnd type="none" w="med" len="med"/>
+                      <a:tailEnd type="none" w="med" len="med"/>
+                    </a:lnL>
+                    <a:lnR w="6350" cap="flat" cmpd="sng">
+                      <a:solidFill>
+                        <a:srgbClr val="000008"/>
+                      </a:solidFill>
+                      <a:prstDash val="solid"/>
+                      <a:headEnd type="none" w="med" len="med"/>
+                      <a:tailEnd type="none" w="med" len="med"/>
+                    </a:lnR>
+                    <a:lnT w="6350" cap="flat" cmpd="sng">
+                      <a:solidFill>
+                        <a:srgbClr val="000008"/>
+                      </a:solidFill>
+                      <a:prstDash val="solid"/>
+                      <a:headEnd type="none" w="med" len="med"/>
+                      <a:tailEnd type="none" w="med" len="med"/>
+                    </a:lnT>
+                    <a:lnB w="6350" cap="flat" cmpd="sng">
+                      <a:solidFill>
+                        <a:srgbClr val="000008"/>
+                      </a:solidFill>
+                      <a:prstDash val="solid"/>
+                      <a:headEnd type="none" w="med" len="med"/>
+                      <a:tailEnd type="none" w="med" len="med"/>
+                    </a:lnB>
+                    <a:noFill/>
+                  </a:tcPr>
                 </a:tc>
                 <a:tc>
                   <a:txBody>
                     <a:bodyPr/>
                     <a:p>
-                      <a:pPr>
-                        <a:buNone/>
+                      <a:pPr marL="68580" indent="0" algn="ctr">
+                        <a:spcBef>
+                          <a:spcPct val="0"/>
+                        </a:spcBef>
+                        <a:spcAft>
+                          <a:spcPct val="0"/>
+                        </a:spcAft>
                       </a:pPr>
                       <a:r>
-                        <a:rPr lang="zh-CN" altLang="en-US"/>
-                        <a:t>0.7681</a:t>
+                        <a:rPr lang="en-US" altLang="zh-CN" sz="1200">
+                          <a:solidFill>
+                            <a:srgbClr val="000000"/>
+                          </a:solidFill>
+                          <a:latin typeface="宋体" panose="02010600030101010101" pitchFamily="2" charset="-122"/>
+                          <a:ea typeface="宋体" panose="02010600030101010101" pitchFamily="2" charset="-122"/>
+                        </a:rPr>
+                        <a:t>0.7034</a:t>
                       </a:r>
-                      <a:endParaRPr lang="zh-CN" altLang="en-US"/>
+                      <a:endParaRPr lang="en-US" altLang="zh-CN" sz="1200">
+                        <a:solidFill>
+                          <a:srgbClr val="000000"/>
+                        </a:solidFill>
+                        <a:latin typeface="宋体" panose="02010600030101010101" pitchFamily="2" charset="-122"/>
+                        <a:ea typeface="宋体" panose="02010600030101010101" pitchFamily="2" charset="-122"/>
+                      </a:endParaRPr>
                     </a:p>
                   </a:txBody>
-                  <a:tcPr/>
+                  <a:tcPr marL="68580" marR="68580" marT="0" marB="0" anchor="ctr" anchorCtr="0">
+                    <a:lnL w="6350" cap="flat" cmpd="sng">
+                      <a:solidFill>
+                        <a:srgbClr val="000008"/>
+                      </a:solidFill>
+                      <a:prstDash val="solid"/>
+                      <a:headEnd type="none" w="med" len="med"/>
+                      <a:tailEnd type="none" w="med" len="med"/>
+                    </a:lnL>
+                    <a:lnR w="6350" cap="flat" cmpd="sng">
+                      <a:solidFill>
+                        <a:srgbClr val="000008"/>
+                      </a:solidFill>
+                      <a:prstDash val="solid"/>
+                      <a:headEnd type="none" w="med" len="med"/>
+                      <a:tailEnd type="none" w="med" len="med"/>
+                    </a:lnR>
+                    <a:lnT w="6350" cap="flat" cmpd="sng">
+                      <a:solidFill>
+                        <a:srgbClr val="000008"/>
+                      </a:solidFill>
+                      <a:prstDash val="solid"/>
+                      <a:headEnd type="none" w="med" len="med"/>
+                      <a:tailEnd type="none" w="med" len="med"/>
+                    </a:lnT>
+                    <a:lnB w="6350" cap="flat" cmpd="sng">
+                      <a:solidFill>
+                        <a:srgbClr val="000008"/>
+                      </a:solidFill>
+                      <a:prstDash val="solid"/>
+                      <a:headEnd type="none" w="med" len="med"/>
+                      <a:tailEnd type="none" w="med" len="med"/>
+                    </a:lnB>
+                    <a:noFill/>
+                  </a:tcPr>
                 </a:tc>
                 <a:tc>
                   <a:txBody>
                     <a:bodyPr/>
                     <a:p>
-                      <a:pPr>
-                        <a:buNone/>
+                      <a:pPr marL="0" indent="0" algn="ctr">
+                        <a:spcBef>
+                          <a:spcPct val="0"/>
+                        </a:spcBef>
+                        <a:spcAft>
+                          <a:spcPct val="0"/>
+                        </a:spcAft>
                       </a:pPr>
                       <a:r>
-                        <a:rPr lang="zh-CN" altLang="en-US"/>
-                        <a:t>0.7631</a:t>
+                        <a:rPr lang="en-US" altLang="zh-CN" sz="1200">
+                          <a:solidFill>
+                            <a:srgbClr val="000000"/>
+                          </a:solidFill>
+                          <a:latin typeface="宋体" panose="02010600030101010101" pitchFamily="2" charset="-122"/>
+                          <a:ea typeface="宋体" panose="02010600030101010101" pitchFamily="2" charset="-122"/>
+                        </a:rPr>
+                        <a:t>0.7108</a:t>
                       </a:r>
-                      <a:endParaRPr lang="zh-CN" altLang="en-US"/>
+                      <a:endParaRPr lang="en-US" altLang="zh-CN" sz="1200">
+                        <a:solidFill>
+                          <a:srgbClr val="000000"/>
+                        </a:solidFill>
+                        <a:latin typeface="宋体" panose="02010600030101010101" pitchFamily="2" charset="-122"/>
+                        <a:ea typeface="宋体" panose="02010600030101010101" pitchFamily="2" charset="-122"/>
+                      </a:endParaRPr>
                     </a:p>
                   </a:txBody>
-                  <a:tcPr/>
+                  <a:tcPr marL="68580" marR="68580" marT="0" marB="0" anchor="ctr" anchorCtr="0">
+                    <a:lnL w="6350" cap="flat" cmpd="sng">
+                      <a:solidFill>
+                        <a:srgbClr val="000008"/>
+                      </a:solidFill>
+                      <a:prstDash val="solid"/>
+                      <a:headEnd type="none" w="med" len="med"/>
+                      <a:tailEnd type="none" w="med" len="med"/>
+                    </a:lnL>
+                    <a:lnR w="6350" cap="flat" cmpd="sng">
+                      <a:solidFill>
+                        <a:srgbClr val="000008"/>
+                      </a:solidFill>
+                      <a:prstDash val="solid"/>
+                      <a:headEnd type="none" w="med" len="med"/>
+                      <a:tailEnd type="none" w="med" len="med"/>
+                    </a:lnR>
+                    <a:lnT w="6350" cap="flat" cmpd="sng">
+                      <a:solidFill>
+                        <a:srgbClr val="000008"/>
+                      </a:solidFill>
+                      <a:prstDash val="solid"/>
+                      <a:headEnd type="none" w="med" len="med"/>
+                      <a:tailEnd type="none" w="med" len="med"/>
+                    </a:lnT>
+                    <a:lnB w="6350" cap="flat" cmpd="sng">
+                      <a:solidFill>
+                        <a:srgbClr val="000008"/>
+                      </a:solidFill>
+                      <a:prstDash val="solid"/>
+                      <a:headEnd type="none" w="med" len="med"/>
+                      <a:tailEnd type="none" w="med" len="med"/>
+                    </a:lnB>
+                    <a:noFill/>
+                  </a:tcPr>
                 </a:tc>
               </a:tr>
-              <a:tr h="381000">
-                <a:tc vMerge="1">
-                  <a:tcPr/>
+              <a:tr h="440055">
+                <a:tc rowSpan="3">
+                  <a:txBody>
+                    <a:bodyPr/>
+                    <a:p>
+                      <a:pPr marL="68580" indent="0" algn="ctr">
+                        <a:spcBef>
+                          <a:spcPct val="0"/>
+                        </a:spcBef>
+                        <a:spcAft>
+                          <a:spcPct val="0"/>
+                        </a:spcAft>
+                      </a:pPr>
+                      <a:r>
+                        <a:rPr lang="zh-CN" sz="1200">
+                          <a:solidFill>
+                            <a:srgbClr val="000000"/>
+                          </a:solidFill>
+                          <a:latin typeface="宋体" panose="02010600030101010101" pitchFamily="2" charset="-122"/>
+                          <a:ea typeface="宋体" panose="02010600030101010101" pitchFamily="2" charset="-122"/>
+                        </a:rPr>
+                        <a:t>贝叶斯模型</a:t>
+                      </a:r>
+                      <a:endParaRPr lang="zh-CN" sz="1200">
+                        <a:solidFill>
+                          <a:srgbClr val="000000"/>
+                        </a:solidFill>
+                        <a:latin typeface="宋体" panose="02010600030101010101" pitchFamily="2" charset="-122"/>
+                        <a:ea typeface="宋体" panose="02010600030101010101" pitchFamily="2" charset="-122"/>
+                      </a:endParaRPr>
+                    </a:p>
+                  </a:txBody>
+                  <a:tcPr marL="68580" marR="68580" marT="0" marB="0" anchor="ctr" anchorCtr="0">
+                    <a:lnL w="6350" cap="flat" cmpd="sng">
+                      <a:solidFill>
+                        <a:srgbClr val="000008"/>
+                      </a:solidFill>
+                      <a:prstDash val="solid"/>
+                      <a:headEnd type="none" w="med" len="med"/>
+                      <a:tailEnd type="none" w="med" len="med"/>
+                    </a:lnL>
+                    <a:lnR w="6350" cap="flat" cmpd="sng">
+                      <a:solidFill>
+                        <a:srgbClr val="000008"/>
+                      </a:solidFill>
+                      <a:prstDash val="solid"/>
+                      <a:headEnd type="none" w="med" len="med"/>
+                      <a:tailEnd type="none" w="med" len="med"/>
+                    </a:lnR>
+                    <a:lnT w="6350" cap="flat" cmpd="sng">
+                      <a:solidFill>
+                        <a:srgbClr val="000008"/>
+                      </a:solidFill>
+                      <a:prstDash val="solid"/>
+                      <a:headEnd type="none" w="med" len="med"/>
+                      <a:tailEnd type="none" w="med" len="med"/>
+                    </a:lnT>
+                    <a:lnB w="6350" cap="flat" cmpd="sng">
+                      <a:solidFill>
+                        <a:srgbClr val="000008"/>
+                      </a:solidFill>
+                      <a:prstDash val="solid"/>
+                      <a:headEnd type="none" w="med" len="med"/>
+                      <a:tailEnd type="none" w="med" len="med"/>
+                    </a:lnB>
+                    <a:noFill/>
+                  </a:tcPr>
                 </a:tc>
                 <a:tc>
                   <a:txBody>
                     <a:bodyPr/>
                     <a:p>
-                      <a:pPr>
-                        <a:buNone/>
+                      <a:pPr marL="68580" indent="0" algn="ctr">
+                        <a:spcBef>
+                          <a:spcPct val="0"/>
+                        </a:spcBef>
+                        <a:spcAft>
+                          <a:spcPct val="0"/>
+                        </a:spcAft>
                       </a:pPr>
                       <a:r>
-                        <a:rPr lang="zh-CN" altLang="en-US"/>
-                        <a:t>多项式贝叶斯</a:t>
+                        <a:rPr lang="zh-CN" sz="1200">
+                          <a:solidFill>
+                            <a:srgbClr val="000000"/>
+                          </a:solidFill>
+                          <a:latin typeface="宋体" panose="02010600030101010101" pitchFamily="2" charset="-122"/>
+                          <a:ea typeface="宋体" panose="02010600030101010101" pitchFamily="2" charset="-122"/>
+                        </a:rPr>
+                        <a:t>高斯贝叶斯</a:t>
                       </a:r>
-                      <a:endParaRPr lang="zh-CN" altLang="en-US"/>
+                      <a:endParaRPr lang="zh-CN" sz="1200">
+                        <a:solidFill>
+                          <a:srgbClr val="000000"/>
+                        </a:solidFill>
+                        <a:latin typeface="宋体" panose="02010600030101010101" pitchFamily="2" charset="-122"/>
+                        <a:ea typeface="宋体" panose="02010600030101010101" pitchFamily="2" charset="-122"/>
+                      </a:endParaRPr>
                     </a:p>
                   </a:txBody>
-                  <a:tcPr/>
+                  <a:tcPr marL="68580" marR="68580" marT="0" marB="0" anchor="ctr" anchorCtr="0">
+                    <a:lnL w="6350" cap="flat" cmpd="sng">
+                      <a:solidFill>
+                        <a:srgbClr val="000008"/>
+                      </a:solidFill>
+                      <a:prstDash val="solid"/>
+                      <a:headEnd type="none" w="med" len="med"/>
+                      <a:tailEnd type="none" w="med" len="med"/>
+                    </a:lnL>
+                    <a:lnR w="6350" cap="flat" cmpd="sng">
+                      <a:solidFill>
+                        <a:srgbClr val="000008"/>
+                      </a:solidFill>
+                      <a:prstDash val="solid"/>
+                      <a:headEnd type="none" w="med" len="med"/>
+                      <a:tailEnd type="none" w="med" len="med"/>
+                    </a:lnR>
+                    <a:lnT w="6350" cap="flat" cmpd="sng">
+                      <a:solidFill>
+                        <a:srgbClr val="000008"/>
+                      </a:solidFill>
+                      <a:prstDash val="solid"/>
+                      <a:headEnd type="none" w="med" len="med"/>
+                      <a:tailEnd type="none" w="med" len="med"/>
+                    </a:lnT>
+                    <a:lnB w="6350" cap="flat" cmpd="sng">
+                      <a:solidFill>
+                        <a:srgbClr val="000008"/>
+                      </a:solidFill>
+                      <a:prstDash val="solid"/>
+                      <a:headEnd type="none" w="med" len="med"/>
+                      <a:tailEnd type="none" w="med" len="med"/>
+                    </a:lnB>
+                    <a:noFill/>
+                  </a:tcPr>
                 </a:tc>
                 <a:tc>
                   <a:txBody>
                     <a:bodyPr/>
                     <a:p>
-                      <a:pPr>
-                        <a:buNone/>
+                      <a:pPr marL="68580" indent="0" algn="ctr">
+                        <a:spcBef>
+                          <a:spcPct val="0"/>
+                        </a:spcBef>
+                        <a:spcAft>
+                          <a:spcPct val="0"/>
+                        </a:spcAft>
                       </a:pPr>
                       <a:r>
-                        <a:rPr lang="zh-CN" altLang="en-US"/>
-                        <a:t>0.7801</a:t>
+                        <a:rPr lang="en-US" altLang="zh-CN" sz="1200">
+                          <a:solidFill>
+                            <a:srgbClr val="000000"/>
+                          </a:solidFill>
+                          <a:latin typeface="宋体" panose="02010600030101010101" pitchFamily="2" charset="-122"/>
+                          <a:ea typeface="宋体" panose="02010600030101010101" pitchFamily="2" charset="-122"/>
+                        </a:rPr>
+                        <a:t>0.7963</a:t>
                       </a:r>
-                      <a:endParaRPr lang="zh-CN" altLang="en-US"/>
+                      <a:endParaRPr lang="en-US" altLang="zh-CN" sz="1200">
+                        <a:solidFill>
+                          <a:srgbClr val="000000"/>
+                        </a:solidFill>
+                        <a:latin typeface="宋体" panose="02010600030101010101" pitchFamily="2" charset="-122"/>
+                        <a:ea typeface="宋体" panose="02010600030101010101" pitchFamily="2" charset="-122"/>
+                      </a:endParaRPr>
                     </a:p>
                   </a:txBody>
-                  <a:tcPr/>
+                  <a:tcPr marL="68580" marR="68580" marT="0" marB="0" anchor="ctr" anchorCtr="0">
+                    <a:lnL w="6350" cap="flat" cmpd="sng">
+                      <a:solidFill>
+                        <a:srgbClr val="000008"/>
+                      </a:solidFill>
+                      <a:prstDash val="solid"/>
+                      <a:headEnd type="none" w="med" len="med"/>
+                      <a:tailEnd type="none" w="med" len="med"/>
+                    </a:lnL>
+                    <a:lnR w="6350" cap="flat" cmpd="sng">
+                      <a:solidFill>
+                        <a:srgbClr val="000008"/>
+                      </a:solidFill>
+                      <a:prstDash val="solid"/>
+                      <a:headEnd type="none" w="med" len="med"/>
+                      <a:tailEnd type="none" w="med" len="med"/>
+                    </a:lnR>
+                    <a:lnT w="6350" cap="flat" cmpd="sng">
+                      <a:solidFill>
+                        <a:srgbClr val="000008"/>
+                      </a:solidFill>
+                      <a:prstDash val="solid"/>
+                      <a:headEnd type="none" w="med" len="med"/>
+                      <a:tailEnd type="none" w="med" len="med"/>
+                    </a:lnT>
+                    <a:lnB w="6350" cap="flat" cmpd="sng">
+                      <a:solidFill>
+                        <a:srgbClr val="000008"/>
+                      </a:solidFill>
+                      <a:prstDash val="solid"/>
+                      <a:headEnd type="none" w="med" len="med"/>
+                      <a:tailEnd type="none" w="med" len="med"/>
+                    </a:lnB>
+                    <a:noFill/>
+                  </a:tcPr>
                 </a:tc>
                 <a:tc>
                   <a:txBody>
                     <a:bodyPr/>
                     <a:p>
-                      <a:pPr>
-                        <a:buNone/>
+                      <a:pPr marL="68580" indent="0" algn="ctr">
+                        <a:spcBef>
+                          <a:spcPct val="0"/>
+                        </a:spcBef>
+                        <a:spcAft>
+                          <a:spcPct val="0"/>
+                        </a:spcAft>
                       </a:pPr>
                       <a:r>
-                        <a:rPr lang="zh-CN" altLang="en-US"/>
-                        <a:t>0.7754</a:t>
+                        <a:rPr lang="en-US" altLang="zh-CN" sz="1200">
+                          <a:solidFill>
+                            <a:srgbClr val="000000"/>
+                          </a:solidFill>
+                          <a:latin typeface="宋体" panose="02010600030101010101" pitchFamily="2" charset="-122"/>
+                          <a:ea typeface="宋体" panose="02010600030101010101" pitchFamily="2" charset="-122"/>
+                        </a:rPr>
+                        <a:t>0.7596</a:t>
                       </a:r>
-                      <a:endParaRPr lang="zh-CN" altLang="en-US"/>
+                      <a:endParaRPr lang="en-US" altLang="zh-CN" sz="1200">
+                        <a:solidFill>
+                          <a:srgbClr val="000000"/>
+                        </a:solidFill>
+                        <a:latin typeface="宋体" panose="02010600030101010101" pitchFamily="2" charset="-122"/>
+                        <a:ea typeface="宋体" panose="02010600030101010101" pitchFamily="2" charset="-122"/>
+                      </a:endParaRPr>
                     </a:p>
                   </a:txBody>
-                  <a:tcPr/>
-                </a:tc>
-              </a:tr>
-              <a:tr h="381000">
-                <a:tc vMerge="1">
-                  <a:tcPr/>
+                  <a:tcPr marL="68580" marR="68580" marT="0" marB="0" anchor="ctr" anchorCtr="0">
+                    <a:lnL w="6350" cap="flat" cmpd="sng">
+                      <a:solidFill>
+                        <a:srgbClr val="000008"/>
+                      </a:solidFill>
+                      <a:prstDash val="solid"/>
+                      <a:headEnd type="none" w="med" len="med"/>
+                      <a:tailEnd type="none" w="med" len="med"/>
+                    </a:lnL>
+                    <a:lnR w="6350" cap="flat" cmpd="sng">
+                      <a:solidFill>
+                        <a:srgbClr val="000008"/>
+                      </a:solidFill>
+                      <a:prstDash val="solid"/>
+                      <a:headEnd type="none" w="med" len="med"/>
+                      <a:tailEnd type="none" w="med" len="med"/>
+                    </a:lnR>
+                    <a:lnT w="6350" cap="flat" cmpd="sng">
+                      <a:solidFill>
+                        <a:srgbClr val="000008"/>
+                      </a:solidFill>
+                      <a:prstDash val="solid"/>
+                      <a:headEnd type="none" w="med" len="med"/>
+                      <a:tailEnd type="none" w="med" len="med"/>
+                    </a:lnT>
+                    <a:lnB w="6350" cap="flat" cmpd="sng">
+                      <a:solidFill>
+                        <a:srgbClr val="000008"/>
+                      </a:solidFill>
+                      <a:prstDash val="solid"/>
+                      <a:headEnd type="none" w="med" len="med"/>
+                      <a:tailEnd type="none" w="med" len="med"/>
+                    </a:lnB>
+                    <a:noFill/>
+                  </a:tcPr>
                 </a:tc>
                 <a:tc>
                   <a:txBody>
                     <a:bodyPr/>
                     <a:p>
-                      <a:pPr>
-                        <a:buNone/>
+                      <a:pPr marL="0" indent="0" algn="ctr">
+                        <a:spcBef>
+                          <a:spcPct val="0"/>
+                        </a:spcBef>
+                        <a:spcAft>
+                          <a:spcPct val="0"/>
+                        </a:spcAft>
                       </a:pPr>
                       <a:r>
-                        <a:rPr lang="zh-CN" altLang="en-US"/>
-                        <a:t>伯努利贝叶斯</a:t>
+                        <a:rPr lang="en-US" altLang="zh-CN" sz="1200">
+                          <a:solidFill>
+                            <a:srgbClr val="000000"/>
+                          </a:solidFill>
+                          <a:latin typeface="宋体" panose="02010600030101010101" pitchFamily="2" charset="-122"/>
+                          <a:ea typeface="宋体" panose="02010600030101010101" pitchFamily="2" charset="-122"/>
+                        </a:rPr>
+                        <a:t>0.8528</a:t>
                       </a:r>
-                      <a:endParaRPr lang="zh-CN" altLang="en-US"/>
+                      <a:endParaRPr lang="en-US" altLang="zh-CN" sz="1200">
+                        <a:solidFill>
+                          <a:srgbClr val="000000"/>
+                        </a:solidFill>
+                        <a:latin typeface="宋体" panose="02010600030101010101" pitchFamily="2" charset="-122"/>
+                        <a:ea typeface="宋体" panose="02010600030101010101" pitchFamily="2" charset="-122"/>
+                      </a:endParaRPr>
                     </a:p>
                   </a:txBody>
-                  <a:tcPr/>
+                  <a:tcPr marL="68580" marR="68580" marT="0" marB="0" anchor="ctr" anchorCtr="0">
+                    <a:lnL w="6350" cap="flat" cmpd="sng">
+                      <a:solidFill>
+                        <a:srgbClr val="000008"/>
+                      </a:solidFill>
+                      <a:prstDash val="solid"/>
+                      <a:headEnd type="none" w="med" len="med"/>
+                      <a:tailEnd type="none" w="med" len="med"/>
+                    </a:lnL>
+                    <a:lnR w="6350" cap="flat" cmpd="sng">
+                      <a:solidFill>
+                        <a:srgbClr val="000008"/>
+                      </a:solidFill>
+                      <a:prstDash val="solid"/>
+                      <a:headEnd type="none" w="med" len="med"/>
+                      <a:tailEnd type="none" w="med" len="med"/>
+                    </a:lnR>
+                    <a:lnT w="6350" cap="flat" cmpd="sng">
+                      <a:solidFill>
+                        <a:srgbClr val="000008"/>
+                      </a:solidFill>
+                      <a:prstDash val="solid"/>
+                      <a:headEnd type="none" w="med" len="med"/>
+                      <a:tailEnd type="none" w="med" len="med"/>
+                    </a:lnT>
+                    <a:lnB w="6350" cap="flat" cmpd="sng">
+                      <a:solidFill>
+                        <a:srgbClr val="000008"/>
+                      </a:solidFill>
+                      <a:prstDash val="solid"/>
+                      <a:headEnd type="none" w="med" len="med"/>
+                      <a:tailEnd type="none" w="med" len="med"/>
+                    </a:lnB>
+                    <a:noFill/>
+                  </a:tcPr>
+                </a:tc>
+              </a:tr>
+              <a:tr h="440055">
+                <a:tc vMerge="1">
+                  <a:tcPr>
+                    <a:lnL w="6350" cap="flat" cmpd="sng">
+                      <a:solidFill>
+                        <a:srgbClr val="000008"/>
+                      </a:solidFill>
+                      <a:prstDash val="solid"/>
+                      <a:headEnd type="none" w="med" len="med"/>
+                      <a:tailEnd type="none" w="med" len="med"/>
+                    </a:lnL>
+                    <a:lnR w="6350" cap="flat" cmpd="sng">
+                      <a:solidFill>
+                        <a:srgbClr val="000008"/>
+                      </a:solidFill>
+                      <a:prstDash val="solid"/>
+                      <a:headEnd type="none" w="med" len="med"/>
+                      <a:tailEnd type="none" w="med" len="med"/>
+                    </a:lnR>
+                  </a:tcPr>
                 </a:tc>
                 <a:tc>
                   <a:txBody>
                     <a:bodyPr/>
                     <a:p>
-                      <a:pPr>
-                        <a:buNone/>
+                      <a:pPr marL="0" indent="0" algn="ctr">
+                        <a:spcBef>
+                          <a:spcPct val="0"/>
+                        </a:spcBef>
+                        <a:spcAft>
+                          <a:spcPct val="0"/>
+                        </a:spcAft>
                       </a:pPr>
                       <a:r>
-                        <a:rPr lang="zh-CN" altLang="en-US"/>
-                        <a:t>0.8051</a:t>
+                        <a:rPr lang="zh-CN" sz="1200">
+                          <a:solidFill>
+                            <a:srgbClr val="000000"/>
+                          </a:solidFill>
+                          <a:latin typeface="宋体" panose="02010600030101010101" pitchFamily="2" charset="-122"/>
+                          <a:ea typeface="宋体" panose="02010600030101010101" pitchFamily="2" charset="-122"/>
+                        </a:rPr>
+                        <a:t>多项式贝叶斯</a:t>
                       </a:r>
-                      <a:endParaRPr lang="zh-CN" altLang="en-US"/>
+                      <a:endParaRPr lang="zh-CN" sz="1200">
+                        <a:solidFill>
+                          <a:srgbClr val="000000"/>
+                        </a:solidFill>
+                        <a:latin typeface="宋体" panose="02010600030101010101" pitchFamily="2" charset="-122"/>
+                        <a:ea typeface="宋体" panose="02010600030101010101" pitchFamily="2" charset="-122"/>
+                      </a:endParaRPr>
                     </a:p>
                   </a:txBody>
-                  <a:tcPr/>
+                  <a:tcPr marL="68580" marR="68580" marT="0" marB="0" anchor="ctr" anchorCtr="0">
+                    <a:lnL w="6350" cap="flat" cmpd="sng">
+                      <a:solidFill>
+                        <a:srgbClr val="000008"/>
+                      </a:solidFill>
+                      <a:prstDash val="solid"/>
+                      <a:headEnd type="none" w="med" len="med"/>
+                      <a:tailEnd type="none" w="med" len="med"/>
+                    </a:lnL>
+                    <a:lnR w="6350" cap="flat" cmpd="sng">
+                      <a:solidFill>
+                        <a:srgbClr val="000008"/>
+                      </a:solidFill>
+                      <a:prstDash val="solid"/>
+                      <a:headEnd type="none" w="med" len="med"/>
+                      <a:tailEnd type="none" w="med" len="med"/>
+                    </a:lnR>
+                    <a:lnT w="6350" cap="flat" cmpd="sng">
+                      <a:solidFill>
+                        <a:srgbClr val="000008"/>
+                      </a:solidFill>
+                      <a:prstDash val="solid"/>
+                      <a:headEnd type="none" w="med" len="med"/>
+                      <a:tailEnd type="none" w="med" len="med"/>
+                    </a:lnT>
+                    <a:lnB w="6350" cap="flat" cmpd="sng">
+                      <a:solidFill>
+                        <a:srgbClr val="000008"/>
+                      </a:solidFill>
+                      <a:prstDash val="solid"/>
+                      <a:headEnd type="none" w="med" len="med"/>
+                      <a:tailEnd type="none" w="med" len="med"/>
+                    </a:lnB>
+                    <a:noFill/>
+                  </a:tcPr>
                 </a:tc>
                 <a:tc>
                   <a:txBody>
                     <a:bodyPr/>
                     <a:p>
-                      <a:pPr>
-                        <a:buNone/>
+                      <a:pPr marL="0" indent="0" algn="ctr">
+                        <a:spcBef>
+                          <a:spcPct val="0"/>
+                        </a:spcBef>
+                        <a:spcAft>
+                          <a:spcPct val="0"/>
+                        </a:spcAft>
                       </a:pPr>
                       <a:r>
-                        <a:rPr lang="zh-CN" altLang="en-US"/>
-                        <a:t>0.8029</a:t>
+                        <a:rPr lang="en-US" altLang="zh-CN" sz="1200">
+                          <a:solidFill>
+                            <a:srgbClr val="000000"/>
+                          </a:solidFill>
+                          <a:latin typeface="宋体" panose="02010600030101010101" pitchFamily="2" charset="-122"/>
+                          <a:ea typeface="宋体" panose="02010600030101010101" pitchFamily="2" charset="-122"/>
+                        </a:rPr>
+                        <a:t>0.8049</a:t>
                       </a:r>
-                      <a:endParaRPr lang="zh-CN" altLang="en-US"/>
+                      <a:endParaRPr lang="en-US" altLang="zh-CN" sz="1200">
+                        <a:solidFill>
+                          <a:srgbClr val="000000"/>
+                        </a:solidFill>
+                        <a:latin typeface="宋体" panose="02010600030101010101" pitchFamily="2" charset="-122"/>
+                        <a:ea typeface="宋体" panose="02010600030101010101" pitchFamily="2" charset="-122"/>
+                      </a:endParaRPr>
                     </a:p>
                   </a:txBody>
-                  <a:tcPr/>
-                </a:tc>
-              </a:tr>
-              <a:tr h="381000">
-                <a:tc rowSpan="3">
-                  <a:txBody>
-                    <a:bodyPr/>
-                    <a:p>
-                      <a:pPr>
-                        <a:buNone/>
-                      </a:pPr>
-                      <a:r>
-                        <a:rPr lang="zh-CN" altLang="en-US"/>
-                        <a:t>集成学习</a:t>
-                      </a:r>
-                      <a:endParaRPr lang="zh-CN" altLang="en-US"/>
-                    </a:p>
-                  </a:txBody>
-                  <a:tcPr/>
+                  <a:tcPr marL="68580" marR="68580" marT="0" marB="0" anchor="ctr" anchorCtr="0">
+                    <a:lnL w="6350" cap="flat" cmpd="sng">
+                      <a:solidFill>
+                        <a:srgbClr val="000008"/>
+                      </a:solidFill>
+                      <a:prstDash val="solid"/>
+                      <a:headEnd type="none" w="med" len="med"/>
+                      <a:tailEnd type="none" w="med" len="med"/>
+                    </a:lnL>
+                    <a:lnR w="6350" cap="flat" cmpd="sng">
+                      <a:solidFill>
+                        <a:srgbClr val="000008"/>
+                      </a:solidFill>
+                      <a:prstDash val="solid"/>
+                      <a:headEnd type="none" w="med" len="med"/>
+                      <a:tailEnd type="none" w="med" len="med"/>
+                    </a:lnR>
+                    <a:lnT w="6350" cap="flat" cmpd="sng">
+                      <a:solidFill>
+                        <a:srgbClr val="000008"/>
+                      </a:solidFill>
+                      <a:prstDash val="solid"/>
+                      <a:headEnd type="none" w="med" len="med"/>
+                      <a:tailEnd type="none" w="med" len="med"/>
+                    </a:lnT>
+                    <a:lnB w="6350" cap="flat" cmpd="sng">
+                      <a:solidFill>
+                        <a:srgbClr val="000008"/>
+                      </a:solidFill>
+                      <a:prstDash val="solid"/>
+                      <a:headEnd type="none" w="med" len="med"/>
+                      <a:tailEnd type="none" w="med" len="med"/>
+                    </a:lnB>
+                    <a:noFill/>
+                  </a:tcPr>
                 </a:tc>
                 <a:tc>
                   <a:txBody>
                     <a:bodyPr/>
                     <a:p>
-                      <a:pPr>
-                        <a:buNone/>
+                      <a:pPr marL="0" indent="0" algn="ctr">
+                        <a:spcBef>
+                          <a:spcPct val="0"/>
+                        </a:spcBef>
+                        <a:spcAft>
+                          <a:spcPct val="0"/>
+                        </a:spcAft>
                       </a:pPr>
                       <a:r>
-                        <a:rPr lang="zh-CN" altLang="en-US"/>
-                        <a:t>LightGBM</a:t>
+                        <a:rPr lang="en-US" altLang="zh-CN" sz="1200">
+                          <a:solidFill>
+                            <a:srgbClr val="000000"/>
+                          </a:solidFill>
+                          <a:latin typeface="宋体" panose="02010600030101010101" pitchFamily="2" charset="-122"/>
+                          <a:ea typeface="宋体" panose="02010600030101010101" pitchFamily="2" charset="-122"/>
+                        </a:rPr>
+                        <a:t>0.7581</a:t>
                       </a:r>
-                      <a:endParaRPr lang="zh-CN" altLang="en-US"/>
+                      <a:endParaRPr lang="en-US" altLang="zh-CN" sz="1200">
+                        <a:solidFill>
+                          <a:srgbClr val="000000"/>
+                        </a:solidFill>
+                        <a:latin typeface="宋体" panose="02010600030101010101" pitchFamily="2" charset="-122"/>
+                        <a:ea typeface="宋体" panose="02010600030101010101" pitchFamily="2" charset="-122"/>
+                      </a:endParaRPr>
                     </a:p>
                   </a:txBody>
-                  <a:tcPr/>
+                  <a:tcPr marL="68580" marR="68580" marT="0" marB="0" anchor="ctr" anchorCtr="0">
+                    <a:lnL w="6350" cap="flat" cmpd="sng">
+                      <a:solidFill>
+                        <a:srgbClr val="000008"/>
+                      </a:solidFill>
+                      <a:prstDash val="solid"/>
+                      <a:headEnd type="none" w="med" len="med"/>
+                      <a:tailEnd type="none" w="med" len="med"/>
+                    </a:lnL>
+                    <a:lnR w="6350" cap="flat" cmpd="sng">
+                      <a:solidFill>
+                        <a:srgbClr val="000008"/>
+                      </a:solidFill>
+                      <a:prstDash val="solid"/>
+                      <a:headEnd type="none" w="med" len="med"/>
+                      <a:tailEnd type="none" w="med" len="med"/>
+                    </a:lnR>
+                    <a:lnT w="6350" cap="flat" cmpd="sng">
+                      <a:solidFill>
+                        <a:srgbClr val="000008"/>
+                      </a:solidFill>
+                      <a:prstDash val="solid"/>
+                      <a:headEnd type="none" w="med" len="med"/>
+                      <a:tailEnd type="none" w="med" len="med"/>
+                    </a:lnT>
+                    <a:lnB w="6350" cap="flat" cmpd="sng">
+                      <a:solidFill>
+                        <a:srgbClr val="000008"/>
+                      </a:solidFill>
+                      <a:prstDash val="solid"/>
+                      <a:headEnd type="none" w="med" len="med"/>
+                      <a:tailEnd type="none" w="med" len="med"/>
+                    </a:lnB>
+                    <a:noFill/>
+                  </a:tcPr>
                 </a:tc>
                 <a:tc>
                   <a:txBody>
                     <a:bodyPr/>
                     <a:p>
-                      <a:pPr>
-                        <a:buNone/>
+                      <a:pPr marL="0" indent="0" algn="ctr">
+                        <a:spcBef>
+                          <a:spcPct val="0"/>
+                        </a:spcBef>
+                        <a:spcAft>
+                          <a:spcPct val="0"/>
+                        </a:spcAft>
                       </a:pPr>
                       <a:r>
-                        <a:rPr lang="zh-CN" altLang="en-US"/>
-                        <a:t>0.9716</a:t>
+                        <a:rPr lang="en-US" altLang="zh-CN" sz="1200">
+                          <a:solidFill>
+                            <a:srgbClr val="000000"/>
+                          </a:solidFill>
+                          <a:latin typeface="宋体" panose="02010600030101010101" pitchFamily="2" charset="-122"/>
+                          <a:ea typeface="宋体" panose="02010600030101010101" pitchFamily="2" charset="-122"/>
+                        </a:rPr>
+                        <a:t>0.8574</a:t>
                       </a:r>
-                      <a:endParaRPr lang="zh-CN" altLang="en-US"/>
+                      <a:endParaRPr lang="en-US" altLang="zh-CN" sz="1200">
+                        <a:solidFill>
+                          <a:srgbClr val="000000"/>
+                        </a:solidFill>
+                        <a:latin typeface="宋体" panose="02010600030101010101" pitchFamily="2" charset="-122"/>
+                        <a:ea typeface="宋体" panose="02010600030101010101" pitchFamily="2" charset="-122"/>
+                      </a:endParaRPr>
                     </a:p>
                   </a:txBody>
-                  <a:tcPr/>
+                  <a:tcPr marL="68580" marR="68580" marT="0" marB="0" anchor="ctr" anchorCtr="0">
+                    <a:lnL w="6350" cap="flat" cmpd="sng">
+                      <a:solidFill>
+                        <a:srgbClr val="000008"/>
+                      </a:solidFill>
+                      <a:prstDash val="solid"/>
+                      <a:headEnd type="none" w="med" len="med"/>
+                      <a:tailEnd type="none" w="med" len="med"/>
+                    </a:lnL>
+                    <a:lnR w="6350" cap="flat" cmpd="sng">
+                      <a:solidFill>
+                        <a:srgbClr val="000008"/>
+                      </a:solidFill>
+                      <a:prstDash val="solid"/>
+                      <a:headEnd type="none" w="med" len="med"/>
+                      <a:tailEnd type="none" w="med" len="med"/>
+                    </a:lnR>
+                    <a:lnT w="6350" cap="flat" cmpd="sng">
+                      <a:solidFill>
+                        <a:srgbClr val="000008"/>
+                      </a:solidFill>
+                      <a:prstDash val="solid"/>
+                      <a:headEnd type="none" w="med" len="med"/>
+                      <a:tailEnd type="none" w="med" len="med"/>
+                    </a:lnT>
+                    <a:lnB w="6350" cap="flat" cmpd="sng">
+                      <a:solidFill>
+                        <a:srgbClr val="000008"/>
+                      </a:solidFill>
+                      <a:prstDash val="solid"/>
+                      <a:headEnd type="none" w="med" len="med"/>
+                      <a:tailEnd type="none" w="med" len="med"/>
+                    </a:lnB>
+                    <a:noFill/>
+                  </a:tcPr>
+                </a:tc>
+              </a:tr>
+              <a:tr h="440055">
+                <a:tc vMerge="1">
+                  <a:tcPr>
+                    <a:lnL w="6350" cap="flat" cmpd="sng">
+                      <a:solidFill>
+                        <a:srgbClr val="000008"/>
+                      </a:solidFill>
+                      <a:prstDash val="solid"/>
+                      <a:headEnd type="none" w="med" len="med"/>
+                      <a:tailEnd type="none" w="med" len="med"/>
+                    </a:lnL>
+                    <a:lnR w="6350" cap="flat" cmpd="sng">
+                      <a:solidFill>
+                        <a:srgbClr val="000008"/>
+                      </a:solidFill>
+                      <a:prstDash val="solid"/>
+                      <a:headEnd type="none" w="med" len="med"/>
+                      <a:tailEnd type="none" w="med" len="med"/>
+                    </a:lnR>
+                    <a:lnB w="6350" cap="flat" cmpd="sng">
+                      <a:solidFill>
+                        <a:srgbClr val="000008"/>
+                      </a:solidFill>
+                      <a:prstDash val="solid"/>
+                      <a:headEnd type="none" w="med" len="med"/>
+                      <a:tailEnd type="none" w="med" len="med"/>
+                    </a:lnB>
+                  </a:tcPr>
                 </a:tc>
                 <a:tc>
                   <a:txBody>
                     <a:bodyPr/>
                     <a:p>
-                      <a:pPr>
-                        <a:buNone/>
+                      <a:pPr marL="0" indent="0" algn="ctr">
+                        <a:spcBef>
+                          <a:spcPct val="0"/>
+                        </a:spcBef>
+                        <a:spcAft>
+                          <a:spcPct val="0"/>
+                        </a:spcAft>
                       </a:pPr>
                       <a:r>
-                        <a:rPr lang="zh-CN" altLang="en-US"/>
-                        <a:t>0.9712</a:t>
+                        <a:rPr lang="zh-CN" sz="1200">
+                          <a:solidFill>
+                            <a:srgbClr val="000000"/>
+                          </a:solidFill>
+                          <a:latin typeface="宋体" panose="02010600030101010101" pitchFamily="2" charset="-122"/>
+                          <a:ea typeface="宋体" panose="02010600030101010101" pitchFamily="2" charset="-122"/>
+                        </a:rPr>
+                        <a:t>伯努利贝叶斯</a:t>
                       </a:r>
-                      <a:endParaRPr lang="zh-CN" altLang="en-US"/>
+                      <a:endParaRPr lang="zh-CN" sz="1200">
+                        <a:solidFill>
+                          <a:srgbClr val="000000"/>
+                        </a:solidFill>
+                        <a:latin typeface="宋体" panose="02010600030101010101" pitchFamily="2" charset="-122"/>
+                        <a:ea typeface="宋体" panose="02010600030101010101" pitchFamily="2" charset="-122"/>
+                      </a:endParaRPr>
                     </a:p>
                   </a:txBody>
-                  <a:tcPr/>
-                </a:tc>
-              </a:tr>
-              <a:tr h="381000">
-                <a:tc vMerge="1">
-                  <a:tcPr/>
+                  <a:tcPr marL="68580" marR="68580" marT="0" marB="0" anchor="ctr" anchorCtr="0">
+                    <a:lnL w="6350" cap="flat" cmpd="sng">
+                      <a:solidFill>
+                        <a:srgbClr val="000008"/>
+                      </a:solidFill>
+                      <a:prstDash val="solid"/>
+                      <a:headEnd type="none" w="med" len="med"/>
+                      <a:tailEnd type="none" w="med" len="med"/>
+                    </a:lnL>
+                    <a:lnR w="6350" cap="flat" cmpd="sng">
+                      <a:solidFill>
+                        <a:srgbClr val="000008"/>
+                      </a:solidFill>
+                      <a:prstDash val="solid"/>
+                      <a:headEnd type="none" w="med" len="med"/>
+                      <a:tailEnd type="none" w="med" len="med"/>
+                    </a:lnR>
+                    <a:lnT w="6350" cap="flat" cmpd="sng">
+                      <a:solidFill>
+                        <a:srgbClr val="000008"/>
+                      </a:solidFill>
+                      <a:prstDash val="solid"/>
+                      <a:headEnd type="none" w="med" len="med"/>
+                      <a:tailEnd type="none" w="med" len="med"/>
+                    </a:lnT>
+                    <a:lnB w="6350" cap="flat" cmpd="sng">
+                      <a:solidFill>
+                        <a:srgbClr val="000008"/>
+                      </a:solidFill>
+                      <a:prstDash val="solid"/>
+                      <a:headEnd type="none" w="med" len="med"/>
+                      <a:tailEnd type="none" w="med" len="med"/>
+                    </a:lnB>
+                    <a:noFill/>
+                  </a:tcPr>
                 </a:tc>
                 <a:tc>
                   <a:txBody>
                     <a:bodyPr/>
                     <a:p>
-                      <a:pPr>
-                        <a:buNone/>
+                      <a:pPr marL="0" indent="0" algn="ctr">
+                        <a:spcBef>
+                          <a:spcPct val="0"/>
+                        </a:spcBef>
+                        <a:spcAft>
+                          <a:spcPct val="0"/>
+                        </a:spcAft>
                       </a:pPr>
                       <a:r>
-                        <a:rPr lang="zh-CN" altLang="en-US"/>
-                        <a:t>Adaboost</a:t>
+                        <a:rPr lang="en-US" altLang="zh-CN" sz="1200">
+                          <a:solidFill>
+                            <a:srgbClr val="000000"/>
+                          </a:solidFill>
+                          <a:latin typeface="宋体" panose="02010600030101010101" pitchFamily="2" charset="-122"/>
+                          <a:ea typeface="宋体" panose="02010600030101010101" pitchFamily="2" charset="-122"/>
+                        </a:rPr>
+                        <a:t>0.7920</a:t>
                       </a:r>
-                      <a:endParaRPr lang="zh-CN" altLang="en-US"/>
+                      <a:endParaRPr lang="en-US" altLang="zh-CN" sz="1200">
+                        <a:solidFill>
+                          <a:srgbClr val="000000"/>
+                        </a:solidFill>
+                        <a:latin typeface="宋体" panose="02010600030101010101" pitchFamily="2" charset="-122"/>
+                        <a:ea typeface="宋体" panose="02010600030101010101" pitchFamily="2" charset="-122"/>
+                      </a:endParaRPr>
                     </a:p>
                   </a:txBody>
-                  <a:tcPr/>
+                  <a:tcPr marL="68580" marR="68580" marT="0" marB="0" anchor="ctr" anchorCtr="0">
+                    <a:lnL w="6350" cap="flat" cmpd="sng">
+                      <a:solidFill>
+                        <a:srgbClr val="000008"/>
+                      </a:solidFill>
+                      <a:prstDash val="solid"/>
+                      <a:headEnd type="none" w="med" len="med"/>
+                      <a:tailEnd type="none" w="med" len="med"/>
+                    </a:lnL>
+                    <a:lnR w="6350" cap="flat" cmpd="sng">
+                      <a:solidFill>
+                        <a:srgbClr val="000008"/>
+                      </a:solidFill>
+                      <a:prstDash val="solid"/>
+                      <a:headEnd type="none" w="med" len="med"/>
+                      <a:tailEnd type="none" w="med" len="med"/>
+                    </a:lnR>
+                    <a:lnT w="6350" cap="flat" cmpd="sng">
+                      <a:solidFill>
+                        <a:srgbClr val="000008"/>
+                      </a:solidFill>
+                      <a:prstDash val="solid"/>
+                      <a:headEnd type="none" w="med" len="med"/>
+                      <a:tailEnd type="none" w="med" len="med"/>
+                    </a:lnT>
+                    <a:lnB w="6350" cap="flat" cmpd="sng">
+                      <a:solidFill>
+                        <a:srgbClr val="000008"/>
+                      </a:solidFill>
+                      <a:prstDash val="solid"/>
+                      <a:headEnd type="none" w="med" len="med"/>
+                      <a:tailEnd type="none" w="med" len="med"/>
+                    </a:lnB>
+                    <a:noFill/>
+                  </a:tcPr>
                 </a:tc>
                 <a:tc>
                   <a:txBody>
                     <a:bodyPr/>
                     <a:p>
-                      <a:pPr>
-                        <a:buNone/>
+                      <a:pPr marL="0" indent="0" algn="ctr">
+                        <a:spcBef>
+                          <a:spcPct val="0"/>
+                        </a:spcBef>
+                        <a:spcAft>
+                          <a:spcPct val="0"/>
+                        </a:spcAft>
                       </a:pPr>
                       <a:r>
-                        <a:rPr lang="zh-CN" altLang="en-US"/>
-                        <a:t>0.9679</a:t>
+                        <a:rPr lang="en-US" altLang="zh-CN" sz="1200">
+                          <a:solidFill>
+                            <a:srgbClr val="000000"/>
+                          </a:solidFill>
+                          <a:latin typeface="宋体" panose="02010600030101010101" pitchFamily="2" charset="-122"/>
+                          <a:ea typeface="宋体" panose="02010600030101010101" pitchFamily="2" charset="-122"/>
+                        </a:rPr>
+                        <a:t>0.7495</a:t>
                       </a:r>
-                      <a:endParaRPr lang="zh-CN" altLang="en-US"/>
+                      <a:endParaRPr lang="en-US" altLang="zh-CN" sz="1200">
+                        <a:solidFill>
+                          <a:srgbClr val="000000"/>
+                        </a:solidFill>
+                        <a:latin typeface="宋体" panose="02010600030101010101" pitchFamily="2" charset="-122"/>
+                        <a:ea typeface="宋体" panose="02010600030101010101" pitchFamily="2" charset="-122"/>
+                      </a:endParaRPr>
                     </a:p>
                   </a:txBody>
-                  <a:tcPr/>
+                  <a:tcPr marL="68580" marR="68580" marT="0" marB="0" anchor="ctr" anchorCtr="0">
+                    <a:lnL w="6350" cap="flat" cmpd="sng">
+                      <a:solidFill>
+                        <a:srgbClr val="000008"/>
+                      </a:solidFill>
+                      <a:prstDash val="solid"/>
+                      <a:headEnd type="none" w="med" len="med"/>
+                      <a:tailEnd type="none" w="med" len="med"/>
+                    </a:lnL>
+                    <a:lnR w="6350" cap="flat" cmpd="sng">
+                      <a:solidFill>
+                        <a:srgbClr val="000008"/>
+                      </a:solidFill>
+                      <a:prstDash val="solid"/>
+                      <a:headEnd type="none" w="med" len="med"/>
+                      <a:tailEnd type="none" w="med" len="med"/>
+                    </a:lnR>
+                    <a:lnT w="6350" cap="flat" cmpd="sng">
+                      <a:solidFill>
+                        <a:srgbClr val="000008"/>
+                      </a:solidFill>
+                      <a:prstDash val="solid"/>
+                      <a:headEnd type="none" w="med" len="med"/>
+                      <a:tailEnd type="none" w="med" len="med"/>
+                    </a:lnT>
+                    <a:lnB w="6350" cap="flat" cmpd="sng">
+                      <a:solidFill>
+                        <a:srgbClr val="000008"/>
+                      </a:solidFill>
+                      <a:prstDash val="solid"/>
+                      <a:headEnd type="none" w="med" len="med"/>
+                      <a:tailEnd type="none" w="med" len="med"/>
+                    </a:lnB>
+                    <a:noFill/>
+                  </a:tcPr>
                 </a:tc>
                 <a:tc>
                   <a:txBody>
                     <a:bodyPr/>
                     <a:p>
-                      <a:pPr>
-                        <a:buNone/>
+                      <a:pPr marL="0" indent="0" algn="ctr">
+                        <a:spcBef>
+                          <a:spcPct val="0"/>
+                        </a:spcBef>
+                        <a:spcAft>
+                          <a:spcPct val="0"/>
+                        </a:spcAft>
                       </a:pPr>
                       <a:r>
-                        <a:rPr lang="zh-CN" altLang="en-US"/>
-                        <a:t>0.9676</a:t>
+                        <a:rPr lang="en-US" altLang="zh-CN" sz="1200">
+                          <a:solidFill>
+                            <a:srgbClr val="000000"/>
+                          </a:solidFill>
+                          <a:latin typeface="宋体" panose="02010600030101010101" pitchFamily="2" charset="-122"/>
+                          <a:ea typeface="宋体" panose="02010600030101010101" pitchFamily="2" charset="-122"/>
+                        </a:rPr>
+                        <a:t>0.8523</a:t>
                       </a:r>
-                      <a:endParaRPr lang="zh-CN" altLang="en-US"/>
+                      <a:endParaRPr lang="en-US" altLang="zh-CN" sz="1200">
+                        <a:solidFill>
+                          <a:srgbClr val="000000"/>
+                        </a:solidFill>
+                        <a:latin typeface="宋体" panose="02010600030101010101" pitchFamily="2" charset="-122"/>
+                        <a:ea typeface="宋体" panose="02010600030101010101" pitchFamily="2" charset="-122"/>
+                      </a:endParaRPr>
                     </a:p>
                   </a:txBody>
-                  <a:tcPr/>
+                  <a:tcPr marL="68580" marR="68580" marT="0" marB="0" anchor="ctr" anchorCtr="0">
+                    <a:lnL w="6350" cap="flat" cmpd="sng">
+                      <a:solidFill>
+                        <a:srgbClr val="000008"/>
+                      </a:solidFill>
+                      <a:prstDash val="solid"/>
+                      <a:headEnd type="none" w="med" len="med"/>
+                      <a:tailEnd type="none" w="med" len="med"/>
+                    </a:lnL>
+                    <a:lnR w="6350" cap="flat" cmpd="sng">
+                      <a:solidFill>
+                        <a:srgbClr val="000008"/>
+                      </a:solidFill>
+                      <a:prstDash val="solid"/>
+                      <a:headEnd type="none" w="med" len="med"/>
+                      <a:tailEnd type="none" w="med" len="med"/>
+                    </a:lnR>
+                    <a:lnT w="6350" cap="flat" cmpd="sng">
+                      <a:solidFill>
+                        <a:srgbClr val="000008"/>
+                      </a:solidFill>
+                      <a:prstDash val="solid"/>
+                      <a:headEnd type="none" w="med" len="med"/>
+                      <a:tailEnd type="none" w="med" len="med"/>
+                    </a:lnT>
+                    <a:lnB w="6350" cap="flat" cmpd="sng">
+                      <a:solidFill>
+                        <a:srgbClr val="000008"/>
+                      </a:solidFill>
+                      <a:prstDash val="solid"/>
+                      <a:headEnd type="none" w="med" len="med"/>
+                      <a:tailEnd type="none" w="med" len="med"/>
+                    </a:lnB>
+                    <a:noFill/>
+                  </a:tcPr>
                 </a:tc>
               </a:tr>
-              <a:tr h="381000">
-                <a:tc vMerge="1">
-                  <a:tcPr/>
+              <a:tr h="440055">
+                <a:tc rowSpan="3">
+                  <a:txBody>
+                    <a:bodyPr/>
+                    <a:p>
+                      <a:pPr marL="68580" indent="0" algn="ctr">
+                        <a:spcBef>
+                          <a:spcPct val="0"/>
+                        </a:spcBef>
+                        <a:spcAft>
+                          <a:spcPct val="0"/>
+                        </a:spcAft>
+                      </a:pPr>
+                      <a:r>
+                        <a:rPr lang="zh-CN" sz="1200" b="1">
+                          <a:solidFill>
+                            <a:srgbClr val="000000"/>
+                          </a:solidFill>
+                          <a:latin typeface="宋体" panose="02010600030101010101" pitchFamily="2" charset="-122"/>
+                          <a:ea typeface="宋体" panose="02010600030101010101" pitchFamily="2" charset="-122"/>
+                        </a:rPr>
+                        <a:t>集成学习</a:t>
+                      </a:r>
+                      <a:endParaRPr lang="zh-CN" sz="1200" b="1">
+                        <a:solidFill>
+                          <a:srgbClr val="000000"/>
+                        </a:solidFill>
+                        <a:latin typeface="宋体" panose="02010600030101010101" pitchFamily="2" charset="-122"/>
+                        <a:ea typeface="宋体" panose="02010600030101010101" pitchFamily="2" charset="-122"/>
+                      </a:endParaRPr>
+                    </a:p>
+                  </a:txBody>
+                  <a:tcPr marL="68580" marR="68580" marT="0" marB="0" anchor="ctr" anchorCtr="0">
+                    <a:lnL w="6350" cap="flat" cmpd="sng">
+                      <a:solidFill>
+                        <a:srgbClr val="000008"/>
+                      </a:solidFill>
+                      <a:prstDash val="solid"/>
+                      <a:headEnd type="none" w="med" len="med"/>
+                      <a:tailEnd type="none" w="med" len="med"/>
+                    </a:lnL>
+                    <a:lnR w="6350" cap="flat" cmpd="sng">
+                      <a:solidFill>
+                        <a:srgbClr val="000008"/>
+                      </a:solidFill>
+                      <a:prstDash val="solid"/>
+                      <a:headEnd type="none" w="med" len="med"/>
+                      <a:tailEnd type="none" w="med" len="med"/>
+                    </a:lnR>
+                    <a:lnT w="6350" cap="flat" cmpd="sng">
+                      <a:solidFill>
+                        <a:srgbClr val="000008"/>
+                      </a:solidFill>
+                      <a:prstDash val="solid"/>
+                      <a:headEnd type="none" w="med" len="med"/>
+                      <a:tailEnd type="none" w="med" len="med"/>
+                    </a:lnT>
+                    <a:lnB w="6350" cap="flat" cmpd="sng">
+                      <a:solidFill>
+                        <a:srgbClr val="000008"/>
+                      </a:solidFill>
+                      <a:prstDash val="solid"/>
+                      <a:headEnd type="none" w="med" len="med"/>
+                      <a:tailEnd type="none" w="med" len="med"/>
+                    </a:lnB>
+                    <a:noFill/>
+                  </a:tcPr>
                 </a:tc>
                 <a:tc>
                   <a:txBody>
                     <a:bodyPr/>
                     <a:p>
-                      <a:pPr>
-                        <a:buNone/>
+                      <a:pPr marL="68580" indent="0" algn="ctr">
+                        <a:spcBef>
+                          <a:spcPct val="0"/>
+                        </a:spcBef>
+                        <a:spcAft>
+                          <a:spcPct val="0"/>
+                        </a:spcAft>
                       </a:pPr>
                       <a:r>
-                        <a:rPr lang="zh-CN" altLang="en-US"/>
-                        <a:t>随机森林</a:t>
+                        <a:rPr lang="en-US" altLang="zh-CN" sz="1200" b="1">
+                          <a:solidFill>
+                            <a:srgbClr val="000000"/>
+                          </a:solidFill>
+                          <a:latin typeface="宋体" panose="02010600030101010101" pitchFamily="2" charset="-122"/>
+                          <a:ea typeface="宋体" panose="02010600030101010101" pitchFamily="2" charset="-122"/>
+                        </a:rPr>
+                        <a:t>LightGBM</a:t>
                       </a:r>
-                      <a:endParaRPr lang="zh-CN" altLang="en-US"/>
+                      <a:endParaRPr lang="en-US" altLang="zh-CN" sz="1200" b="1">
+                        <a:solidFill>
+                          <a:srgbClr val="000000"/>
+                        </a:solidFill>
+                        <a:latin typeface="宋体" panose="02010600030101010101" pitchFamily="2" charset="-122"/>
+                        <a:ea typeface="宋体" panose="02010600030101010101" pitchFamily="2" charset="-122"/>
+                      </a:endParaRPr>
                     </a:p>
                   </a:txBody>
-                  <a:tcPr/>
+                  <a:tcPr marL="68580" marR="68580" marT="0" marB="0" anchor="ctr" anchorCtr="0">
+                    <a:lnL w="6350" cap="flat" cmpd="sng">
+                      <a:solidFill>
+                        <a:srgbClr val="000008"/>
+                      </a:solidFill>
+                      <a:prstDash val="solid"/>
+                      <a:headEnd type="none" w="med" len="med"/>
+                      <a:tailEnd type="none" w="med" len="med"/>
+                    </a:lnL>
+                    <a:lnR w="6350" cap="flat" cmpd="sng">
+                      <a:solidFill>
+                        <a:srgbClr val="000008"/>
+                      </a:solidFill>
+                      <a:prstDash val="solid"/>
+                      <a:headEnd type="none" w="med" len="med"/>
+                      <a:tailEnd type="none" w="med" len="med"/>
+                    </a:lnR>
+                    <a:lnT w="6350" cap="flat" cmpd="sng">
+                      <a:solidFill>
+                        <a:srgbClr val="000008"/>
+                      </a:solidFill>
+                      <a:prstDash val="solid"/>
+                      <a:headEnd type="none" w="med" len="med"/>
+                      <a:tailEnd type="none" w="med" len="med"/>
+                    </a:lnT>
+                    <a:lnB w="6350" cap="flat" cmpd="sng">
+                      <a:solidFill>
+                        <a:srgbClr val="000008"/>
+                      </a:solidFill>
+                      <a:prstDash val="solid"/>
+                      <a:headEnd type="none" w="med" len="med"/>
+                      <a:tailEnd type="none" w="med" len="med"/>
+                    </a:lnB>
+                    <a:noFill/>
+                  </a:tcPr>
                 </a:tc>
                 <a:tc>
                   <a:txBody>
                     <a:bodyPr/>
                     <a:p>
-                      <a:pPr>
-                        <a:buNone/>
+                      <a:pPr marL="68580" indent="0" algn="ctr">
+                        <a:spcBef>
+                          <a:spcPct val="0"/>
+                        </a:spcBef>
+                        <a:spcAft>
+                          <a:spcPct val="0"/>
+                        </a:spcAft>
                       </a:pPr>
                       <a:r>
-                        <a:rPr lang="zh-CN" altLang="en-US"/>
-                        <a:t>0.9579</a:t>
+                        <a:rPr lang="en-US" altLang="zh-CN" sz="1200" b="1">
+                          <a:solidFill>
+                            <a:srgbClr val="000000"/>
+                          </a:solidFill>
+                          <a:latin typeface="宋体" panose="02010600030101010101" pitchFamily="2" charset="-122"/>
+                          <a:ea typeface="宋体" panose="02010600030101010101" pitchFamily="2" charset="-122"/>
+                        </a:rPr>
+                        <a:t>0.8290</a:t>
                       </a:r>
-                      <a:endParaRPr lang="zh-CN" altLang="en-US"/>
+                      <a:endParaRPr lang="en-US" altLang="zh-CN" sz="1200" b="1">
+                        <a:solidFill>
+                          <a:srgbClr val="000000"/>
+                        </a:solidFill>
+                        <a:latin typeface="宋体" panose="02010600030101010101" pitchFamily="2" charset="-122"/>
+                        <a:ea typeface="宋体" panose="02010600030101010101" pitchFamily="2" charset="-122"/>
+                      </a:endParaRPr>
                     </a:p>
                   </a:txBody>
-                  <a:tcPr/>
+                  <a:tcPr marL="68580" marR="68580" marT="0" marB="0" anchor="ctr" anchorCtr="0">
+                    <a:lnL w="6350" cap="flat" cmpd="sng">
+                      <a:solidFill>
+                        <a:srgbClr val="000008"/>
+                      </a:solidFill>
+                      <a:prstDash val="solid"/>
+                      <a:headEnd type="none" w="med" len="med"/>
+                      <a:tailEnd type="none" w="med" len="med"/>
+                    </a:lnL>
+                    <a:lnR w="6350" cap="flat" cmpd="sng">
+                      <a:solidFill>
+                        <a:srgbClr val="000008"/>
+                      </a:solidFill>
+                      <a:prstDash val="solid"/>
+                      <a:headEnd type="none" w="med" len="med"/>
+                      <a:tailEnd type="none" w="med" len="med"/>
+                    </a:lnR>
+                    <a:lnT w="6350" cap="flat" cmpd="sng">
+                      <a:solidFill>
+                        <a:srgbClr val="000008"/>
+                      </a:solidFill>
+                      <a:prstDash val="solid"/>
+                      <a:headEnd type="none" w="med" len="med"/>
+                      <a:tailEnd type="none" w="med" len="med"/>
+                    </a:lnT>
+                    <a:lnB w="6350" cap="flat" cmpd="sng">
+                      <a:solidFill>
+                        <a:srgbClr val="000008"/>
+                      </a:solidFill>
+                      <a:prstDash val="solid"/>
+                      <a:headEnd type="none" w="med" len="med"/>
+                      <a:tailEnd type="none" w="med" len="med"/>
+                    </a:lnB>
+                    <a:noFill/>
+                  </a:tcPr>
                 </a:tc>
                 <a:tc>
                   <a:txBody>
                     <a:bodyPr/>
                     <a:p>
-                      <a:pPr>
-                        <a:buNone/>
+                      <a:pPr marL="68580" indent="0" algn="ctr">
+                        <a:spcBef>
+                          <a:spcPct val="0"/>
+                        </a:spcBef>
+                        <a:spcAft>
+                          <a:spcPct val="0"/>
+                        </a:spcAft>
                       </a:pPr>
                       <a:r>
-                        <a:rPr lang="zh-CN" altLang="en-US"/>
-                        <a:t>0.9570</a:t>
+                        <a:rPr lang="en-US" altLang="zh-CN" sz="1200" b="1">
+                          <a:solidFill>
+                            <a:srgbClr val="000000"/>
+                          </a:solidFill>
+                          <a:latin typeface="宋体" panose="02010600030101010101" pitchFamily="2" charset="-122"/>
+                          <a:ea typeface="宋体" panose="02010600030101010101" pitchFamily="2" charset="-122"/>
+                        </a:rPr>
+                        <a:t>0.7941</a:t>
                       </a:r>
-                      <a:endParaRPr lang="zh-CN" altLang="en-US"/>
+                      <a:endParaRPr lang="en-US" altLang="zh-CN" sz="1200" b="1">
+                        <a:solidFill>
+                          <a:srgbClr val="000000"/>
+                        </a:solidFill>
+                        <a:latin typeface="宋体" panose="02010600030101010101" pitchFamily="2" charset="-122"/>
+                        <a:ea typeface="宋体" panose="02010600030101010101" pitchFamily="2" charset="-122"/>
+                      </a:endParaRPr>
                     </a:p>
                   </a:txBody>
-                  <a:tcPr/>
-                </a:tc>
-              </a:tr>
-              <a:tr h="381000">
-                <a:tc>
-                  <a:txBody>
-                    <a:bodyPr/>
-                    <a:p>
-                      <a:pPr>
-                        <a:buNone/>
-                      </a:pPr>
-                      <a:r>
-                        <a:rPr lang="zh-CN" altLang="en-US"/>
-                        <a:t>懒惰学习</a:t>
-                      </a:r>
-                      <a:endParaRPr lang="zh-CN" altLang="en-US"/>
-                    </a:p>
-                  </a:txBody>
-                  <a:tcPr/>
+                  <a:tcPr marL="68580" marR="68580" marT="0" marB="0" anchor="ctr" anchorCtr="0">
+                    <a:lnL w="6350" cap="flat" cmpd="sng">
+                      <a:solidFill>
+                        <a:srgbClr val="000008"/>
+                      </a:solidFill>
+                      <a:prstDash val="solid"/>
+                      <a:headEnd type="none" w="med" len="med"/>
+                      <a:tailEnd type="none" w="med" len="med"/>
+                    </a:lnL>
+                    <a:lnR w="6350" cap="flat" cmpd="sng">
+                      <a:solidFill>
+                        <a:srgbClr val="000008"/>
+                      </a:solidFill>
+                      <a:prstDash val="solid"/>
+                      <a:headEnd type="none" w="med" len="med"/>
+                      <a:tailEnd type="none" w="med" len="med"/>
+                    </a:lnR>
+                    <a:lnT w="6350" cap="flat" cmpd="sng">
+                      <a:solidFill>
+                        <a:srgbClr val="000008"/>
+                      </a:solidFill>
+                      <a:prstDash val="solid"/>
+                      <a:headEnd type="none" w="med" len="med"/>
+                      <a:tailEnd type="none" w="med" len="med"/>
+                    </a:lnT>
+                    <a:lnB w="6350" cap="flat" cmpd="sng">
+                      <a:solidFill>
+                        <a:srgbClr val="000008"/>
+                      </a:solidFill>
+                      <a:prstDash val="solid"/>
+                      <a:headEnd type="none" w="med" len="med"/>
+                      <a:tailEnd type="none" w="med" len="med"/>
+                    </a:lnB>
+                    <a:noFill/>
+                  </a:tcPr>
                 </a:tc>
                 <a:tc>
                   <a:txBody>
                     <a:bodyPr/>
                     <a:p>
-                      <a:pPr>
-                        <a:buNone/>
+                      <a:pPr marL="0" indent="0" algn="ctr">
+                        <a:spcBef>
+                          <a:spcPct val="0"/>
+                        </a:spcBef>
+                        <a:spcAft>
+                          <a:spcPct val="0"/>
+                        </a:spcAft>
                       </a:pPr>
                       <a:r>
-                        <a:rPr lang="zh-CN" altLang="en-US"/>
-                        <a:t>K近邻</a:t>
+                        <a:rPr lang="en-US" altLang="zh-CN" sz="1200" b="1">
+                          <a:solidFill>
+                            <a:srgbClr val="000000"/>
+                          </a:solidFill>
+                          <a:latin typeface="宋体" panose="02010600030101010101" pitchFamily="2" charset="-122"/>
+                          <a:ea typeface="宋体" panose="02010600030101010101" pitchFamily="2" charset="-122"/>
+                        </a:rPr>
+                        <a:t>0.8934</a:t>
                       </a:r>
-                      <a:endParaRPr lang="zh-CN" altLang="en-US"/>
+                      <a:endParaRPr lang="en-US" altLang="zh-CN" sz="1200" b="1">
+                        <a:solidFill>
+                          <a:srgbClr val="000000"/>
+                        </a:solidFill>
+                        <a:latin typeface="宋体" panose="02010600030101010101" pitchFamily="2" charset="-122"/>
+                        <a:ea typeface="宋体" panose="02010600030101010101" pitchFamily="2" charset="-122"/>
+                      </a:endParaRPr>
                     </a:p>
                   </a:txBody>
-                  <a:tcPr/>
+                  <a:tcPr marL="68580" marR="68580" marT="0" marB="0" anchor="ctr" anchorCtr="0">
+                    <a:lnL w="6350" cap="flat" cmpd="sng">
+                      <a:solidFill>
+                        <a:srgbClr val="000008"/>
+                      </a:solidFill>
+                      <a:prstDash val="solid"/>
+                      <a:headEnd type="none" w="med" len="med"/>
+                      <a:tailEnd type="none" w="med" len="med"/>
+                    </a:lnL>
+                    <a:lnR w="6350" cap="flat" cmpd="sng">
+                      <a:solidFill>
+                        <a:srgbClr val="000008"/>
+                      </a:solidFill>
+                      <a:prstDash val="solid"/>
+                      <a:headEnd type="none" w="med" len="med"/>
+                      <a:tailEnd type="none" w="med" len="med"/>
+                    </a:lnR>
+                    <a:lnT w="6350" cap="flat" cmpd="sng">
+                      <a:solidFill>
+                        <a:srgbClr val="000008"/>
+                      </a:solidFill>
+                      <a:prstDash val="solid"/>
+                      <a:headEnd type="none" w="med" len="med"/>
+                      <a:tailEnd type="none" w="med" len="med"/>
+                    </a:lnT>
+                    <a:lnB w="6350" cap="flat" cmpd="sng">
+                      <a:solidFill>
+                        <a:srgbClr val="000008"/>
+                      </a:solidFill>
+                      <a:prstDash val="solid"/>
+                      <a:headEnd type="none" w="med" len="med"/>
+                      <a:tailEnd type="none" w="med" len="med"/>
+                    </a:lnB>
+                    <a:noFill/>
+                  </a:tcPr>
+                </a:tc>
+              </a:tr>
+              <a:tr h="440055">
+                <a:tc vMerge="1">
+                  <a:tcPr>
+                    <a:lnL w="6350" cap="flat" cmpd="sng">
+                      <a:solidFill>
+                        <a:srgbClr val="000008"/>
+                      </a:solidFill>
+                      <a:prstDash val="solid"/>
+                      <a:headEnd type="none" w="med" len="med"/>
+                      <a:tailEnd type="none" w="med" len="med"/>
+                    </a:lnL>
+                    <a:lnR w="6350" cap="flat" cmpd="sng">
+                      <a:solidFill>
+                        <a:srgbClr val="000008"/>
+                      </a:solidFill>
+                      <a:prstDash val="solid"/>
+                      <a:headEnd type="none" w="med" len="med"/>
+                      <a:tailEnd type="none" w="med" len="med"/>
+                    </a:lnR>
+                  </a:tcPr>
                 </a:tc>
                 <a:tc>
                   <a:txBody>
                     <a:bodyPr/>
                     <a:p>
-                      <a:pPr>
-                        <a:buNone/>
+                      <a:pPr marL="0" indent="0" algn="ctr">
+                        <a:spcBef>
+                          <a:spcPct val="0"/>
+                        </a:spcBef>
+                        <a:spcAft>
+                          <a:spcPct val="0"/>
+                        </a:spcAft>
                       </a:pPr>
                       <a:r>
-                        <a:rPr lang="zh-CN" altLang="en-US"/>
-                        <a:t>0.7313</a:t>
+                        <a:rPr lang="en-US" altLang="zh-CN" sz="1200">
+                          <a:solidFill>
+                            <a:srgbClr val="000000"/>
+                          </a:solidFill>
+                          <a:latin typeface="宋体" panose="02010600030101010101" pitchFamily="2" charset="-122"/>
+                          <a:ea typeface="宋体" panose="02010600030101010101" pitchFamily="2" charset="-122"/>
+                        </a:rPr>
+                        <a:t>Adaboost</a:t>
                       </a:r>
-                      <a:endParaRPr lang="zh-CN" altLang="en-US"/>
+                      <a:endParaRPr lang="en-US" altLang="zh-CN" sz="1200">
+                        <a:solidFill>
+                          <a:srgbClr val="000000"/>
+                        </a:solidFill>
+                        <a:latin typeface="宋体" panose="02010600030101010101" pitchFamily="2" charset="-122"/>
+                        <a:ea typeface="宋体" panose="02010600030101010101" pitchFamily="2" charset="-122"/>
+                      </a:endParaRPr>
                     </a:p>
                   </a:txBody>
-                  <a:tcPr/>
+                  <a:tcPr marL="68580" marR="68580" marT="0" marB="0" anchor="ctr" anchorCtr="0">
+                    <a:lnL w="6350" cap="flat" cmpd="sng">
+                      <a:solidFill>
+                        <a:srgbClr val="000008"/>
+                      </a:solidFill>
+                      <a:prstDash val="solid"/>
+                      <a:headEnd type="none" w="med" len="med"/>
+                      <a:tailEnd type="none" w="med" len="med"/>
+                    </a:lnL>
+                    <a:lnR w="6350" cap="flat" cmpd="sng">
+                      <a:solidFill>
+                        <a:srgbClr val="000008"/>
+                      </a:solidFill>
+                      <a:prstDash val="solid"/>
+                      <a:headEnd type="none" w="med" len="med"/>
+                      <a:tailEnd type="none" w="med" len="med"/>
+                    </a:lnR>
+                    <a:lnT w="6350" cap="flat" cmpd="sng">
+                      <a:solidFill>
+                        <a:srgbClr val="000008"/>
+                      </a:solidFill>
+                      <a:prstDash val="solid"/>
+                      <a:headEnd type="none" w="med" len="med"/>
+                      <a:tailEnd type="none" w="med" len="med"/>
+                    </a:lnT>
+                    <a:lnB w="6350" cap="flat" cmpd="sng">
+                      <a:solidFill>
+                        <a:srgbClr val="000008"/>
+                      </a:solidFill>
+                      <a:prstDash val="solid"/>
+                      <a:headEnd type="none" w="med" len="med"/>
+                      <a:tailEnd type="none" w="med" len="med"/>
+                    </a:lnB>
+                    <a:noFill/>
+                  </a:tcPr>
                 </a:tc>
                 <a:tc>
                   <a:txBody>
                     <a:bodyPr/>
                     <a:p>
-                      <a:pPr>
-                        <a:buNone/>
+                      <a:pPr marL="0" indent="0" algn="ctr">
+                        <a:spcBef>
+                          <a:spcPct val="0"/>
+                        </a:spcBef>
+                        <a:spcAft>
+                          <a:spcPct val="0"/>
+                        </a:spcAft>
                       </a:pPr>
                       <a:r>
-                        <a:rPr lang="zh-CN" altLang="en-US"/>
-                        <a:t>0.6909</a:t>
+                        <a:rPr lang="en-US" altLang="zh-CN" sz="1200">
+                          <a:solidFill>
+                            <a:srgbClr val="000000"/>
+                          </a:solidFill>
+                          <a:latin typeface="宋体" panose="02010600030101010101" pitchFamily="2" charset="-122"/>
+                          <a:ea typeface="宋体" panose="02010600030101010101" pitchFamily="2" charset="-122"/>
+                        </a:rPr>
+                        <a:t>0.8005</a:t>
                       </a:r>
-                      <a:endParaRPr lang="zh-CN" altLang="en-US"/>
+                      <a:endParaRPr lang="en-US" altLang="zh-CN" sz="1200">
+                        <a:solidFill>
+                          <a:srgbClr val="000000"/>
+                        </a:solidFill>
+                        <a:latin typeface="宋体" panose="02010600030101010101" pitchFamily="2" charset="-122"/>
+                        <a:ea typeface="宋体" panose="02010600030101010101" pitchFamily="2" charset="-122"/>
+                      </a:endParaRPr>
                     </a:p>
                   </a:txBody>
-                  <a:tcPr/>
-                </a:tc>
-              </a:tr>
-              <a:tr h="381000">
-                <a:tc>
-                  <a:txBody>
-                    <a:bodyPr/>
-                    <a:p>
-                      <a:pPr>
-                        <a:buNone/>
-                      </a:pPr>
-                      <a:r>
-                        <a:rPr lang="zh-CN" altLang="en-US"/>
-                        <a:t>深度模型</a:t>
-                      </a:r>
-                      <a:endParaRPr lang="zh-CN" altLang="en-US"/>
-                    </a:p>
-                  </a:txBody>
-                  <a:tcPr/>
+                  <a:tcPr marL="68580" marR="68580" marT="0" marB="0" anchor="ctr" anchorCtr="0">
+                    <a:lnL w="6350" cap="flat" cmpd="sng">
+                      <a:solidFill>
+                        <a:srgbClr val="000008"/>
+                      </a:solidFill>
+                      <a:prstDash val="solid"/>
+                      <a:headEnd type="none" w="med" len="med"/>
+                      <a:tailEnd type="none" w="med" len="med"/>
+                    </a:lnL>
+                    <a:lnR w="6350" cap="flat" cmpd="sng">
+                      <a:solidFill>
+                        <a:srgbClr val="000008"/>
+                      </a:solidFill>
+                      <a:prstDash val="solid"/>
+                      <a:headEnd type="none" w="med" len="med"/>
+                      <a:tailEnd type="none" w="med" len="med"/>
+                    </a:lnR>
+                    <a:lnT w="6350" cap="flat" cmpd="sng">
+                      <a:solidFill>
+                        <a:srgbClr val="000008"/>
+                      </a:solidFill>
+                      <a:prstDash val="solid"/>
+                      <a:headEnd type="none" w="med" len="med"/>
+                      <a:tailEnd type="none" w="med" len="med"/>
+                    </a:lnT>
+                    <a:lnB w="6350" cap="flat" cmpd="sng">
+                      <a:solidFill>
+                        <a:srgbClr val="000008"/>
+                      </a:solidFill>
+                      <a:prstDash val="solid"/>
+                      <a:headEnd type="none" w="med" len="med"/>
+                      <a:tailEnd type="none" w="med" len="med"/>
+                    </a:lnB>
+                    <a:noFill/>
+                  </a:tcPr>
                 </a:tc>
                 <a:tc>
                   <a:txBody>
                     <a:bodyPr/>
                     <a:p>
-                      <a:pPr>
-                        <a:buNone/>
+                      <a:pPr marL="0" indent="0" algn="ctr">
+                        <a:spcBef>
+                          <a:spcPct val="0"/>
+                        </a:spcBef>
+                        <a:spcAft>
+                          <a:spcPct val="0"/>
+                        </a:spcAft>
                       </a:pPr>
                       <a:r>
-                        <a:rPr lang="zh-CN" altLang="en-US"/>
-                        <a:t>FNN</a:t>
+                        <a:rPr lang="en-US" altLang="zh-CN" sz="1200">
+                          <a:solidFill>
+                            <a:srgbClr val="000000"/>
+                          </a:solidFill>
+                          <a:latin typeface="宋体" panose="02010600030101010101" pitchFamily="2" charset="-122"/>
+                          <a:ea typeface="宋体" panose="02010600030101010101" pitchFamily="2" charset="-122"/>
+                        </a:rPr>
+                        <a:t>0.7719</a:t>
                       </a:r>
-                      <a:endParaRPr lang="zh-CN" altLang="en-US"/>
+                      <a:endParaRPr lang="en-US" altLang="zh-CN" sz="1200">
+                        <a:solidFill>
+                          <a:srgbClr val="000000"/>
+                        </a:solidFill>
+                        <a:latin typeface="宋体" panose="02010600030101010101" pitchFamily="2" charset="-122"/>
+                        <a:ea typeface="宋体" panose="02010600030101010101" pitchFamily="2" charset="-122"/>
+                      </a:endParaRPr>
                     </a:p>
                   </a:txBody>
-                  <a:tcPr/>
+                  <a:tcPr marL="68580" marR="68580" marT="0" marB="0" anchor="ctr" anchorCtr="0">
+                    <a:lnL w="6350" cap="flat" cmpd="sng">
+                      <a:solidFill>
+                        <a:srgbClr val="000008"/>
+                      </a:solidFill>
+                      <a:prstDash val="solid"/>
+                      <a:headEnd type="none" w="med" len="med"/>
+                      <a:tailEnd type="none" w="med" len="med"/>
+                    </a:lnL>
+                    <a:lnR w="6350" cap="flat" cmpd="sng">
+                      <a:solidFill>
+                        <a:srgbClr val="000008"/>
+                      </a:solidFill>
+                      <a:prstDash val="solid"/>
+                      <a:headEnd type="none" w="med" len="med"/>
+                      <a:tailEnd type="none" w="med" len="med"/>
+                    </a:lnR>
+                    <a:lnT w="6350" cap="flat" cmpd="sng">
+                      <a:solidFill>
+                        <a:srgbClr val="000008"/>
+                      </a:solidFill>
+                      <a:prstDash val="solid"/>
+                      <a:headEnd type="none" w="med" len="med"/>
+                      <a:tailEnd type="none" w="med" len="med"/>
+                    </a:lnT>
+                    <a:lnB w="6350" cap="flat" cmpd="sng">
+                      <a:solidFill>
+                        <a:srgbClr val="000008"/>
+                      </a:solidFill>
+                      <a:prstDash val="solid"/>
+                      <a:headEnd type="none" w="med" len="med"/>
+                      <a:tailEnd type="none" w="med" len="med"/>
+                    </a:lnB>
+                    <a:noFill/>
+                  </a:tcPr>
                 </a:tc>
                 <a:tc>
                   <a:txBody>
                     <a:bodyPr/>
                     <a:p>
-                      <a:pPr>
-                        <a:buNone/>
+                      <a:pPr marL="0" indent="0" algn="ctr">
+                        <a:spcBef>
+                          <a:spcPct val="0"/>
+                        </a:spcBef>
+                        <a:spcAft>
+                          <a:spcPct val="0"/>
+                        </a:spcAft>
                       </a:pPr>
                       <a:r>
-                        <a:rPr lang="zh-CN" altLang="en-US"/>
-                        <a:t>0.8242</a:t>
+                        <a:rPr lang="en-US" altLang="zh-CN" sz="1200">
+                          <a:solidFill>
+                            <a:srgbClr val="000000"/>
+                          </a:solidFill>
+                          <a:latin typeface="宋体" panose="02010600030101010101" pitchFamily="2" charset="-122"/>
+                          <a:ea typeface="宋体" panose="02010600030101010101" pitchFamily="2" charset="-122"/>
+                        </a:rPr>
+                        <a:t>0.8683</a:t>
                       </a:r>
-                      <a:endParaRPr lang="zh-CN" altLang="en-US"/>
+                      <a:endParaRPr lang="en-US" altLang="zh-CN" sz="1200">
+                        <a:solidFill>
+                          <a:srgbClr val="000000"/>
+                        </a:solidFill>
+                        <a:latin typeface="宋体" panose="02010600030101010101" pitchFamily="2" charset="-122"/>
+                        <a:ea typeface="宋体" panose="02010600030101010101" pitchFamily="2" charset="-122"/>
+                      </a:endParaRPr>
                     </a:p>
                   </a:txBody>
-                  <a:tcPr/>
+                  <a:tcPr marL="68580" marR="68580" marT="0" marB="0" anchor="ctr" anchorCtr="0">
+                    <a:lnL w="6350" cap="flat" cmpd="sng">
+                      <a:solidFill>
+                        <a:srgbClr val="000008"/>
+                      </a:solidFill>
+                      <a:prstDash val="solid"/>
+                      <a:headEnd type="none" w="med" len="med"/>
+                      <a:tailEnd type="none" w="med" len="med"/>
+                    </a:lnL>
+                    <a:lnR w="6350" cap="flat" cmpd="sng">
+                      <a:solidFill>
+                        <a:srgbClr val="000008"/>
+                      </a:solidFill>
+                      <a:prstDash val="solid"/>
+                      <a:headEnd type="none" w="med" len="med"/>
+                      <a:tailEnd type="none" w="med" len="med"/>
+                    </a:lnR>
+                    <a:lnT w="6350" cap="flat" cmpd="sng">
+                      <a:solidFill>
+                        <a:srgbClr val="000008"/>
+                      </a:solidFill>
+                      <a:prstDash val="solid"/>
+                      <a:headEnd type="none" w="med" len="med"/>
+                      <a:tailEnd type="none" w="med" len="med"/>
+                    </a:lnT>
+                    <a:lnB w="6350" cap="flat" cmpd="sng">
+                      <a:solidFill>
+                        <a:srgbClr val="000008"/>
+                      </a:solidFill>
+                      <a:prstDash val="solid"/>
+                      <a:headEnd type="none" w="med" len="med"/>
+                      <a:tailEnd type="none" w="med" len="med"/>
+                    </a:lnB>
+                    <a:noFill/>
+                  </a:tcPr>
+                </a:tc>
+              </a:tr>
+              <a:tr h="440055">
+                <a:tc vMerge="1">
+                  <a:tcPr>
+                    <a:lnL w="6350" cap="flat" cmpd="sng">
+                      <a:solidFill>
+                        <a:srgbClr val="000008"/>
+                      </a:solidFill>
+                      <a:prstDash val="solid"/>
+                      <a:headEnd type="none" w="med" len="med"/>
+                      <a:tailEnd type="none" w="med" len="med"/>
+                    </a:lnL>
+                    <a:lnR w="6350" cap="flat" cmpd="sng">
+                      <a:solidFill>
+                        <a:srgbClr val="000008"/>
+                      </a:solidFill>
+                      <a:prstDash val="solid"/>
+                      <a:headEnd type="none" w="med" len="med"/>
+                      <a:tailEnd type="none" w="med" len="med"/>
+                    </a:lnR>
+                    <a:lnB w="6350" cap="flat" cmpd="sng">
+                      <a:solidFill>
+                        <a:srgbClr val="000008"/>
+                      </a:solidFill>
+                      <a:prstDash val="solid"/>
+                      <a:headEnd type="none" w="med" len="med"/>
+                      <a:tailEnd type="none" w="med" len="med"/>
+                    </a:lnB>
+                  </a:tcPr>
                 </a:tc>
                 <a:tc>
                   <a:txBody>
                     <a:bodyPr/>
                     <a:p>
-                      <a:pPr>
-                        <a:buNone/>
+                      <a:pPr marL="0" indent="0" algn="ctr">
+                        <a:spcBef>
+                          <a:spcPct val="0"/>
+                        </a:spcBef>
+                        <a:spcAft>
+                          <a:spcPct val="0"/>
+                        </a:spcAft>
                       </a:pPr>
                       <a:r>
-                        <a:rPr lang="zh-CN" altLang="en-US"/>
-                        <a:t>0.8248</a:t>
+                        <a:rPr lang="zh-CN" sz="1200">
+                          <a:solidFill>
+                            <a:srgbClr val="000000"/>
+                          </a:solidFill>
+                          <a:latin typeface="宋体" panose="02010600030101010101" pitchFamily="2" charset="-122"/>
+                          <a:ea typeface="宋体" panose="02010600030101010101" pitchFamily="2" charset="-122"/>
+                        </a:rPr>
+                        <a:t>随机森林</a:t>
                       </a:r>
-                      <a:endParaRPr lang="zh-CN" altLang="en-US"/>
+                      <a:endParaRPr lang="zh-CN" sz="1200">
+                        <a:solidFill>
+                          <a:srgbClr val="000000"/>
+                        </a:solidFill>
+                        <a:latin typeface="宋体" panose="02010600030101010101" pitchFamily="2" charset="-122"/>
+                        <a:ea typeface="宋体" panose="02010600030101010101" pitchFamily="2" charset="-122"/>
+                      </a:endParaRPr>
                     </a:p>
                   </a:txBody>
-                  <a:tcPr/>
+                  <a:tcPr marL="68580" marR="68580" marT="0" marB="0" anchor="ctr" anchorCtr="0">
+                    <a:lnL w="6350" cap="flat" cmpd="sng">
+                      <a:solidFill>
+                        <a:srgbClr val="000008"/>
+                      </a:solidFill>
+                      <a:prstDash val="solid"/>
+                      <a:headEnd type="none" w="med" len="med"/>
+                      <a:tailEnd type="none" w="med" len="med"/>
+                    </a:lnL>
+                    <a:lnR w="6350" cap="flat" cmpd="sng">
+                      <a:solidFill>
+                        <a:srgbClr val="000008"/>
+                      </a:solidFill>
+                      <a:prstDash val="solid"/>
+                      <a:headEnd type="none" w="med" len="med"/>
+                      <a:tailEnd type="none" w="med" len="med"/>
+                    </a:lnR>
+                    <a:lnT w="6350" cap="flat" cmpd="sng">
+                      <a:solidFill>
+                        <a:srgbClr val="000008"/>
+                      </a:solidFill>
+                      <a:prstDash val="solid"/>
+                      <a:headEnd type="none" w="med" len="med"/>
+                      <a:tailEnd type="none" w="med" len="med"/>
+                    </a:lnT>
+                    <a:lnB w="6350" cap="flat" cmpd="sng">
+                      <a:solidFill>
+                        <a:srgbClr val="000008"/>
+                      </a:solidFill>
+                      <a:prstDash val="solid"/>
+                      <a:headEnd type="none" w="med" len="med"/>
+                      <a:tailEnd type="none" w="med" len="med"/>
+                    </a:lnB>
+                    <a:noFill/>
+                  </a:tcPr>
+                </a:tc>
+                <a:tc>
+                  <a:txBody>
+                    <a:bodyPr/>
+                    <a:p>
+                      <a:pPr marL="0" indent="0" algn="ctr">
+                        <a:spcBef>
+                          <a:spcPct val="0"/>
+                        </a:spcBef>
+                        <a:spcAft>
+                          <a:spcPct val="0"/>
+                        </a:spcAft>
+                      </a:pPr>
+                      <a:r>
+                        <a:rPr lang="en-US" altLang="zh-CN" sz="1200">
+                          <a:solidFill>
+                            <a:srgbClr val="000000"/>
+                          </a:solidFill>
+                          <a:latin typeface="宋体" panose="02010600030101010101" pitchFamily="2" charset="-122"/>
+                          <a:ea typeface="宋体" panose="02010600030101010101" pitchFamily="2" charset="-122"/>
+                        </a:rPr>
+                        <a:t>0.8052</a:t>
+                      </a:r>
+                      <a:endParaRPr lang="en-US" altLang="zh-CN" sz="1200">
+                        <a:solidFill>
+                          <a:srgbClr val="000000"/>
+                        </a:solidFill>
+                        <a:latin typeface="宋体" panose="02010600030101010101" pitchFamily="2" charset="-122"/>
+                        <a:ea typeface="宋体" panose="02010600030101010101" pitchFamily="2" charset="-122"/>
+                      </a:endParaRPr>
+                    </a:p>
+                  </a:txBody>
+                  <a:tcPr marL="68580" marR="68580" marT="0" marB="0" anchor="ctr" anchorCtr="0">
+                    <a:lnL w="6350" cap="flat" cmpd="sng">
+                      <a:solidFill>
+                        <a:srgbClr val="000008"/>
+                      </a:solidFill>
+                      <a:prstDash val="solid"/>
+                      <a:headEnd type="none" w="med" len="med"/>
+                      <a:tailEnd type="none" w="med" len="med"/>
+                    </a:lnL>
+                    <a:lnR w="6350" cap="flat" cmpd="sng">
+                      <a:solidFill>
+                        <a:srgbClr val="000008"/>
+                      </a:solidFill>
+                      <a:prstDash val="solid"/>
+                      <a:headEnd type="none" w="med" len="med"/>
+                      <a:tailEnd type="none" w="med" len="med"/>
+                    </a:lnR>
+                    <a:lnT w="6350" cap="flat" cmpd="sng">
+                      <a:solidFill>
+                        <a:srgbClr val="000008"/>
+                      </a:solidFill>
+                      <a:prstDash val="solid"/>
+                      <a:headEnd type="none" w="med" len="med"/>
+                      <a:tailEnd type="none" w="med" len="med"/>
+                    </a:lnT>
+                    <a:lnB w="6350" cap="flat" cmpd="sng">
+                      <a:solidFill>
+                        <a:srgbClr val="000008"/>
+                      </a:solidFill>
+                      <a:prstDash val="solid"/>
+                      <a:headEnd type="none" w="med" len="med"/>
+                      <a:tailEnd type="none" w="med" len="med"/>
+                    </a:lnB>
+                    <a:noFill/>
+                  </a:tcPr>
+                </a:tc>
+                <a:tc>
+                  <a:txBody>
+                    <a:bodyPr/>
+                    <a:p>
+                      <a:pPr marL="0" indent="0" algn="ctr">
+                        <a:spcBef>
+                          <a:spcPct val="0"/>
+                        </a:spcBef>
+                        <a:spcAft>
+                          <a:spcPct val="0"/>
+                        </a:spcAft>
+                      </a:pPr>
+                      <a:r>
+                        <a:rPr lang="en-US" altLang="zh-CN" sz="1200">
+                          <a:solidFill>
+                            <a:srgbClr val="000000"/>
+                          </a:solidFill>
+                          <a:latin typeface="宋体" panose="02010600030101010101" pitchFamily="2" charset="-122"/>
+                          <a:ea typeface="宋体" panose="02010600030101010101" pitchFamily="2" charset="-122"/>
+                        </a:rPr>
+                        <a:t>0.7845</a:t>
+                      </a:r>
+                      <a:endParaRPr lang="en-US" altLang="zh-CN" sz="1200">
+                        <a:solidFill>
+                          <a:srgbClr val="000000"/>
+                        </a:solidFill>
+                        <a:latin typeface="宋体" panose="02010600030101010101" pitchFamily="2" charset="-122"/>
+                        <a:ea typeface="宋体" panose="02010600030101010101" pitchFamily="2" charset="-122"/>
+                      </a:endParaRPr>
+                    </a:p>
+                  </a:txBody>
+                  <a:tcPr marL="68580" marR="68580" marT="0" marB="0" anchor="ctr" anchorCtr="0">
+                    <a:lnL w="6350" cap="flat" cmpd="sng">
+                      <a:solidFill>
+                        <a:srgbClr val="000008"/>
+                      </a:solidFill>
+                      <a:prstDash val="solid"/>
+                      <a:headEnd type="none" w="med" len="med"/>
+                      <a:tailEnd type="none" w="med" len="med"/>
+                    </a:lnL>
+                    <a:lnR w="6350" cap="flat" cmpd="sng">
+                      <a:solidFill>
+                        <a:srgbClr val="000008"/>
+                      </a:solidFill>
+                      <a:prstDash val="solid"/>
+                      <a:headEnd type="none" w="med" len="med"/>
+                      <a:tailEnd type="none" w="med" len="med"/>
+                    </a:lnR>
+                    <a:lnT w="6350" cap="flat" cmpd="sng">
+                      <a:solidFill>
+                        <a:srgbClr val="000008"/>
+                      </a:solidFill>
+                      <a:prstDash val="solid"/>
+                      <a:headEnd type="none" w="med" len="med"/>
+                      <a:tailEnd type="none" w="med" len="med"/>
+                    </a:lnT>
+                    <a:lnB w="6350" cap="flat" cmpd="sng">
+                      <a:solidFill>
+                        <a:srgbClr val="000008"/>
+                      </a:solidFill>
+                      <a:prstDash val="solid"/>
+                      <a:headEnd type="none" w="med" len="med"/>
+                      <a:tailEnd type="none" w="med" len="med"/>
+                    </a:lnB>
+                    <a:noFill/>
+                  </a:tcPr>
+                </a:tc>
+                <a:tc>
+                  <a:txBody>
+                    <a:bodyPr/>
+                    <a:p>
+                      <a:pPr marL="0" indent="0" algn="ctr">
+                        <a:spcBef>
+                          <a:spcPct val="0"/>
+                        </a:spcBef>
+                        <a:spcAft>
+                          <a:spcPct val="0"/>
+                        </a:spcAft>
+                      </a:pPr>
+                      <a:r>
+                        <a:rPr lang="en-US" altLang="zh-CN" sz="1200">
+                          <a:solidFill>
+                            <a:srgbClr val="000000"/>
+                          </a:solidFill>
+                          <a:latin typeface="宋体" panose="02010600030101010101" pitchFamily="2" charset="-122"/>
+                          <a:ea typeface="宋体" panose="02010600030101010101" pitchFamily="2" charset="-122"/>
+                        </a:rPr>
+                        <a:t>0.8781</a:t>
+                      </a:r>
+                      <a:endParaRPr lang="en-US" altLang="zh-CN" sz="1200">
+                        <a:solidFill>
+                          <a:srgbClr val="000000"/>
+                        </a:solidFill>
+                        <a:latin typeface="宋体" panose="02010600030101010101" pitchFamily="2" charset="-122"/>
+                        <a:ea typeface="宋体" panose="02010600030101010101" pitchFamily="2" charset="-122"/>
+                      </a:endParaRPr>
+                    </a:p>
+                  </a:txBody>
+                  <a:tcPr marL="68580" marR="68580" marT="0" marB="0" anchor="ctr" anchorCtr="0">
+                    <a:lnL w="6350" cap="flat" cmpd="sng">
+                      <a:solidFill>
+                        <a:srgbClr val="000008"/>
+                      </a:solidFill>
+                      <a:prstDash val="solid"/>
+                      <a:headEnd type="none" w="med" len="med"/>
+                      <a:tailEnd type="none" w="med" len="med"/>
+                    </a:lnL>
+                    <a:lnR w="6350" cap="flat" cmpd="sng">
+                      <a:solidFill>
+                        <a:srgbClr val="000008"/>
+                      </a:solidFill>
+                      <a:prstDash val="solid"/>
+                      <a:headEnd type="none" w="med" len="med"/>
+                      <a:tailEnd type="none" w="med" len="med"/>
+                    </a:lnR>
+                    <a:lnT w="6350" cap="flat" cmpd="sng">
+                      <a:solidFill>
+                        <a:srgbClr val="000008"/>
+                      </a:solidFill>
+                      <a:prstDash val="solid"/>
+                      <a:headEnd type="none" w="med" len="med"/>
+                      <a:tailEnd type="none" w="med" len="med"/>
+                    </a:lnT>
+                    <a:lnB w="6350" cap="flat" cmpd="sng">
+                      <a:solidFill>
+                        <a:srgbClr val="000008"/>
+                      </a:solidFill>
+                      <a:prstDash val="solid"/>
+                      <a:headEnd type="none" w="med" len="med"/>
+                      <a:tailEnd type="none" w="med" len="med"/>
+                    </a:lnB>
+                    <a:noFill/>
+                  </a:tcPr>
+                </a:tc>
+              </a:tr>
+              <a:tr h="440055">
+                <a:tc>
+                  <a:txBody>
+                    <a:bodyPr/>
+                    <a:p>
+                      <a:pPr marL="0" indent="0" algn="ctr">
+                        <a:spcBef>
+                          <a:spcPct val="0"/>
+                        </a:spcBef>
+                        <a:spcAft>
+                          <a:spcPct val="0"/>
+                        </a:spcAft>
+                      </a:pPr>
+                      <a:r>
+                        <a:rPr lang="zh-CN" sz="1200">
+                          <a:solidFill>
+                            <a:srgbClr val="000000"/>
+                          </a:solidFill>
+                          <a:latin typeface="宋体" panose="02010600030101010101" pitchFamily="2" charset="-122"/>
+                          <a:ea typeface="宋体" panose="02010600030101010101" pitchFamily="2" charset="-122"/>
+                        </a:rPr>
+                        <a:t>懒惰学习</a:t>
+                      </a:r>
+                      <a:endParaRPr lang="zh-CN" sz="1200">
+                        <a:solidFill>
+                          <a:srgbClr val="000000"/>
+                        </a:solidFill>
+                        <a:latin typeface="宋体" panose="02010600030101010101" pitchFamily="2" charset="-122"/>
+                        <a:ea typeface="宋体" panose="02010600030101010101" pitchFamily="2" charset="-122"/>
+                      </a:endParaRPr>
+                    </a:p>
+                  </a:txBody>
+                  <a:tcPr marL="68580" marR="68580" marT="0" marB="0" anchor="ctr" anchorCtr="0">
+                    <a:lnL w="6350" cap="flat" cmpd="sng">
+                      <a:solidFill>
+                        <a:srgbClr val="000008"/>
+                      </a:solidFill>
+                      <a:prstDash val="solid"/>
+                      <a:headEnd type="none" w="med" len="med"/>
+                      <a:tailEnd type="none" w="med" len="med"/>
+                    </a:lnL>
+                    <a:lnR w="6350" cap="flat" cmpd="sng">
+                      <a:solidFill>
+                        <a:srgbClr val="000008"/>
+                      </a:solidFill>
+                      <a:prstDash val="solid"/>
+                      <a:headEnd type="none" w="med" len="med"/>
+                      <a:tailEnd type="none" w="med" len="med"/>
+                    </a:lnR>
+                    <a:lnT w="6350" cap="flat" cmpd="sng">
+                      <a:solidFill>
+                        <a:srgbClr val="000008"/>
+                      </a:solidFill>
+                      <a:prstDash val="solid"/>
+                      <a:headEnd type="none" w="med" len="med"/>
+                      <a:tailEnd type="none" w="med" len="med"/>
+                    </a:lnT>
+                    <a:lnB w="6350" cap="flat" cmpd="sng">
+                      <a:solidFill>
+                        <a:srgbClr val="000008"/>
+                      </a:solidFill>
+                      <a:prstDash val="solid"/>
+                      <a:headEnd type="none" w="med" len="med"/>
+                      <a:tailEnd type="none" w="med" len="med"/>
+                    </a:lnB>
+                    <a:noFill/>
+                  </a:tcPr>
+                </a:tc>
+                <a:tc>
+                  <a:txBody>
+                    <a:bodyPr/>
+                    <a:p>
+                      <a:pPr marL="0" indent="0" algn="ctr">
+                        <a:spcBef>
+                          <a:spcPct val="0"/>
+                        </a:spcBef>
+                        <a:spcAft>
+                          <a:spcPct val="0"/>
+                        </a:spcAft>
+                      </a:pPr>
+                      <a:r>
+                        <a:rPr lang="en-US" altLang="zh-CN" sz="1200">
+                          <a:solidFill>
+                            <a:srgbClr val="000000"/>
+                          </a:solidFill>
+                          <a:latin typeface="宋体" panose="02010600030101010101" pitchFamily="2" charset="-122"/>
+                          <a:ea typeface="宋体" panose="02010600030101010101" pitchFamily="2" charset="-122"/>
+                        </a:rPr>
+                        <a:t>K</a:t>
+                      </a:r>
+                      <a:r>
+                        <a:rPr lang="zh-CN" altLang="en-US" sz="1200">
+                          <a:solidFill>
+                            <a:srgbClr val="000000"/>
+                          </a:solidFill>
+                          <a:latin typeface="宋体" panose="02010600030101010101" pitchFamily="2" charset="-122"/>
+                          <a:ea typeface="宋体" panose="02010600030101010101" pitchFamily="2" charset="-122"/>
+                        </a:rPr>
+                        <a:t>近邻</a:t>
+                      </a:r>
+                      <a:endParaRPr lang="zh-CN" altLang="en-US" sz="1200">
+                        <a:solidFill>
+                          <a:srgbClr val="000000"/>
+                        </a:solidFill>
+                        <a:latin typeface="宋体" panose="02010600030101010101" pitchFamily="2" charset="-122"/>
+                        <a:ea typeface="宋体" panose="02010600030101010101" pitchFamily="2" charset="-122"/>
+                      </a:endParaRPr>
+                    </a:p>
+                  </a:txBody>
+                  <a:tcPr marL="68580" marR="68580" marT="0" marB="0" anchor="ctr" anchorCtr="0">
+                    <a:lnL w="6350" cap="flat" cmpd="sng">
+                      <a:solidFill>
+                        <a:srgbClr val="000008"/>
+                      </a:solidFill>
+                      <a:prstDash val="solid"/>
+                      <a:headEnd type="none" w="med" len="med"/>
+                      <a:tailEnd type="none" w="med" len="med"/>
+                    </a:lnL>
+                    <a:lnR w="6350" cap="flat" cmpd="sng">
+                      <a:solidFill>
+                        <a:srgbClr val="000008"/>
+                      </a:solidFill>
+                      <a:prstDash val="solid"/>
+                      <a:headEnd type="none" w="med" len="med"/>
+                      <a:tailEnd type="none" w="med" len="med"/>
+                    </a:lnR>
+                    <a:lnT w="6350" cap="flat" cmpd="sng">
+                      <a:solidFill>
+                        <a:srgbClr val="000008"/>
+                      </a:solidFill>
+                      <a:prstDash val="solid"/>
+                      <a:headEnd type="none" w="med" len="med"/>
+                      <a:tailEnd type="none" w="med" len="med"/>
+                    </a:lnT>
+                    <a:lnB w="6350" cap="flat" cmpd="sng">
+                      <a:solidFill>
+                        <a:srgbClr val="000008"/>
+                      </a:solidFill>
+                      <a:prstDash val="solid"/>
+                      <a:headEnd type="none" w="med" len="med"/>
+                      <a:tailEnd type="none" w="med" len="med"/>
+                    </a:lnB>
+                    <a:noFill/>
+                  </a:tcPr>
+                </a:tc>
+                <a:tc>
+                  <a:txBody>
+                    <a:bodyPr/>
+                    <a:p>
+                      <a:pPr marL="0" indent="0" algn="ctr">
+                        <a:spcBef>
+                          <a:spcPct val="0"/>
+                        </a:spcBef>
+                        <a:spcAft>
+                          <a:spcPct val="0"/>
+                        </a:spcAft>
+                      </a:pPr>
+                      <a:r>
+                        <a:rPr lang="en-US" altLang="zh-CN" sz="1200">
+                          <a:solidFill>
+                            <a:srgbClr val="000000"/>
+                          </a:solidFill>
+                          <a:latin typeface="宋体" panose="02010600030101010101" pitchFamily="2" charset="-122"/>
+                          <a:ea typeface="宋体" panose="02010600030101010101" pitchFamily="2" charset="-122"/>
+                        </a:rPr>
+                        <a:t>0.7988</a:t>
+                      </a:r>
+                      <a:endParaRPr lang="en-US" altLang="zh-CN" sz="1200">
+                        <a:solidFill>
+                          <a:srgbClr val="000000"/>
+                        </a:solidFill>
+                        <a:latin typeface="宋体" panose="02010600030101010101" pitchFamily="2" charset="-122"/>
+                        <a:ea typeface="宋体" panose="02010600030101010101" pitchFamily="2" charset="-122"/>
+                      </a:endParaRPr>
+                    </a:p>
+                  </a:txBody>
+                  <a:tcPr marL="68580" marR="68580" marT="0" marB="0" anchor="ctr" anchorCtr="0">
+                    <a:lnL w="6350" cap="flat" cmpd="sng">
+                      <a:solidFill>
+                        <a:srgbClr val="000008"/>
+                      </a:solidFill>
+                      <a:prstDash val="solid"/>
+                      <a:headEnd type="none" w="med" len="med"/>
+                      <a:tailEnd type="none" w="med" len="med"/>
+                    </a:lnL>
+                    <a:lnR w="6350" cap="flat" cmpd="sng">
+                      <a:solidFill>
+                        <a:srgbClr val="000008"/>
+                      </a:solidFill>
+                      <a:prstDash val="solid"/>
+                      <a:headEnd type="none" w="med" len="med"/>
+                      <a:tailEnd type="none" w="med" len="med"/>
+                    </a:lnR>
+                    <a:lnT w="6350" cap="flat" cmpd="sng">
+                      <a:solidFill>
+                        <a:srgbClr val="000008"/>
+                      </a:solidFill>
+                      <a:prstDash val="solid"/>
+                      <a:headEnd type="none" w="med" len="med"/>
+                      <a:tailEnd type="none" w="med" len="med"/>
+                    </a:lnT>
+                    <a:lnB w="6350" cap="flat" cmpd="sng">
+                      <a:solidFill>
+                        <a:srgbClr val="000008"/>
+                      </a:solidFill>
+                      <a:prstDash val="solid"/>
+                      <a:headEnd type="none" w="med" len="med"/>
+                      <a:tailEnd type="none" w="med" len="med"/>
+                    </a:lnB>
+                    <a:noFill/>
+                  </a:tcPr>
+                </a:tc>
+                <a:tc>
+                  <a:txBody>
+                    <a:bodyPr/>
+                    <a:p>
+                      <a:pPr marL="0" indent="0" algn="ctr">
+                        <a:spcBef>
+                          <a:spcPct val="0"/>
+                        </a:spcBef>
+                        <a:spcAft>
+                          <a:spcPct val="0"/>
+                        </a:spcAft>
+                      </a:pPr>
+                      <a:r>
+                        <a:rPr lang="en-US" altLang="zh-CN" sz="1200">
+                          <a:solidFill>
+                            <a:srgbClr val="000000"/>
+                          </a:solidFill>
+                          <a:latin typeface="宋体" panose="02010600030101010101" pitchFamily="2" charset="-122"/>
+                          <a:ea typeface="宋体" panose="02010600030101010101" pitchFamily="2" charset="-122"/>
+                        </a:rPr>
+                        <a:t>0.7172</a:t>
+                      </a:r>
+                      <a:endParaRPr lang="en-US" altLang="zh-CN" sz="1200">
+                        <a:solidFill>
+                          <a:srgbClr val="000000"/>
+                        </a:solidFill>
+                        <a:latin typeface="宋体" panose="02010600030101010101" pitchFamily="2" charset="-122"/>
+                        <a:ea typeface="宋体" panose="02010600030101010101" pitchFamily="2" charset="-122"/>
+                      </a:endParaRPr>
+                    </a:p>
+                  </a:txBody>
+                  <a:tcPr marL="68580" marR="68580" marT="0" marB="0" anchor="ctr" anchorCtr="0">
+                    <a:lnL w="6350" cap="flat" cmpd="sng">
+                      <a:solidFill>
+                        <a:srgbClr val="000008"/>
+                      </a:solidFill>
+                      <a:prstDash val="solid"/>
+                      <a:headEnd type="none" w="med" len="med"/>
+                      <a:tailEnd type="none" w="med" len="med"/>
+                    </a:lnL>
+                    <a:lnR w="6350" cap="flat" cmpd="sng">
+                      <a:solidFill>
+                        <a:srgbClr val="000008"/>
+                      </a:solidFill>
+                      <a:prstDash val="solid"/>
+                      <a:headEnd type="none" w="med" len="med"/>
+                      <a:tailEnd type="none" w="med" len="med"/>
+                    </a:lnR>
+                    <a:lnT w="6350" cap="flat" cmpd="sng">
+                      <a:solidFill>
+                        <a:srgbClr val="000008"/>
+                      </a:solidFill>
+                      <a:prstDash val="solid"/>
+                      <a:headEnd type="none" w="med" len="med"/>
+                      <a:tailEnd type="none" w="med" len="med"/>
+                    </a:lnT>
+                    <a:lnB w="6350" cap="flat" cmpd="sng">
+                      <a:solidFill>
+                        <a:srgbClr val="000008"/>
+                      </a:solidFill>
+                      <a:prstDash val="solid"/>
+                      <a:headEnd type="none" w="med" len="med"/>
+                      <a:tailEnd type="none" w="med" len="med"/>
+                    </a:lnB>
+                    <a:noFill/>
+                  </a:tcPr>
+                </a:tc>
+                <a:tc>
+                  <a:txBody>
+                    <a:bodyPr/>
+                    <a:p>
+                      <a:pPr marL="0" indent="0" algn="ctr">
+                        <a:spcBef>
+                          <a:spcPct val="0"/>
+                        </a:spcBef>
+                        <a:spcAft>
+                          <a:spcPct val="0"/>
+                        </a:spcAft>
+                      </a:pPr>
+                      <a:r>
+                        <a:rPr lang="en-US" altLang="zh-CN" sz="1200">
+                          <a:solidFill>
+                            <a:srgbClr val="000000"/>
+                          </a:solidFill>
+                          <a:latin typeface="宋体" panose="02010600030101010101" pitchFamily="2" charset="-122"/>
+                          <a:ea typeface="宋体" panose="02010600030101010101" pitchFamily="2" charset="-122"/>
+                        </a:rPr>
+                        <a:t>0.8241</a:t>
+                      </a:r>
+                      <a:endParaRPr lang="en-US" altLang="zh-CN" sz="1200">
+                        <a:solidFill>
+                          <a:srgbClr val="000000"/>
+                        </a:solidFill>
+                        <a:latin typeface="宋体" panose="02010600030101010101" pitchFamily="2" charset="-122"/>
+                        <a:ea typeface="宋体" panose="02010600030101010101" pitchFamily="2" charset="-122"/>
+                      </a:endParaRPr>
+                    </a:p>
+                  </a:txBody>
+                  <a:tcPr marL="68580" marR="68580" marT="0" marB="0" anchor="ctr" anchorCtr="0">
+                    <a:lnL w="6350" cap="flat" cmpd="sng">
+                      <a:solidFill>
+                        <a:srgbClr val="000008"/>
+                      </a:solidFill>
+                      <a:prstDash val="solid"/>
+                      <a:headEnd type="none" w="med" len="med"/>
+                      <a:tailEnd type="none" w="med" len="med"/>
+                    </a:lnL>
+                    <a:lnR w="6350" cap="flat" cmpd="sng">
+                      <a:solidFill>
+                        <a:srgbClr val="000008"/>
+                      </a:solidFill>
+                      <a:prstDash val="solid"/>
+                      <a:headEnd type="none" w="med" len="med"/>
+                      <a:tailEnd type="none" w="med" len="med"/>
+                    </a:lnR>
+                    <a:lnT w="6350" cap="flat" cmpd="sng">
+                      <a:solidFill>
+                        <a:srgbClr val="000008"/>
+                      </a:solidFill>
+                      <a:prstDash val="solid"/>
+                      <a:headEnd type="none" w="med" len="med"/>
+                      <a:tailEnd type="none" w="med" len="med"/>
+                    </a:lnT>
+                    <a:lnB w="6350" cap="flat" cmpd="sng">
+                      <a:solidFill>
+                        <a:srgbClr val="000008"/>
+                      </a:solidFill>
+                      <a:prstDash val="solid"/>
+                      <a:headEnd type="none" w="med" len="med"/>
+                      <a:tailEnd type="none" w="med" len="med"/>
+                    </a:lnB>
+                    <a:noFill/>
+                  </a:tcPr>
+                </a:tc>
+              </a:tr>
+              <a:tr h="440055">
+                <a:tc>
+                  <a:txBody>
+                    <a:bodyPr/>
+                    <a:p>
+                      <a:pPr marL="0" indent="0" algn="ctr">
+                        <a:spcBef>
+                          <a:spcPct val="0"/>
+                        </a:spcBef>
+                        <a:spcAft>
+                          <a:spcPct val="0"/>
+                        </a:spcAft>
+                      </a:pPr>
+                      <a:r>
+                        <a:rPr lang="zh-CN" sz="1200">
+                          <a:solidFill>
+                            <a:srgbClr val="000000"/>
+                          </a:solidFill>
+                          <a:latin typeface="宋体" panose="02010600030101010101" pitchFamily="2" charset="-122"/>
+                          <a:ea typeface="宋体" panose="02010600030101010101" pitchFamily="2" charset="-122"/>
+                        </a:rPr>
+                        <a:t>深度模型</a:t>
+                      </a:r>
+                      <a:endParaRPr lang="zh-CN" sz="1200">
+                        <a:solidFill>
+                          <a:srgbClr val="000000"/>
+                        </a:solidFill>
+                        <a:latin typeface="宋体" panose="02010600030101010101" pitchFamily="2" charset="-122"/>
+                        <a:ea typeface="宋体" panose="02010600030101010101" pitchFamily="2" charset="-122"/>
+                      </a:endParaRPr>
+                    </a:p>
+                  </a:txBody>
+                  <a:tcPr marL="68580" marR="68580" marT="0" marB="0" anchor="ctr" anchorCtr="0">
+                    <a:lnL w="6350" cap="flat" cmpd="sng">
+                      <a:solidFill>
+                        <a:srgbClr val="000008"/>
+                      </a:solidFill>
+                      <a:prstDash val="solid"/>
+                      <a:headEnd type="none" w="med" len="med"/>
+                      <a:tailEnd type="none" w="med" len="med"/>
+                    </a:lnL>
+                    <a:lnR w="6350" cap="flat" cmpd="sng">
+                      <a:solidFill>
+                        <a:srgbClr val="000008"/>
+                      </a:solidFill>
+                      <a:prstDash val="solid"/>
+                      <a:headEnd type="none" w="med" len="med"/>
+                      <a:tailEnd type="none" w="med" len="med"/>
+                    </a:lnR>
+                    <a:lnT w="6350" cap="flat" cmpd="sng">
+                      <a:solidFill>
+                        <a:srgbClr val="000008"/>
+                      </a:solidFill>
+                      <a:prstDash val="solid"/>
+                      <a:headEnd type="none" w="med" len="med"/>
+                      <a:tailEnd type="none" w="med" len="med"/>
+                    </a:lnT>
+                    <a:lnB w="6350" cap="flat" cmpd="sng">
+                      <a:solidFill>
+                        <a:srgbClr val="000008"/>
+                      </a:solidFill>
+                      <a:prstDash val="solid"/>
+                      <a:headEnd type="none" w="med" len="med"/>
+                      <a:tailEnd type="none" w="med" len="med"/>
+                    </a:lnB>
+                    <a:noFill/>
+                  </a:tcPr>
+                </a:tc>
+                <a:tc>
+                  <a:txBody>
+                    <a:bodyPr/>
+                    <a:p>
+                      <a:pPr marL="0" indent="0" algn="ctr">
+                        <a:spcBef>
+                          <a:spcPct val="0"/>
+                        </a:spcBef>
+                        <a:spcAft>
+                          <a:spcPct val="0"/>
+                        </a:spcAft>
+                      </a:pPr>
+                      <a:r>
+                        <a:rPr lang="en-US" altLang="zh-CN" sz="1200">
+                          <a:solidFill>
+                            <a:srgbClr val="000000"/>
+                          </a:solidFill>
+                          <a:latin typeface="宋体" panose="02010600030101010101" pitchFamily="2" charset="-122"/>
+                          <a:ea typeface="宋体" panose="02010600030101010101" pitchFamily="2" charset="-122"/>
+                        </a:rPr>
+                        <a:t>FNN</a:t>
+                      </a:r>
+                      <a:endParaRPr lang="en-US" altLang="zh-CN" sz="1200">
+                        <a:solidFill>
+                          <a:srgbClr val="000000"/>
+                        </a:solidFill>
+                        <a:latin typeface="宋体" panose="02010600030101010101" pitchFamily="2" charset="-122"/>
+                        <a:ea typeface="宋体" panose="02010600030101010101" pitchFamily="2" charset="-122"/>
+                      </a:endParaRPr>
+                    </a:p>
+                  </a:txBody>
+                  <a:tcPr marL="68580" marR="68580" marT="0" marB="0" anchor="ctr" anchorCtr="0">
+                    <a:lnL w="6350" cap="flat" cmpd="sng">
+                      <a:solidFill>
+                        <a:srgbClr val="000008"/>
+                      </a:solidFill>
+                      <a:prstDash val="solid"/>
+                      <a:headEnd type="none" w="med" len="med"/>
+                      <a:tailEnd type="none" w="med" len="med"/>
+                    </a:lnL>
+                    <a:lnR w="6350" cap="flat" cmpd="sng">
+                      <a:solidFill>
+                        <a:srgbClr val="000008"/>
+                      </a:solidFill>
+                      <a:prstDash val="solid"/>
+                      <a:headEnd type="none" w="med" len="med"/>
+                      <a:tailEnd type="none" w="med" len="med"/>
+                    </a:lnR>
+                    <a:lnT w="6350" cap="flat" cmpd="sng">
+                      <a:solidFill>
+                        <a:srgbClr val="000008"/>
+                      </a:solidFill>
+                      <a:prstDash val="solid"/>
+                      <a:headEnd type="none" w="med" len="med"/>
+                      <a:tailEnd type="none" w="med" len="med"/>
+                    </a:lnT>
+                    <a:lnB w="6350" cap="flat" cmpd="sng">
+                      <a:solidFill>
+                        <a:srgbClr val="000008"/>
+                      </a:solidFill>
+                      <a:prstDash val="solid"/>
+                      <a:headEnd type="none" w="med" len="med"/>
+                      <a:tailEnd type="none" w="med" len="med"/>
+                    </a:lnB>
+                    <a:noFill/>
+                  </a:tcPr>
+                </a:tc>
+                <a:tc>
+                  <a:txBody>
+                    <a:bodyPr/>
+                    <a:p>
+                      <a:pPr marL="0" indent="0" algn="ctr">
+                        <a:spcBef>
+                          <a:spcPct val="0"/>
+                        </a:spcBef>
+                        <a:spcAft>
+                          <a:spcPct val="0"/>
+                        </a:spcAft>
+                      </a:pPr>
+                      <a:r>
+                        <a:rPr lang="en-US" altLang="zh-CN" sz="1200">
+                          <a:solidFill>
+                            <a:srgbClr val="000000"/>
+                          </a:solidFill>
+                          <a:latin typeface="宋体" panose="02010600030101010101" pitchFamily="2" charset="-122"/>
+                          <a:ea typeface="宋体" panose="02010600030101010101" pitchFamily="2" charset="-122"/>
+                        </a:rPr>
+                        <a:t>0.8158</a:t>
+                      </a:r>
+                      <a:endParaRPr lang="en-US" altLang="zh-CN" sz="1200">
+                        <a:solidFill>
+                          <a:srgbClr val="000000"/>
+                        </a:solidFill>
+                        <a:latin typeface="宋体" panose="02010600030101010101" pitchFamily="2" charset="-122"/>
+                        <a:ea typeface="宋体" panose="02010600030101010101" pitchFamily="2" charset="-122"/>
+                      </a:endParaRPr>
+                    </a:p>
+                  </a:txBody>
+                  <a:tcPr marL="68580" marR="68580" marT="0" marB="0" anchor="ctr" anchorCtr="0">
+                    <a:lnL w="6350" cap="flat" cmpd="sng">
+                      <a:solidFill>
+                        <a:srgbClr val="000008"/>
+                      </a:solidFill>
+                      <a:prstDash val="solid"/>
+                      <a:headEnd type="none" w="med" len="med"/>
+                      <a:tailEnd type="none" w="med" len="med"/>
+                    </a:lnL>
+                    <a:lnR w="6350" cap="flat" cmpd="sng">
+                      <a:solidFill>
+                        <a:srgbClr val="000008"/>
+                      </a:solidFill>
+                      <a:prstDash val="solid"/>
+                      <a:headEnd type="none" w="med" len="med"/>
+                      <a:tailEnd type="none" w="med" len="med"/>
+                    </a:lnR>
+                    <a:lnT w="6350" cap="flat" cmpd="sng">
+                      <a:solidFill>
+                        <a:srgbClr val="000008"/>
+                      </a:solidFill>
+                      <a:prstDash val="solid"/>
+                      <a:headEnd type="none" w="med" len="med"/>
+                      <a:tailEnd type="none" w="med" len="med"/>
+                    </a:lnT>
+                    <a:lnB w="6350" cap="flat" cmpd="sng">
+                      <a:solidFill>
+                        <a:srgbClr val="000008"/>
+                      </a:solidFill>
+                      <a:prstDash val="solid"/>
+                      <a:headEnd type="none" w="med" len="med"/>
+                      <a:tailEnd type="none" w="med" len="med"/>
+                    </a:lnB>
+                    <a:noFill/>
+                  </a:tcPr>
+                </a:tc>
+                <a:tc>
+                  <a:txBody>
+                    <a:bodyPr/>
+                    <a:p>
+                      <a:pPr marL="0" indent="0" algn="ctr">
+                        <a:spcBef>
+                          <a:spcPct val="0"/>
+                        </a:spcBef>
+                        <a:spcAft>
+                          <a:spcPct val="0"/>
+                        </a:spcAft>
+                      </a:pPr>
+                      <a:r>
+                        <a:rPr lang="en-US" altLang="zh-CN" sz="1200">
+                          <a:solidFill>
+                            <a:srgbClr val="000000"/>
+                          </a:solidFill>
+                          <a:latin typeface="宋体" panose="02010600030101010101" pitchFamily="2" charset="-122"/>
+                          <a:ea typeface="宋体" panose="02010600030101010101" pitchFamily="2" charset="-122"/>
+                        </a:rPr>
+                        <a:t>0.7324</a:t>
+                      </a:r>
+                      <a:endParaRPr lang="en-US" altLang="zh-CN" sz="1200">
+                        <a:solidFill>
+                          <a:srgbClr val="000000"/>
+                        </a:solidFill>
+                        <a:latin typeface="宋体" panose="02010600030101010101" pitchFamily="2" charset="-122"/>
+                        <a:ea typeface="宋体" panose="02010600030101010101" pitchFamily="2" charset="-122"/>
+                      </a:endParaRPr>
+                    </a:p>
+                  </a:txBody>
+                  <a:tcPr marL="68580" marR="68580" marT="0" marB="0" anchor="ctr" anchorCtr="0">
+                    <a:lnL w="6350" cap="flat" cmpd="sng">
+                      <a:solidFill>
+                        <a:srgbClr val="000008"/>
+                      </a:solidFill>
+                      <a:prstDash val="solid"/>
+                      <a:headEnd type="none" w="med" len="med"/>
+                      <a:tailEnd type="none" w="med" len="med"/>
+                    </a:lnL>
+                    <a:lnR w="6350" cap="flat" cmpd="sng">
+                      <a:solidFill>
+                        <a:srgbClr val="000008"/>
+                      </a:solidFill>
+                      <a:prstDash val="solid"/>
+                      <a:headEnd type="none" w="med" len="med"/>
+                      <a:tailEnd type="none" w="med" len="med"/>
+                    </a:lnR>
+                    <a:lnT w="6350" cap="flat" cmpd="sng">
+                      <a:solidFill>
+                        <a:srgbClr val="000008"/>
+                      </a:solidFill>
+                      <a:prstDash val="solid"/>
+                      <a:headEnd type="none" w="med" len="med"/>
+                      <a:tailEnd type="none" w="med" len="med"/>
+                    </a:lnT>
+                    <a:lnB w="6350" cap="flat" cmpd="sng">
+                      <a:solidFill>
+                        <a:srgbClr val="000008"/>
+                      </a:solidFill>
+                      <a:prstDash val="solid"/>
+                      <a:headEnd type="none" w="med" len="med"/>
+                      <a:tailEnd type="none" w="med" len="med"/>
+                    </a:lnB>
+                    <a:noFill/>
+                  </a:tcPr>
+                </a:tc>
+                <a:tc>
+                  <a:txBody>
+                    <a:bodyPr/>
+                    <a:p>
+                      <a:pPr marL="0" indent="0" algn="ctr">
+                        <a:spcBef>
+                          <a:spcPct val="0"/>
+                        </a:spcBef>
+                        <a:spcAft>
+                          <a:spcPct val="0"/>
+                        </a:spcAft>
+                      </a:pPr>
+                      <a:r>
+                        <a:rPr lang="en-US" altLang="zh-CN" sz="1200">
+                          <a:solidFill>
+                            <a:srgbClr val="000000"/>
+                          </a:solidFill>
+                          <a:latin typeface="宋体" panose="02010600030101010101" pitchFamily="2" charset="-122"/>
+                          <a:ea typeface="宋体" panose="02010600030101010101" pitchFamily="2" charset="-122"/>
+                        </a:rPr>
+                        <a:t>0.7765</a:t>
+                      </a:r>
+                      <a:endParaRPr lang="en-US" altLang="zh-CN" sz="1200">
+                        <a:solidFill>
+                          <a:srgbClr val="000000"/>
+                        </a:solidFill>
+                        <a:latin typeface="宋体" panose="02010600030101010101" pitchFamily="2" charset="-122"/>
+                        <a:ea typeface="宋体" panose="02010600030101010101" pitchFamily="2" charset="-122"/>
+                      </a:endParaRPr>
+                    </a:p>
+                  </a:txBody>
+                  <a:tcPr marL="68580" marR="68580" marT="0" marB="0" anchor="ctr" anchorCtr="0">
+                    <a:lnL w="6350" cap="flat" cmpd="sng">
+                      <a:solidFill>
+                        <a:srgbClr val="000008"/>
+                      </a:solidFill>
+                      <a:prstDash val="solid"/>
+                      <a:headEnd type="none" w="med" len="med"/>
+                      <a:tailEnd type="none" w="med" len="med"/>
+                    </a:lnL>
+                    <a:lnR w="6350" cap="flat" cmpd="sng">
+                      <a:solidFill>
+                        <a:srgbClr val="000008"/>
+                      </a:solidFill>
+                      <a:prstDash val="solid"/>
+                      <a:headEnd type="none" w="med" len="med"/>
+                      <a:tailEnd type="none" w="med" len="med"/>
+                    </a:lnR>
+                    <a:lnT w="6350" cap="flat" cmpd="sng">
+                      <a:solidFill>
+                        <a:srgbClr val="000008"/>
+                      </a:solidFill>
+                      <a:prstDash val="solid"/>
+                      <a:headEnd type="none" w="med" len="med"/>
+                      <a:tailEnd type="none" w="med" len="med"/>
+                    </a:lnT>
+                    <a:lnB w="6350" cap="flat" cmpd="sng">
+                      <a:solidFill>
+                        <a:srgbClr val="000008"/>
+                      </a:solidFill>
+                      <a:prstDash val="solid"/>
+                      <a:headEnd type="none" w="med" len="med"/>
+                      <a:tailEnd type="none" w="med" len="med"/>
+                    </a:lnB>
+                    <a:noFill/>
+                  </a:tcPr>
                 </a:tc>
               </a:tr>
             </a:tbl>
@@ -5955,6 +8841,13 @@
     <a:masterClrMapping/>
   </p:clrMapOvr>
 </p:sld>
+</file>
+
+<file path=ppt/tags/tag1.xml><?xml version="1.0" encoding="utf-8"?>
+<p:tagLst xmlns:p="http://schemas.openxmlformats.org/presentationml/2006/main">
+  <p:tag name="TABLE_ENDDRAG_ORIGIN_RECT" val="705*380"/>
+  <p:tag name="TABLE_ENDDRAG_RECT" val="193*125*705*380"/>
+</p:tagLst>
 </file>
 
 <file path=ppt/theme/theme1.xml><?xml version="1.0" encoding="utf-8"?>

--- a/commit/课程报告.pptx
+++ b/commit/课程报告.pptx
@@ -5,7 +5,7 @@
     <p:sldMasterId id="2147483648" r:id="rId1"/>
   </p:sldMasterIdLst>
   <p:notesMasterIdLst>
-    <p:notesMasterId r:id="rId18"/>
+    <p:notesMasterId r:id="rId19"/>
   </p:notesMasterIdLst>
   <p:sldIdLst>
     <p:sldId id="256" r:id="rId3"/>
@@ -18,11 +18,12 @@
     <p:sldId id="302" r:id="rId10"/>
     <p:sldId id="303" r:id="rId11"/>
     <p:sldId id="304" r:id="rId12"/>
-    <p:sldId id="305" r:id="rId13"/>
-    <p:sldId id="310" r:id="rId14"/>
-    <p:sldId id="311" r:id="rId15"/>
-    <p:sldId id="307" r:id="rId16"/>
-    <p:sldId id="287" r:id="rId17"/>
+    <p:sldId id="330" r:id="rId13"/>
+    <p:sldId id="305" r:id="rId14"/>
+    <p:sldId id="310" r:id="rId15"/>
+    <p:sldId id="311" r:id="rId16"/>
+    <p:sldId id="307" r:id="rId17"/>
+    <p:sldId id="287" r:id="rId18"/>
   </p:sldIdLst>
   <p:sldSz cx="12192000" cy="6858000"/>
   <p:notesSz cx="6858000" cy="9144000"/>
@@ -125,11 +126,6 @@
     <p:ext uri="{EFAFB233-063F-42B5-8137-9DF3F51BA10A}">
       <p15:sldGuideLst xmlns:p15="http://schemas.microsoft.com/office/powerpoint/2012/main">
         <p15:guide id="1" orient="horz" pos="2160" userDrawn="1">
-          <p15:clr>
-            <a:srgbClr val="A4A3A4"/>
-          </p15:clr>
-        </p15:guide>
-        <p15:guide id="2" pos="3840" userDrawn="1">
           <p15:clr>
             <a:srgbClr val="A4A3A4"/>
           </p15:clr>
@@ -3463,7 +3459,7 @@
                 <a:cs typeface="Times New Roman" panose="02020603050405020304" pitchFamily="18" charset="0"/>
                 <a:sym typeface="+mn-ea"/>
               </a:rPr>
-              <a:t>实验结果部分</a:t>
+              <a:t>对比实验部分</a:t>
             </a:r>
             <a:endParaRPr lang="zh-CN" altLang="en-US" sz="3000">
               <a:latin typeface="Times New Roman" panose="02020603050405020304" pitchFamily="18" charset="0"/>
@@ -3979,7 +3975,7 @@
                           <a:latin typeface="宋体" panose="02010600030101010101" pitchFamily="2" charset="-122"/>
                           <a:ea typeface="宋体" panose="02010600030101010101" pitchFamily="2" charset="-122"/>
                         </a:rPr>
-                        <a:t>0.7987</a:t>
+                        <a:t>0.8179</a:t>
                       </a:r>
                       <a:endParaRPr lang="en-US" altLang="zh-CN" sz="1200">
                         <a:solidFill>
@@ -4046,7 +4042,7 @@
                           <a:latin typeface="宋体" panose="02010600030101010101" pitchFamily="2" charset="-122"/>
                           <a:ea typeface="宋体" panose="02010600030101010101" pitchFamily="2" charset="-122"/>
                         </a:rPr>
-                        <a:t>0.7640</a:t>
+                        <a:t>0.7659</a:t>
                       </a:r>
                       <a:endParaRPr lang="en-US" altLang="zh-CN" sz="1200">
                         <a:solidFill>
@@ -4113,7 +4109,7 @@
                           <a:latin typeface="宋体" panose="02010600030101010101" pitchFamily="2" charset="-122"/>
                           <a:ea typeface="宋体" panose="02010600030101010101" pitchFamily="2" charset="-122"/>
                         </a:rPr>
-                        <a:t>0.8345</a:t>
+                        <a:t>0.8646</a:t>
                       </a:r>
                       <a:endParaRPr lang="en-US" altLang="zh-CN" sz="1200">
                         <a:solidFill>
@@ -4316,7 +4312,7 @@
                           <a:latin typeface="宋体" panose="02010600030101010101" pitchFamily="2" charset="-122"/>
                           <a:ea typeface="宋体" panose="02010600030101010101" pitchFamily="2" charset="-122"/>
                         </a:rPr>
-                        <a:t>0.7173</a:t>
+                        <a:t>0.9180</a:t>
                       </a:r>
                       <a:endParaRPr lang="en-US" altLang="zh-CN" sz="1200">
                         <a:solidFill>
@@ -4383,7 +4379,7 @@
                           <a:latin typeface="宋体" panose="02010600030101010101" pitchFamily="2" charset="-122"/>
                           <a:ea typeface="宋体" panose="02010600030101010101" pitchFamily="2" charset="-122"/>
                         </a:rPr>
-                        <a:t>0.7034</a:t>
+                        <a:t>0.2493</a:t>
                       </a:r>
                       <a:endParaRPr lang="en-US" altLang="zh-CN" sz="1200">
                         <a:solidFill>
@@ -4450,7 +4446,7 @@
                           <a:latin typeface="宋体" panose="02010600030101010101" pitchFamily="2" charset="-122"/>
                           <a:ea typeface="宋体" panose="02010600030101010101" pitchFamily="2" charset="-122"/>
                         </a:rPr>
-                        <a:t>0.7108</a:t>
+                        <a:t>0.6030</a:t>
                       </a:r>
                       <a:endParaRPr lang="en-US" altLang="zh-CN" sz="1200">
                         <a:solidFill>
@@ -4653,7 +4649,7 @@
                           <a:latin typeface="宋体" panose="02010600030101010101" pitchFamily="2" charset="-122"/>
                           <a:ea typeface="宋体" panose="02010600030101010101" pitchFamily="2" charset="-122"/>
                         </a:rPr>
-                        <a:t>0.7963</a:t>
+                        <a:t>0.7965</a:t>
                       </a:r>
                       <a:endParaRPr lang="en-US" altLang="zh-CN" sz="1200">
                         <a:solidFill>
@@ -4720,7 +4716,7 @@
                           <a:latin typeface="宋体" panose="02010600030101010101" pitchFamily="2" charset="-122"/>
                           <a:ea typeface="宋体" panose="02010600030101010101" pitchFamily="2" charset="-122"/>
                         </a:rPr>
-                        <a:t>0.7596</a:t>
+                        <a:t>0.7607</a:t>
                       </a:r>
                       <a:endParaRPr lang="en-US" altLang="zh-CN" sz="1200">
                         <a:solidFill>
@@ -4787,7 +4783,7 @@
                           <a:latin typeface="宋体" panose="02010600030101010101" pitchFamily="2" charset="-122"/>
                           <a:ea typeface="宋体" panose="02010600030101010101" pitchFamily="2" charset="-122"/>
                         </a:rPr>
-                        <a:t>0.8528</a:t>
+                        <a:t>0.8531</a:t>
                       </a:r>
                       <a:endParaRPr lang="en-US" altLang="zh-CN" sz="1200">
                         <a:solidFill>
@@ -4943,7 +4939,7 @@
                           <a:latin typeface="宋体" panose="02010600030101010101" pitchFamily="2" charset="-122"/>
                           <a:ea typeface="宋体" panose="02010600030101010101" pitchFamily="2" charset="-122"/>
                         </a:rPr>
-                        <a:t>0.8049</a:t>
+                        <a:t>0.8039</a:t>
                       </a:r>
                       <a:endParaRPr lang="en-US" altLang="zh-CN" sz="1200">
                         <a:solidFill>
@@ -5010,7 +5006,7 @@
                           <a:latin typeface="宋体" panose="02010600030101010101" pitchFamily="2" charset="-122"/>
                           <a:ea typeface="宋体" panose="02010600030101010101" pitchFamily="2" charset="-122"/>
                         </a:rPr>
-                        <a:t>0.7581</a:t>
+                        <a:t>0.7592</a:t>
                       </a:r>
                       <a:endParaRPr lang="en-US" altLang="zh-CN" sz="1200">
                         <a:solidFill>
@@ -5077,7 +5073,7 @@
                           <a:latin typeface="宋体" panose="02010600030101010101" pitchFamily="2" charset="-122"/>
                           <a:ea typeface="宋体" panose="02010600030101010101" pitchFamily="2" charset="-122"/>
                         </a:rPr>
-                        <a:t>0.8574</a:t>
+                        <a:t>0.8576</a:t>
                       </a:r>
                       <a:endParaRPr lang="en-US" altLang="zh-CN" sz="1200">
                         <a:solidFill>
@@ -5241,7 +5237,7 @@
                           <a:latin typeface="宋体" panose="02010600030101010101" pitchFamily="2" charset="-122"/>
                           <a:ea typeface="宋体" panose="02010600030101010101" pitchFamily="2" charset="-122"/>
                         </a:rPr>
-                        <a:t>0.7920</a:t>
+                        <a:t>0.7912</a:t>
                       </a:r>
                       <a:endParaRPr lang="en-US" altLang="zh-CN" sz="1200">
                         <a:solidFill>
@@ -5308,7 +5304,7 @@
                           <a:latin typeface="宋体" panose="02010600030101010101" pitchFamily="2" charset="-122"/>
                           <a:ea typeface="宋体" panose="02010600030101010101" pitchFamily="2" charset="-122"/>
                         </a:rPr>
-                        <a:t>0.7495</a:t>
+                        <a:t>0.7514</a:t>
                       </a:r>
                       <a:endParaRPr lang="en-US" altLang="zh-CN" sz="1200">
                         <a:solidFill>
@@ -5571,6 +5567,73 @@
                         </a:spcAft>
                       </a:pPr>
                       <a:r>
+                        <a:rPr lang="en-US" altLang="zh-CN" sz="1200" b="0">
+                          <a:solidFill>
+                            <a:srgbClr val="000000"/>
+                          </a:solidFill>
+                          <a:latin typeface="宋体" panose="02010600030101010101" pitchFamily="2" charset="-122"/>
+                          <a:ea typeface="宋体" panose="02010600030101010101" pitchFamily="2" charset="-122"/>
+                        </a:rPr>
+                        <a:t>0.8228</a:t>
+                      </a:r>
+                      <a:endParaRPr lang="en-US" altLang="zh-CN" sz="1200" b="0">
+                        <a:solidFill>
+                          <a:srgbClr val="000000"/>
+                        </a:solidFill>
+                        <a:latin typeface="宋体" panose="02010600030101010101" pitchFamily="2" charset="-122"/>
+                        <a:ea typeface="宋体" panose="02010600030101010101" pitchFamily="2" charset="-122"/>
+                      </a:endParaRPr>
+                    </a:p>
+                  </a:txBody>
+                  <a:tcPr marL="68580" marR="68580" marT="0" marB="0" anchor="ctr" anchorCtr="0">
+                    <a:lnL w="6350" cap="flat" cmpd="sng">
+                      <a:solidFill>
+                        <a:srgbClr val="000008"/>
+                      </a:solidFill>
+                      <a:prstDash val="solid"/>
+                      <a:headEnd type="none" w="med" len="med"/>
+                      <a:tailEnd type="none" w="med" len="med"/>
+                    </a:lnL>
+                    <a:lnR w="6350" cap="flat" cmpd="sng">
+                      <a:solidFill>
+                        <a:srgbClr val="000008"/>
+                      </a:solidFill>
+                      <a:prstDash val="solid"/>
+                      <a:headEnd type="none" w="med" len="med"/>
+                      <a:tailEnd type="none" w="med" len="med"/>
+                    </a:lnR>
+                    <a:lnT w="6350" cap="flat" cmpd="sng">
+                      <a:solidFill>
+                        <a:srgbClr val="000008"/>
+                      </a:solidFill>
+                      <a:prstDash val="solid"/>
+                      <a:headEnd type="none" w="med" len="med"/>
+                      <a:tailEnd type="none" w="med" len="med"/>
+                    </a:lnT>
+                    <a:lnB w="6350" cap="flat" cmpd="sng">
+                      <a:solidFill>
+                        <a:srgbClr val="000008"/>
+                      </a:solidFill>
+                      <a:prstDash val="solid"/>
+                      <a:headEnd type="none" w="med" len="med"/>
+                      <a:tailEnd type="none" w="med" len="med"/>
+                    </a:lnB>
+                    <a:noFill/>
+                  </a:tcPr>
+                </a:tc>
+                <a:tc>
+                  <a:txBody>
+                    <a:bodyPr/>
+                    <a:p>
+                      <a:pPr marL="68580" indent="0" algn="ctr">
+                        <a:spcBef>
+                          <a:spcPct val="0"/>
+                        </a:spcBef>
+                        <a:spcAft>
+                          <a:spcPct val="0"/>
+                        </a:spcAft>
+                      </a:pPr>
+                      <a:r>
                         <a:rPr lang="en-US" altLang="zh-CN" sz="1200" b="1">
                           <a:solidFill>
                             <a:srgbClr val="000000"/>
@@ -5578,7 +5641,7 @@
                           <a:latin typeface="宋体" panose="02010600030101010101" pitchFamily="2" charset="-122"/>
                           <a:ea typeface="宋体" panose="02010600030101010101" pitchFamily="2" charset="-122"/>
                         </a:rPr>
-                        <a:t>0.8290</a:t>
+                        <a:t>0.7667</a:t>
                       </a:r>
                       <a:endParaRPr lang="en-US" altLang="zh-CN" sz="1200" b="1">
                         <a:solidFill>
@@ -5629,7 +5692,7 @@
                   <a:txBody>
                     <a:bodyPr/>
                     <a:p>
-                      <a:pPr marL="68580" indent="0" algn="ctr">
+                      <a:pPr marL="0" indent="0" algn="ctr">
                         <a:spcBef>
                           <a:spcPct val="0"/>
                         </a:spcBef>
@@ -5645,74 +5708,7 @@
                           <a:latin typeface="宋体" panose="02010600030101010101" pitchFamily="2" charset="-122"/>
                           <a:ea typeface="宋体" panose="02010600030101010101" pitchFamily="2" charset="-122"/>
                         </a:rPr>
-                        <a:t>0.7941</a:t>
-                      </a:r>
-                      <a:endParaRPr lang="en-US" altLang="zh-CN" sz="1200" b="1">
-                        <a:solidFill>
-                          <a:srgbClr val="000000"/>
-                        </a:solidFill>
-                        <a:latin typeface="宋体" panose="02010600030101010101" pitchFamily="2" charset="-122"/>
-                        <a:ea typeface="宋体" panose="02010600030101010101" pitchFamily="2" charset="-122"/>
-                      </a:endParaRPr>
-                    </a:p>
-                  </a:txBody>
-                  <a:tcPr marL="68580" marR="68580" marT="0" marB="0" anchor="ctr" anchorCtr="0">
-                    <a:lnL w="6350" cap="flat" cmpd="sng">
-                      <a:solidFill>
-                        <a:srgbClr val="000008"/>
-                      </a:solidFill>
-                      <a:prstDash val="solid"/>
-                      <a:headEnd type="none" w="med" len="med"/>
-                      <a:tailEnd type="none" w="med" len="med"/>
-                    </a:lnL>
-                    <a:lnR w="6350" cap="flat" cmpd="sng">
-                      <a:solidFill>
-                        <a:srgbClr val="000008"/>
-                      </a:solidFill>
-                      <a:prstDash val="solid"/>
-                      <a:headEnd type="none" w="med" len="med"/>
-                      <a:tailEnd type="none" w="med" len="med"/>
-                    </a:lnR>
-                    <a:lnT w="6350" cap="flat" cmpd="sng">
-                      <a:solidFill>
-                        <a:srgbClr val="000008"/>
-                      </a:solidFill>
-                      <a:prstDash val="solid"/>
-                      <a:headEnd type="none" w="med" len="med"/>
-                      <a:tailEnd type="none" w="med" len="med"/>
-                    </a:lnT>
-                    <a:lnB w="6350" cap="flat" cmpd="sng">
-                      <a:solidFill>
-                        <a:srgbClr val="000008"/>
-                      </a:solidFill>
-                      <a:prstDash val="solid"/>
-                      <a:headEnd type="none" w="med" len="med"/>
-                      <a:tailEnd type="none" w="med" len="med"/>
-                    </a:lnB>
-                    <a:noFill/>
-                  </a:tcPr>
-                </a:tc>
-                <a:tc>
-                  <a:txBody>
-                    <a:bodyPr/>
-                    <a:p>
-                      <a:pPr marL="0" indent="0" algn="ctr">
-                        <a:spcBef>
-                          <a:spcPct val="0"/>
-                        </a:spcBef>
-                        <a:spcAft>
-                          <a:spcPct val="0"/>
-                        </a:spcAft>
-                      </a:pPr>
-                      <a:r>
-                        <a:rPr lang="en-US" altLang="zh-CN" sz="1200" b="1">
-                          <a:solidFill>
-                            <a:srgbClr val="000000"/>
-                          </a:solidFill>
-                          <a:latin typeface="宋体" panose="02010600030101010101" pitchFamily="2" charset="-122"/>
-                          <a:ea typeface="宋体" panose="02010600030101010101" pitchFamily="2" charset="-122"/>
-                        </a:rPr>
-                        <a:t>0.8934</a:t>
+                        <a:t>0.8843</a:t>
                       </a:r>
                       <a:endParaRPr lang="en-US" altLang="zh-CN" sz="1200" b="1">
                         <a:solidFill>
@@ -5868,7 +5864,7 @@
                           <a:latin typeface="宋体" panose="02010600030101010101" pitchFamily="2" charset="-122"/>
                           <a:ea typeface="宋体" panose="02010600030101010101" pitchFamily="2" charset="-122"/>
                         </a:rPr>
-                        <a:t>0.8005</a:t>
+                        <a:t>0.7988</a:t>
                       </a:r>
                       <a:endParaRPr lang="en-US" altLang="zh-CN" sz="1200">
                         <a:solidFill>
@@ -5935,7 +5931,7 @@
                           <a:latin typeface="宋体" panose="02010600030101010101" pitchFamily="2" charset="-122"/>
                           <a:ea typeface="宋体" panose="02010600030101010101" pitchFamily="2" charset="-122"/>
                         </a:rPr>
-                        <a:t>0.7719</a:t>
+                        <a:t>0.7544</a:t>
                       </a:r>
                       <a:endParaRPr lang="en-US" altLang="zh-CN" sz="1200">
                         <a:solidFill>
@@ -6002,7 +5998,7 @@
                           <a:latin typeface="宋体" panose="02010600030101010101" pitchFamily="2" charset="-122"/>
                           <a:ea typeface="宋体" panose="02010600030101010101" pitchFamily="2" charset="-122"/>
                         </a:rPr>
-                        <a:t>0.8683</a:t>
+                        <a:t>0.8693</a:t>
                       </a:r>
                       <a:endParaRPr lang="en-US" altLang="zh-CN" sz="1200">
                         <a:solidFill>
@@ -6159,6 +6155,73 @@
                         </a:spcAft>
                       </a:pPr>
                       <a:r>
+                        <a:rPr lang="en-US" altLang="zh-CN" sz="1200" b="1">
+                          <a:solidFill>
+                            <a:srgbClr val="000000"/>
+                          </a:solidFill>
+                          <a:latin typeface="宋体" panose="02010600030101010101" pitchFamily="2" charset="-122"/>
+                          <a:ea typeface="宋体" panose="02010600030101010101" pitchFamily="2" charset="-122"/>
+                        </a:rPr>
+                        <a:t>0.9465</a:t>
+                      </a:r>
+                      <a:endParaRPr lang="en-US" altLang="zh-CN" sz="1200" b="1">
+                        <a:solidFill>
+                          <a:srgbClr val="000000"/>
+                        </a:solidFill>
+                        <a:latin typeface="宋体" panose="02010600030101010101" pitchFamily="2" charset="-122"/>
+                        <a:ea typeface="宋体" panose="02010600030101010101" pitchFamily="2" charset="-122"/>
+                      </a:endParaRPr>
+                    </a:p>
+                  </a:txBody>
+                  <a:tcPr marL="68580" marR="68580" marT="0" marB="0" anchor="ctr" anchorCtr="0">
+                    <a:lnL w="6350" cap="flat" cmpd="sng">
+                      <a:solidFill>
+                        <a:srgbClr val="000008"/>
+                      </a:solidFill>
+                      <a:prstDash val="solid"/>
+                      <a:headEnd type="none" w="med" len="med"/>
+                      <a:tailEnd type="none" w="med" len="med"/>
+                    </a:lnL>
+                    <a:lnR w="6350" cap="flat" cmpd="sng">
+                      <a:solidFill>
+                        <a:srgbClr val="000008"/>
+                      </a:solidFill>
+                      <a:prstDash val="solid"/>
+                      <a:headEnd type="none" w="med" len="med"/>
+                      <a:tailEnd type="none" w="med" len="med"/>
+                    </a:lnR>
+                    <a:lnT w="6350" cap="flat" cmpd="sng">
+                      <a:solidFill>
+                        <a:srgbClr val="000008"/>
+                      </a:solidFill>
+                      <a:prstDash val="solid"/>
+                      <a:headEnd type="none" w="med" len="med"/>
+                      <a:tailEnd type="none" w="med" len="med"/>
+                    </a:lnT>
+                    <a:lnB w="6350" cap="flat" cmpd="sng">
+                      <a:solidFill>
+                        <a:srgbClr val="000008"/>
+                      </a:solidFill>
+                      <a:prstDash val="solid"/>
+                      <a:headEnd type="none" w="med" len="med"/>
+                      <a:tailEnd type="none" w="med" len="med"/>
+                    </a:lnB>
+                    <a:noFill/>
+                  </a:tcPr>
+                </a:tc>
+                <a:tc>
+                  <a:txBody>
+                    <a:bodyPr/>
+                    <a:p>
+                      <a:pPr marL="0" indent="0" algn="ctr">
+                        <a:spcBef>
+                          <a:spcPct val="0"/>
+                        </a:spcBef>
+                        <a:spcAft>
+                          <a:spcPct val="0"/>
+                        </a:spcAft>
+                      </a:pPr>
+                      <a:r>
                         <a:rPr lang="en-US" altLang="zh-CN" sz="1200">
                           <a:solidFill>
                             <a:srgbClr val="000000"/>
@@ -6166,7 +6229,7 @@
                           <a:latin typeface="宋体" panose="02010600030101010101" pitchFamily="2" charset="-122"/>
                           <a:ea typeface="宋体" panose="02010600030101010101" pitchFamily="2" charset="-122"/>
                         </a:rPr>
-                        <a:t>0.8052</a:t>
+                        <a:t>0.3003</a:t>
                       </a:r>
                       <a:endParaRPr lang="en-US" altLang="zh-CN" sz="1200">
                         <a:solidFill>
@@ -6233,74 +6296,7 @@
                           <a:latin typeface="宋体" panose="02010600030101010101" pitchFamily="2" charset="-122"/>
                           <a:ea typeface="宋体" panose="02010600030101010101" pitchFamily="2" charset="-122"/>
                         </a:rPr>
-                        <a:t>0.7845</a:t>
-                      </a:r>
-                      <a:endParaRPr lang="en-US" altLang="zh-CN" sz="1200">
-                        <a:solidFill>
-                          <a:srgbClr val="000000"/>
-                        </a:solidFill>
-                        <a:latin typeface="宋体" panose="02010600030101010101" pitchFamily="2" charset="-122"/>
-                        <a:ea typeface="宋体" panose="02010600030101010101" pitchFamily="2" charset="-122"/>
-                      </a:endParaRPr>
-                    </a:p>
-                  </a:txBody>
-                  <a:tcPr marL="68580" marR="68580" marT="0" marB="0" anchor="ctr" anchorCtr="0">
-                    <a:lnL w="6350" cap="flat" cmpd="sng">
-                      <a:solidFill>
-                        <a:srgbClr val="000008"/>
-                      </a:solidFill>
-                      <a:prstDash val="solid"/>
-                      <a:headEnd type="none" w="med" len="med"/>
-                      <a:tailEnd type="none" w="med" len="med"/>
-                    </a:lnL>
-                    <a:lnR w="6350" cap="flat" cmpd="sng">
-                      <a:solidFill>
-                        <a:srgbClr val="000008"/>
-                      </a:solidFill>
-                      <a:prstDash val="solid"/>
-                      <a:headEnd type="none" w="med" len="med"/>
-                      <a:tailEnd type="none" w="med" len="med"/>
-                    </a:lnR>
-                    <a:lnT w="6350" cap="flat" cmpd="sng">
-                      <a:solidFill>
-                        <a:srgbClr val="000008"/>
-                      </a:solidFill>
-                      <a:prstDash val="solid"/>
-                      <a:headEnd type="none" w="med" len="med"/>
-                      <a:tailEnd type="none" w="med" len="med"/>
-                    </a:lnT>
-                    <a:lnB w="6350" cap="flat" cmpd="sng">
-                      <a:solidFill>
-                        <a:srgbClr val="000008"/>
-                      </a:solidFill>
-                      <a:prstDash val="solid"/>
-                      <a:headEnd type="none" w="med" len="med"/>
-                      <a:tailEnd type="none" w="med" len="med"/>
-                    </a:lnB>
-                    <a:noFill/>
-                  </a:tcPr>
-                </a:tc>
-                <a:tc>
-                  <a:txBody>
-                    <a:bodyPr/>
-                    <a:p>
-                      <a:pPr marL="0" indent="0" algn="ctr">
-                        <a:spcBef>
-                          <a:spcPct val="0"/>
-                        </a:spcBef>
-                        <a:spcAft>
-                          <a:spcPct val="0"/>
-                        </a:spcAft>
-                      </a:pPr>
-                      <a:r>
-                        <a:rPr lang="en-US" altLang="zh-CN" sz="1200">
-                          <a:solidFill>
-                            <a:srgbClr val="000000"/>
-                          </a:solidFill>
-                          <a:latin typeface="宋体" panose="02010600030101010101" pitchFamily="2" charset="-122"/>
-                          <a:ea typeface="宋体" panose="02010600030101010101" pitchFamily="2" charset="-122"/>
-                        </a:rPr>
-                        <a:t>0.8781</a:t>
+                        <a:t>0.8670</a:t>
                       </a:r>
                       <a:endParaRPr lang="en-US" altLang="zh-CN" sz="1200">
                         <a:solidFill>
@@ -6513,7 +6509,7 @@
                           <a:latin typeface="宋体" panose="02010600030101010101" pitchFamily="2" charset="-122"/>
                           <a:ea typeface="宋体" panose="02010600030101010101" pitchFamily="2" charset="-122"/>
                         </a:rPr>
-                        <a:t>0.7988</a:t>
+                        <a:t>0.8812</a:t>
                       </a:r>
                       <a:endParaRPr lang="en-US" altLang="zh-CN" sz="1200">
                         <a:solidFill>
@@ -6580,7 +6576,7 @@
                           <a:latin typeface="宋体" panose="02010600030101010101" pitchFamily="2" charset="-122"/>
                           <a:ea typeface="宋体" panose="02010600030101010101" pitchFamily="2" charset="-122"/>
                         </a:rPr>
-                        <a:t>0.7172</a:t>
+                        <a:t>0.4592</a:t>
                       </a:r>
                       <a:endParaRPr lang="en-US" altLang="zh-CN" sz="1200">
                         <a:solidFill>
@@ -6647,7 +6643,7 @@
                           <a:latin typeface="宋体" panose="02010600030101010101" pitchFamily="2" charset="-122"/>
                           <a:ea typeface="宋体" panose="02010600030101010101" pitchFamily="2" charset="-122"/>
                         </a:rPr>
-                        <a:t>0.8241</a:t>
+                        <a:t>0.7206</a:t>
                       </a:r>
                       <a:endParaRPr lang="en-US" altLang="zh-CN" sz="1200">
                         <a:solidFill>
@@ -7081,6 +7077,251 @@
                 <a:latin typeface="Times New Roman" panose="02020603050405020304" pitchFamily="18" charset="0"/>
                 <a:cs typeface="Times New Roman" panose="02020603050405020304" pitchFamily="18" charset="0"/>
               </a:rPr>
+              <a:t>任务一、心脏病风险预测</a:t>
+            </a:r>
+            <a:br>
+              <a:rPr lang="zh-CN" altLang="en-US">
+                <a:latin typeface="Times New Roman" panose="02020603050405020304" pitchFamily="18" charset="0"/>
+                <a:cs typeface="Times New Roman" panose="02020603050405020304" pitchFamily="18" charset="0"/>
+              </a:rPr>
+            </a:br>
+            <a:r>
+              <a:rPr lang="zh-CN" altLang="en-US" sz="3000">
+                <a:latin typeface="Times New Roman" panose="02020603050405020304" pitchFamily="18" charset="0"/>
+                <a:cs typeface="Times New Roman" panose="02020603050405020304" pitchFamily="18" charset="0"/>
+                <a:sym typeface="+mn-ea"/>
+              </a:rPr>
+              <a:t>消融</a:t>
+            </a:r>
+            <a:r>
+              <a:rPr lang="zh-CN" altLang="en-US" sz="3000">
+                <a:latin typeface="Times New Roman" panose="02020603050405020304" pitchFamily="18" charset="0"/>
+                <a:cs typeface="Times New Roman" panose="02020603050405020304" pitchFamily="18" charset="0"/>
+                <a:sym typeface="+mn-ea"/>
+              </a:rPr>
+              <a:t>实验部分</a:t>
+            </a:r>
+            <a:endParaRPr lang="zh-CN" altLang="en-US" sz="3000">
+              <a:latin typeface="Times New Roman" panose="02020603050405020304" pitchFamily="18" charset="0"/>
+              <a:cs typeface="Times New Roman" panose="02020603050405020304" pitchFamily="18" charset="0"/>
+            </a:endParaRPr>
+          </a:p>
+        </p:txBody>
+      </p:sp>
+      <p:sp>
+        <p:nvSpPr>
+          <p:cNvPr id="4" name="内容占位符 3"/>
+          <p:cNvSpPr/>
+          <p:nvPr>
+            <p:ph idx="1"/>
+          </p:nvPr>
+        </p:nvSpPr>
+        <p:spPr>
+          <a:xfrm>
+            <a:off x="838200" y="1825625"/>
+            <a:ext cx="5690235" cy="4351655"/>
+          </a:xfrm>
+        </p:spPr>
+        <p:txBody>
+          <a:bodyPr>
+            <a:normAutofit/>
+          </a:bodyPr>
+          <a:p>
+            <a:pPr marL="0" indent="0">
+              <a:buNone/>
+            </a:pPr>
+            <a:r>
+              <a:rPr lang="zh-CN" altLang="en-US"/>
+              <a:t>在对</a:t>
+            </a:r>
+            <a:r>
+              <a:rPr lang="en-US" altLang="zh-CN"/>
+              <a:t>LightGBM</a:t>
+            </a:r>
+            <a:r>
+              <a:rPr lang="zh-CN" altLang="en-US"/>
+              <a:t>模型进行调优时，我们首先采用了网格搜索得到了</a:t>
+            </a:r>
+            <a:r>
+              <a:rPr lang="zh-CN" altLang="en-US" b="1"/>
+              <a:t>最佳超参组合</a:t>
+            </a:r>
+            <a:r>
+              <a:rPr lang="zh-CN" altLang="en-US"/>
+              <a:t>。接着对于这组最佳超参组合，我们尝试对数据入手，对于当前模型，我们的优化目标应该是召回率，即应该尽可能找到心脏病患病患者，因此我们尝试提升正例样本的权重，得到了</a:t>
+            </a:r>
+            <a:r>
+              <a:rPr lang="zh-CN" altLang="en-US" b="1"/>
+              <a:t>召回率更高</a:t>
+            </a:r>
+            <a:r>
+              <a:rPr lang="zh-CN" altLang="en-US"/>
+              <a:t>的模型。</a:t>
+            </a:r>
+            <a:endParaRPr lang="zh-CN" altLang="en-US"/>
+          </a:p>
+        </p:txBody>
+      </p:sp>
+      <p:sp>
+        <p:nvSpPr>
+          <p:cNvPr id="7" name="文本框 6"/>
+          <p:cNvSpPr txBox="1"/>
+          <p:nvPr/>
+        </p:nvSpPr>
+        <p:spPr>
+          <a:xfrm>
+            <a:off x="6602730" y="1875155"/>
+            <a:ext cx="5396230" cy="3107690"/>
+          </a:xfrm>
+          <a:prstGeom prst="rect">
+            <a:avLst/>
+          </a:prstGeom>
+          <a:noFill/>
+        </p:spPr>
+        <p:txBody>
+          <a:bodyPr wrap="square" rtlCol="0" anchor="t">
+            <a:spAutoFit/>
+          </a:bodyPr>
+          <a:p>
+            <a:r>
+              <a:rPr lang="zh-CN" altLang="en-US" sz="2800"/>
+              <a:t>最佳超参组合：</a:t>
+            </a:r>
+            <a:endParaRPr lang="en-US" altLang="zh-CN" sz="2800"/>
+          </a:p>
+          <a:p>
+            <a:r>
+              <a:rPr lang="en-US" altLang="zh-CN" sz="2800"/>
+              <a:t>'lambda_l1': 0.2, 'lambda_l2': 0.2, </a:t>
+            </a:r>
+            <a:endParaRPr lang="en-US" altLang="zh-CN" sz="2800"/>
+          </a:p>
+          <a:p>
+            <a:r>
+              <a:rPr lang="en-US" altLang="zh-CN" sz="2800"/>
+              <a:t>'num_leaves': 120, 'reg_alpha': 0.1</a:t>
+            </a:r>
+            <a:endParaRPr lang="en-US" altLang="zh-CN" sz="2800"/>
+          </a:p>
+          <a:p>
+            <a:endParaRPr lang="zh-CN" altLang="en-US" sz="2800"/>
+          </a:p>
+          <a:p>
+            <a:r>
+              <a:rPr lang="zh-CN" altLang="en-US" sz="2800"/>
+              <a:t>召回率更高的模型指标：</a:t>
+            </a:r>
+            <a:endParaRPr lang="en-US" altLang="zh-CN" sz="2800"/>
+          </a:p>
+          <a:p>
+            <a:r>
+              <a:rPr lang="en-US" altLang="zh-CN" sz="2800"/>
+              <a:t>Recall </a:t>
+            </a:r>
+            <a:r>
+              <a:rPr lang="zh-CN" altLang="en-US" sz="2800"/>
+              <a:t>值：</a:t>
+            </a:r>
+            <a:r>
+              <a:rPr lang="en-US" altLang="zh-CN" sz="2800"/>
+              <a:t>0.7845      </a:t>
+            </a:r>
+            <a:r>
+              <a:rPr lang="zh-CN" altLang="en-US" sz="2800"/>
+              <a:t>（</a:t>
+            </a:r>
+            <a:r>
+              <a:rPr lang="en-US" altLang="zh-CN" sz="2800">
+                <a:solidFill>
+                  <a:srgbClr val="FF0000"/>
+                </a:solidFill>
+              </a:rPr>
+              <a:t>↑0.19</a:t>
+            </a:r>
+            <a:r>
+              <a:rPr lang="zh-CN" altLang="en-US" sz="2800"/>
+              <a:t>）</a:t>
+            </a:r>
+            <a:endParaRPr lang="en-US" altLang="zh-CN" sz="2800"/>
+          </a:p>
+          <a:p>
+            <a:r>
+              <a:rPr lang="en-US" altLang="zh-CN" sz="2800"/>
+              <a:t>ROC AUC </a:t>
+            </a:r>
+            <a:r>
+              <a:rPr lang="zh-CN" altLang="en-US" sz="2800"/>
+              <a:t>值：</a:t>
+            </a:r>
+            <a:r>
+              <a:rPr lang="en-US" altLang="zh-CN" sz="2800"/>
+              <a:t>0.8732</a:t>
+            </a:r>
+            <a:r>
+              <a:rPr lang="zh-CN" altLang="en-US" sz="2800"/>
+              <a:t>（</a:t>
+            </a:r>
+            <a:r>
+              <a:rPr lang="en-US" altLang="zh-CN" sz="2800">
+                <a:solidFill>
+                  <a:srgbClr val="00B050"/>
+                </a:solidFill>
+              </a:rPr>
+              <a:t>↓0.11</a:t>
+            </a:r>
+            <a:r>
+              <a:rPr lang="zh-CN" altLang="en-US" sz="2800"/>
+              <a:t>）</a:t>
+            </a:r>
+            <a:endParaRPr lang="zh-CN" altLang="en-US" sz="2800"/>
+          </a:p>
+        </p:txBody>
+      </p:sp>
+    </p:spTree>
+  </p:cSld>
+  <p:clrMapOvr>
+    <a:masterClrMapping/>
+  </p:clrMapOvr>
+</p:sld>
+</file>
+
+<file path=ppt/slides/slide12.xml><?xml version="1.0" encoding="utf-8"?>
+<p:sld xmlns:a="http://schemas.openxmlformats.org/drawingml/2006/main" xmlns:r="http://schemas.openxmlformats.org/officeDocument/2006/relationships" xmlns:p="http://schemas.openxmlformats.org/presentationml/2006/main">
+  <p:cSld>
+    <p:spTree>
+      <p:nvGrpSpPr>
+        <p:cNvPr id="1" name=""/>
+        <p:cNvGrpSpPr/>
+        <p:nvPr/>
+      </p:nvGrpSpPr>
+      <p:grpSpPr>
+        <a:xfrm>
+          <a:off x="0" y="0"/>
+          <a:ext cx="0" cy="0"/>
+          <a:chOff x="0" y="0"/>
+          <a:chExt cx="0" cy="0"/>
+        </a:xfrm>
+      </p:grpSpPr>
+      <p:sp>
+        <p:nvSpPr>
+          <p:cNvPr id="2" name="标题 1"/>
+          <p:cNvSpPr>
+            <a:spLocks noGrp="1"/>
+          </p:cNvSpPr>
+          <p:nvPr>
+            <p:ph type="title"/>
+          </p:nvPr>
+        </p:nvSpPr>
+        <p:spPr/>
+        <p:txBody>
+          <a:bodyPr/>
+          <a:lstStyle/>
+          <a:p>
+            <a:r>
+              <a:rPr lang="zh-CN" altLang="en-US">
+                <a:latin typeface="Times New Roman" panose="02020603050405020304" pitchFamily="18" charset="0"/>
+                <a:cs typeface="Times New Roman" panose="02020603050405020304" pitchFamily="18" charset="0"/>
+              </a:rPr>
               <a:t>任务二、心脏病预防分析</a:t>
             </a:r>
             <a:br>
@@ -7125,7 +7366,7 @@
           <a:p>
             <a:r>
               <a:rPr lang="zh-CN" altLang="en-US"/>
-              <a:t>对于分类属性，采用卡方检验和</a:t>
+              <a:t>对于标称属性，采用卡方检验和</a:t>
             </a:r>
             <a:r>
               <a:rPr lang="en-US" altLang="zh-CN"/>
@@ -7148,7 +7389,7 @@
           <a:p>
             <a:r>
               <a:rPr lang="zh-CN" altLang="en-US"/>
-              <a:t>对于连续值属性，采用点双列相关系数考察相关性。</a:t>
+              <a:t>对于连续属性，采用点双列相关系数考察相关性。</a:t>
             </a:r>
             <a:endParaRPr lang="zh-CN" altLang="en-US"/>
           </a:p>
@@ -7165,7 +7406,7 @@
 </p:sld>
 </file>
 
-<file path=ppt/slides/slide12.xml><?xml version="1.0" encoding="utf-8"?>
+<file path=ppt/slides/slide13.xml><?xml version="1.0" encoding="utf-8"?>
 <p:sld xmlns:a="http://schemas.openxmlformats.org/drawingml/2006/main" xmlns:r="http://schemas.openxmlformats.org/officeDocument/2006/relationships" xmlns:p="http://schemas.openxmlformats.org/presentationml/2006/main">
   <p:cSld>
     <p:spTree>
@@ -7283,7 +7524,7 @@
 </p:sld>
 </file>
 
-<file path=ppt/slides/slide13.xml><?xml version="1.0" encoding="utf-8"?>
+<file path=ppt/slides/slide14.xml><?xml version="1.0" encoding="utf-8"?>
 <p:sld xmlns:a="http://schemas.openxmlformats.org/drawingml/2006/main" xmlns:r="http://schemas.openxmlformats.org/officeDocument/2006/relationships" xmlns:p="http://schemas.openxmlformats.org/presentationml/2006/main">
   <p:cSld>
     <p:spTree>
@@ -7357,7 +7598,7 @@
             </a:pPr>
             <a:r>
               <a:rPr lang="zh-CN" altLang="en-US"/>
-              <a:t>分类属性</a:t>
+              <a:t>标称属性</a:t>
             </a:r>
             <a:endParaRPr lang="zh-CN" altLang="en-US"/>
           </a:p>
@@ -7401,7 +7642,7 @@
 </p:sld>
 </file>
 
-<file path=ppt/slides/slide14.xml><?xml version="1.0" encoding="utf-8"?>
+<file path=ppt/slides/slide15.xml><?xml version="1.0" encoding="utf-8"?>
 <p:sld xmlns:a="http://schemas.openxmlformats.org/drawingml/2006/main" xmlns:r="http://schemas.openxmlformats.org/officeDocument/2006/relationships" xmlns:p="http://schemas.openxmlformats.org/presentationml/2006/main">
   <p:cSld>
     <p:spTree>
@@ -7622,7 +7863,7 @@
 </p:sld>
 </file>
 
-<file path=ppt/slides/slide15.xml><?xml version="1.0" encoding="utf-8"?>
+<file path=ppt/slides/slide16.xml><?xml version="1.0" encoding="utf-8"?>
 <p:sld xmlns:a="http://schemas.openxmlformats.org/drawingml/2006/main" xmlns:r="http://schemas.openxmlformats.org/officeDocument/2006/relationships" xmlns:p="http://schemas.openxmlformats.org/presentationml/2006/main">
   <p:cSld>
     <p:spTree>
